--- a/Output_local/holding/figs/Figs_2.9.23.pptx
+++ b/Output_local/holding/figs/Figs_2.9.23.pptx
@@ -5,11 +5,21 @@
     <p:sldMasterId id="2147483648" r:id="rId1"/>
   </p:sldMasterIdLst>
   <p:notesMasterIdLst>
-    <p:notesMasterId r:id="rId4"/>
+    <p:notesMasterId r:id="rId14"/>
   </p:notesMasterIdLst>
   <p:sldIdLst>
     <p:sldId id="256" r:id="rId2"/>
-    <p:sldId id="257" r:id="rId3"/>
+    <p:sldId id="267" r:id="rId3"/>
+    <p:sldId id="266" r:id="rId4"/>
+    <p:sldId id="259" r:id="rId5"/>
+    <p:sldId id="260" r:id="rId6"/>
+    <p:sldId id="261" r:id="rId7"/>
+    <p:sldId id="257" r:id="rId8"/>
+    <p:sldId id="262" r:id="rId9"/>
+    <p:sldId id="263" r:id="rId10"/>
+    <p:sldId id="265" r:id="rId11"/>
+    <p:sldId id="264" r:id="rId12"/>
+    <p:sldId id="258" r:id="rId13"/>
   </p:sldIdLst>
   <p:sldSz cx="12192000" cy="6858000"/>
   <p:notesSz cx="6858000" cy="9144000"/>
@@ -108,6 +118,11 @@
       </a:defRPr>
     </a:lvl9pPr>
   </p:defaultTextStyle>
+  <p:extLst>
+    <p:ext uri="{EFAFB233-063F-42B5-8137-9DF3F51BA10A}">
+      <p15:sldGuideLst xmlns:p15="http://schemas.microsoft.com/office/powerpoint/2012/main"/>
+    </p:ext>
+  </p:extLst>
 </p:presentation>
 </file>
 
@@ -193,7 +208,7 @@
           <a:p>
             <a:fld id="{7CAA324E-A35A-4DB3-97D7-1D4F2911AA6E}" type="datetimeFigureOut">
               <a:rPr lang="en-US" smtClean="0"/>
-              <a:t>2/9/2023</a:t>
+              <a:t>2/13/2023</a:t>
             </a:fld>
             <a:endParaRPr lang="en-US"/>
           </a:p>
@@ -525,7 +540,7 @@
           <a:p>
             <a:fld id="{892026E9-A102-48D7-AB10-D3C6F50B5DF8}" type="slidenum">
               <a:rPr lang="en-US" smtClean="0"/>
-              <a:t>2</a:t>
+              <a:t>7</a:t>
             </a:fld>
             <a:endParaRPr lang="en-US"/>
           </a:p>
@@ -535,6 +550,105 @@
     <p:extLst>
       <p:ext uri="{BB962C8B-B14F-4D97-AF65-F5344CB8AC3E}">
         <p14:creationId xmlns:p14="http://schemas.microsoft.com/office/powerpoint/2010/main" val="3840609420"/>
+      </p:ext>
+    </p:extLst>
+  </p:cSld>
+  <p:clrMapOvr>
+    <a:masterClrMapping/>
+  </p:clrMapOvr>
+</p:notes>
+</file>
+
+<file path=ppt/notesSlides/notesSlide2.xml><?xml version="1.0" encoding="utf-8"?>
+<p:notes xmlns:a="http://schemas.openxmlformats.org/drawingml/2006/main" xmlns:r="http://schemas.openxmlformats.org/officeDocument/2006/relationships" xmlns:p="http://schemas.openxmlformats.org/presentationml/2006/main">
+  <p:cSld>
+    <p:spTree>
+      <p:nvGrpSpPr>
+        <p:cNvPr id="1" name=""/>
+        <p:cNvGrpSpPr/>
+        <p:nvPr/>
+      </p:nvGrpSpPr>
+      <p:grpSpPr>
+        <a:xfrm>
+          <a:off x="0" y="0"/>
+          <a:ext cx="0" cy="0"/>
+          <a:chOff x="0" y="0"/>
+          <a:chExt cx="0" cy="0"/>
+        </a:xfrm>
+      </p:grpSpPr>
+      <p:sp>
+        <p:nvSpPr>
+          <p:cNvPr id="2" name="Slide Image Placeholder 1"/>
+          <p:cNvSpPr>
+            <a:spLocks noGrp="1" noRot="1" noChangeAspect="1"/>
+          </p:cNvSpPr>
+          <p:nvPr>
+            <p:ph type="sldImg"/>
+          </p:nvPr>
+        </p:nvSpPr>
+        <p:spPr/>
+      </p:sp>
+      <p:sp>
+        <p:nvSpPr>
+          <p:cNvPr id="3" name="Notes Placeholder 2"/>
+          <p:cNvSpPr>
+            <a:spLocks noGrp="1"/>
+          </p:cNvSpPr>
+          <p:nvPr>
+            <p:ph type="body" idx="1"/>
+          </p:nvPr>
+        </p:nvSpPr>
+        <p:spPr/>
+        <p:txBody>
+          <a:bodyPr/>
+          <a:lstStyle/>
+          <a:p>
+            <a:r>
+              <a:rPr lang="en-US" dirty="0" err="1"/>
+              <a:t>Thinkin</a:t>
+            </a:r>
+            <a:r>
+              <a:rPr lang="en-US" dirty="0"/>
+              <a:t> the r0 at the lowest pop size is </a:t>
+            </a:r>
+            <a:r>
+              <a:rPr lang="en-US" dirty="0" err="1"/>
+              <a:t>kinda</a:t>
+            </a:r>
+            <a:r>
+              <a:rPr lang="en-US" dirty="0"/>
+              <a:t> silly since the pop isn’t allowed to grow anyways. Will probs need to extend the low r0 as the pop is increasing..?</a:t>
+            </a:r>
+          </a:p>
+        </p:txBody>
+      </p:sp>
+      <p:sp>
+        <p:nvSpPr>
+          <p:cNvPr id="4" name="Slide Number Placeholder 3"/>
+          <p:cNvSpPr>
+            <a:spLocks noGrp="1"/>
+          </p:cNvSpPr>
+          <p:nvPr>
+            <p:ph type="sldNum" sz="quarter" idx="5"/>
+          </p:nvPr>
+        </p:nvSpPr>
+        <p:spPr/>
+        <p:txBody>
+          <a:bodyPr/>
+          <a:lstStyle/>
+          <a:p>
+            <a:fld id="{892026E9-A102-48D7-AB10-D3C6F50B5DF8}" type="slidenum">
+              <a:rPr lang="en-US" smtClean="0"/>
+              <a:t>8</a:t>
+            </a:fld>
+            <a:endParaRPr lang="en-US"/>
+          </a:p>
+        </p:txBody>
+      </p:sp>
+    </p:spTree>
+    <p:extLst>
+      <p:ext uri="{BB962C8B-B14F-4D97-AF65-F5344CB8AC3E}">
+        <p14:creationId xmlns:p14="http://schemas.microsoft.com/office/powerpoint/2010/main" val="679013795"/>
       </p:ext>
     </p:extLst>
   </p:cSld>
@@ -691,7 +805,7 @@
           <a:p>
             <a:fld id="{962CC0B1-69B9-47DF-92B7-C17862251811}" type="datetimeFigureOut">
               <a:rPr lang="en-US" smtClean="0"/>
-              <a:t>2/9/2023</a:t>
+              <a:t>2/13/2023</a:t>
             </a:fld>
             <a:endParaRPr lang="en-US"/>
           </a:p>
@@ -889,7 +1003,7 @@
           <a:p>
             <a:fld id="{962CC0B1-69B9-47DF-92B7-C17862251811}" type="datetimeFigureOut">
               <a:rPr lang="en-US" smtClean="0"/>
-              <a:t>2/9/2023</a:t>
+              <a:t>2/13/2023</a:t>
             </a:fld>
             <a:endParaRPr lang="en-US"/>
           </a:p>
@@ -1097,7 +1211,7 @@
           <a:p>
             <a:fld id="{962CC0B1-69B9-47DF-92B7-C17862251811}" type="datetimeFigureOut">
               <a:rPr lang="en-US" smtClean="0"/>
-              <a:t>2/9/2023</a:t>
+              <a:t>2/13/2023</a:t>
             </a:fld>
             <a:endParaRPr lang="en-US"/>
           </a:p>
@@ -1295,7 +1409,7 @@
           <a:p>
             <a:fld id="{962CC0B1-69B9-47DF-92B7-C17862251811}" type="datetimeFigureOut">
               <a:rPr lang="en-US" smtClean="0"/>
-              <a:t>2/9/2023</a:t>
+              <a:t>2/13/2023</a:t>
             </a:fld>
             <a:endParaRPr lang="en-US"/>
           </a:p>
@@ -1570,7 +1684,7 @@
           <a:p>
             <a:fld id="{962CC0B1-69B9-47DF-92B7-C17862251811}" type="datetimeFigureOut">
               <a:rPr lang="en-US" smtClean="0"/>
-              <a:t>2/9/2023</a:t>
+              <a:t>2/13/2023</a:t>
             </a:fld>
             <a:endParaRPr lang="en-US"/>
           </a:p>
@@ -1835,7 +1949,7 @@
           <a:p>
             <a:fld id="{962CC0B1-69B9-47DF-92B7-C17862251811}" type="datetimeFigureOut">
               <a:rPr lang="en-US" smtClean="0"/>
-              <a:t>2/9/2023</a:t>
+              <a:t>2/13/2023</a:t>
             </a:fld>
             <a:endParaRPr lang="en-US"/>
           </a:p>
@@ -2247,7 +2361,7 @@
           <a:p>
             <a:fld id="{962CC0B1-69B9-47DF-92B7-C17862251811}" type="datetimeFigureOut">
               <a:rPr lang="en-US" smtClean="0"/>
-              <a:t>2/9/2023</a:t>
+              <a:t>2/13/2023</a:t>
             </a:fld>
             <a:endParaRPr lang="en-US"/>
           </a:p>
@@ -2388,7 +2502,7 @@
           <a:p>
             <a:fld id="{962CC0B1-69B9-47DF-92B7-C17862251811}" type="datetimeFigureOut">
               <a:rPr lang="en-US" smtClean="0"/>
-              <a:t>2/9/2023</a:t>
+              <a:t>2/13/2023</a:t>
             </a:fld>
             <a:endParaRPr lang="en-US"/>
           </a:p>
@@ -2501,7 +2615,7 @@
           <a:p>
             <a:fld id="{962CC0B1-69B9-47DF-92B7-C17862251811}" type="datetimeFigureOut">
               <a:rPr lang="en-US" smtClean="0"/>
-              <a:t>2/9/2023</a:t>
+              <a:t>2/13/2023</a:t>
             </a:fld>
             <a:endParaRPr lang="en-US"/>
           </a:p>
@@ -2812,7 +2926,7 @@
           <a:p>
             <a:fld id="{962CC0B1-69B9-47DF-92B7-C17862251811}" type="datetimeFigureOut">
               <a:rPr lang="en-US" smtClean="0"/>
-              <a:t>2/9/2023</a:t>
+              <a:t>2/13/2023</a:t>
             </a:fld>
             <a:endParaRPr lang="en-US"/>
           </a:p>
@@ -3100,7 +3214,7 @@
           <a:p>
             <a:fld id="{962CC0B1-69B9-47DF-92B7-C17862251811}" type="datetimeFigureOut">
               <a:rPr lang="en-US" smtClean="0"/>
-              <a:t>2/9/2023</a:t>
+              <a:t>2/13/2023</a:t>
             </a:fld>
             <a:endParaRPr lang="en-US"/>
           </a:p>
@@ -3341,7 +3455,7 @@
           <a:p>
             <a:fld id="{962CC0B1-69B9-47DF-92B7-C17862251811}" type="datetimeFigureOut">
               <a:rPr lang="en-US" smtClean="0"/>
-              <a:t>2/9/2023</a:t>
+              <a:t>2/13/2023</a:t>
             </a:fld>
             <a:endParaRPr lang="en-US"/>
           </a:p>
@@ -4735,6 +4849,1037 @@
 </p:sld>
 </file>
 
+<file path=ppt/slides/slide10.xml><?xml version="1.0" encoding="utf-8"?>
+<p:sld xmlns:a="http://schemas.openxmlformats.org/drawingml/2006/main" xmlns:r="http://schemas.openxmlformats.org/officeDocument/2006/relationships" xmlns:p="http://schemas.openxmlformats.org/presentationml/2006/main">
+  <p:cSld>
+    <p:spTree>
+      <p:nvGrpSpPr>
+        <p:cNvPr id="1" name=""/>
+        <p:cNvGrpSpPr/>
+        <p:nvPr/>
+      </p:nvGrpSpPr>
+      <p:grpSpPr>
+        <a:xfrm>
+          <a:off x="0" y="0"/>
+          <a:ext cx="0" cy="0"/>
+          <a:chOff x="0" y="0"/>
+          <a:chExt cx="0" cy="0"/>
+        </a:xfrm>
+      </p:grpSpPr>
+      <p:pic>
+        <p:nvPicPr>
+          <p:cNvPr id="5" name="Picture 4">
+            <a:extLst>
+              <a:ext uri="{FF2B5EF4-FFF2-40B4-BE49-F238E27FC236}">
+                <a16:creationId xmlns:a16="http://schemas.microsoft.com/office/drawing/2014/main" id="{304474B2-EFEC-0C2A-AD0D-1B2A37776950}"/>
+              </a:ext>
+            </a:extLst>
+          </p:cNvPr>
+          <p:cNvPicPr>
+            <a:picLocks noChangeAspect="1"/>
+          </p:cNvPicPr>
+          <p:nvPr/>
+        </p:nvPicPr>
+        <p:blipFill>
+          <a:blip r:embed="rId2"/>
+          <a:stretch>
+            <a:fillRect/>
+          </a:stretch>
+        </p:blipFill>
+        <p:spPr>
+          <a:xfrm>
+            <a:off x="360045" y="795202"/>
+            <a:ext cx="2809875" cy="2381250"/>
+          </a:xfrm>
+          <a:prstGeom prst="rect">
+            <a:avLst/>
+          </a:prstGeom>
+        </p:spPr>
+      </p:pic>
+      <p:pic>
+        <p:nvPicPr>
+          <p:cNvPr id="7" name="Picture 6">
+            <a:extLst>
+              <a:ext uri="{FF2B5EF4-FFF2-40B4-BE49-F238E27FC236}">
+                <a16:creationId xmlns:a16="http://schemas.microsoft.com/office/drawing/2014/main" id="{D0074423-4912-C2CC-341F-4A68E2FD0A29}"/>
+              </a:ext>
+            </a:extLst>
+          </p:cNvPr>
+          <p:cNvPicPr>
+            <a:picLocks noChangeAspect="1"/>
+          </p:cNvPicPr>
+          <p:nvPr/>
+        </p:nvPicPr>
+        <p:blipFill>
+          <a:blip r:embed="rId3"/>
+          <a:stretch>
+            <a:fillRect/>
+          </a:stretch>
+        </p:blipFill>
+        <p:spPr>
+          <a:xfrm>
+            <a:off x="3169920" y="795202"/>
+            <a:ext cx="2809875" cy="2381250"/>
+          </a:xfrm>
+          <a:prstGeom prst="rect">
+            <a:avLst/>
+          </a:prstGeom>
+        </p:spPr>
+      </p:pic>
+      <p:pic>
+        <p:nvPicPr>
+          <p:cNvPr id="9" name="Picture 8">
+            <a:extLst>
+              <a:ext uri="{FF2B5EF4-FFF2-40B4-BE49-F238E27FC236}">
+                <a16:creationId xmlns:a16="http://schemas.microsoft.com/office/drawing/2014/main" id="{79B3C970-DBE3-1705-CCC8-B0FF6E936EBA}"/>
+              </a:ext>
+            </a:extLst>
+          </p:cNvPr>
+          <p:cNvPicPr>
+            <a:picLocks noChangeAspect="1"/>
+          </p:cNvPicPr>
+          <p:nvPr/>
+        </p:nvPicPr>
+        <p:blipFill>
+          <a:blip r:embed="rId4"/>
+          <a:stretch>
+            <a:fillRect/>
+          </a:stretch>
+        </p:blipFill>
+        <p:spPr>
+          <a:xfrm>
+            <a:off x="6096000" y="795202"/>
+            <a:ext cx="2809875" cy="2381250"/>
+          </a:xfrm>
+          <a:prstGeom prst="rect">
+            <a:avLst/>
+          </a:prstGeom>
+        </p:spPr>
+      </p:pic>
+      <p:pic>
+        <p:nvPicPr>
+          <p:cNvPr id="11" name="Picture 10">
+            <a:extLst>
+              <a:ext uri="{FF2B5EF4-FFF2-40B4-BE49-F238E27FC236}">
+                <a16:creationId xmlns:a16="http://schemas.microsoft.com/office/drawing/2014/main" id="{C9D9D517-6541-4E64-AE61-6169A095FE1A}"/>
+              </a:ext>
+            </a:extLst>
+          </p:cNvPr>
+          <p:cNvPicPr>
+            <a:picLocks noChangeAspect="1"/>
+          </p:cNvPicPr>
+          <p:nvPr/>
+        </p:nvPicPr>
+        <p:blipFill>
+          <a:blip r:embed="rId5"/>
+          <a:stretch>
+            <a:fillRect/>
+          </a:stretch>
+        </p:blipFill>
+        <p:spPr>
+          <a:xfrm>
+            <a:off x="8905875" y="795202"/>
+            <a:ext cx="2809876" cy="2381251"/>
+          </a:xfrm>
+          <a:prstGeom prst="rect">
+            <a:avLst/>
+          </a:prstGeom>
+        </p:spPr>
+      </p:pic>
+      <p:pic>
+        <p:nvPicPr>
+          <p:cNvPr id="13" name="Picture 12">
+            <a:extLst>
+              <a:ext uri="{FF2B5EF4-FFF2-40B4-BE49-F238E27FC236}">
+                <a16:creationId xmlns:a16="http://schemas.microsoft.com/office/drawing/2014/main" id="{3D8CB66E-F4A8-AB87-6BCE-97F27D709340}"/>
+              </a:ext>
+            </a:extLst>
+          </p:cNvPr>
+          <p:cNvPicPr>
+            <a:picLocks noChangeAspect="1"/>
+          </p:cNvPicPr>
+          <p:nvPr/>
+        </p:nvPicPr>
+        <p:blipFill>
+          <a:blip r:embed="rId6"/>
+          <a:stretch>
+            <a:fillRect/>
+          </a:stretch>
+        </p:blipFill>
+        <p:spPr>
+          <a:xfrm>
+            <a:off x="1881186" y="3176452"/>
+            <a:ext cx="2809875" cy="2381250"/>
+          </a:xfrm>
+          <a:prstGeom prst="rect">
+            <a:avLst/>
+          </a:prstGeom>
+        </p:spPr>
+      </p:pic>
+      <p:pic>
+        <p:nvPicPr>
+          <p:cNvPr id="15" name="Picture 14">
+            <a:extLst>
+              <a:ext uri="{FF2B5EF4-FFF2-40B4-BE49-F238E27FC236}">
+                <a16:creationId xmlns:a16="http://schemas.microsoft.com/office/drawing/2014/main" id="{3BAB6FF1-2FC4-94E6-9647-7EAD706F7323}"/>
+              </a:ext>
+            </a:extLst>
+          </p:cNvPr>
+          <p:cNvPicPr>
+            <a:picLocks noChangeAspect="1"/>
+          </p:cNvPicPr>
+          <p:nvPr/>
+        </p:nvPicPr>
+        <p:blipFill>
+          <a:blip r:embed="rId7"/>
+          <a:stretch>
+            <a:fillRect/>
+          </a:stretch>
+        </p:blipFill>
+        <p:spPr>
+          <a:xfrm>
+            <a:off x="4691059" y="3176450"/>
+            <a:ext cx="2809877" cy="2381252"/>
+          </a:xfrm>
+          <a:prstGeom prst="rect">
+            <a:avLst/>
+          </a:prstGeom>
+        </p:spPr>
+      </p:pic>
+      <p:pic>
+        <p:nvPicPr>
+          <p:cNvPr id="17" name="Picture 16">
+            <a:extLst>
+              <a:ext uri="{FF2B5EF4-FFF2-40B4-BE49-F238E27FC236}">
+                <a16:creationId xmlns:a16="http://schemas.microsoft.com/office/drawing/2014/main" id="{6697B409-D422-3274-C73C-A544A0E56B19}"/>
+              </a:ext>
+            </a:extLst>
+          </p:cNvPr>
+          <p:cNvPicPr>
+            <a:picLocks noChangeAspect="1"/>
+          </p:cNvPicPr>
+          <p:nvPr/>
+        </p:nvPicPr>
+        <p:blipFill>
+          <a:blip r:embed="rId8"/>
+          <a:stretch>
+            <a:fillRect/>
+          </a:stretch>
+        </p:blipFill>
+        <p:spPr>
+          <a:xfrm>
+            <a:off x="7617137" y="3176451"/>
+            <a:ext cx="2809875" cy="2381250"/>
+          </a:xfrm>
+          <a:prstGeom prst="rect">
+            <a:avLst/>
+          </a:prstGeom>
+        </p:spPr>
+      </p:pic>
+      <p:sp>
+        <p:nvSpPr>
+          <p:cNvPr id="18" name="TextBox 17">
+            <a:extLst>
+              <a:ext uri="{FF2B5EF4-FFF2-40B4-BE49-F238E27FC236}">
+                <a16:creationId xmlns:a16="http://schemas.microsoft.com/office/drawing/2014/main" id="{21751A0E-D109-8B2C-B2DE-510832BAC1D5}"/>
+              </a:ext>
+            </a:extLst>
+          </p:cNvPr>
+          <p:cNvSpPr txBox="1"/>
+          <p:nvPr/>
+        </p:nvSpPr>
+        <p:spPr>
+          <a:xfrm>
+            <a:off x="757642" y="192302"/>
+            <a:ext cx="10676709" cy="1107996"/>
+          </a:xfrm>
+          <a:prstGeom prst="rect">
+            <a:avLst/>
+          </a:prstGeom>
+          <a:noFill/>
+        </p:spPr>
+        <p:txBody>
+          <a:bodyPr wrap="square" rtlCol="0">
+            <a:spAutoFit/>
+          </a:bodyPr>
+          <a:lstStyle/>
+          <a:p>
+            <a:r>
+              <a:rPr lang="en-US" sz="1600" dirty="0"/>
+              <a:t>Run_9: introduce </a:t>
+            </a:r>
+            <a:r>
+              <a:rPr lang="en-US" sz="1600" dirty="0" err="1"/>
+              <a:t>allee</a:t>
+            </a:r>
+            <a:r>
+              <a:rPr lang="en-US" sz="1600" dirty="0"/>
+              <a:t> effect at lowest pop size -- instead of r0 = 1, r0 = .5 at low pop sizes and .75r0 when in decline or growth [i.e., unstable] PLUS introduce </a:t>
+            </a:r>
+            <a:r>
+              <a:rPr lang="en-US" sz="1600" dirty="0" err="1"/>
+              <a:t>allee</a:t>
+            </a:r>
+            <a:r>
+              <a:rPr lang="en-US" sz="1600" dirty="0"/>
+              <a:t> effect when number of alive adults is less than 400, enacted in </a:t>
+            </a:r>
+            <a:r>
+              <a:rPr lang="en-US" sz="1600" dirty="0" err="1"/>
+              <a:t>FitnessDeath.R</a:t>
+            </a:r>
+            <a:r>
+              <a:rPr lang="en-US" sz="1600" dirty="0"/>
+              <a:t>, where the fitness effect is stronger at low pop sizes</a:t>
+            </a:r>
+          </a:p>
+          <a:p>
+            <a:endParaRPr lang="en-US" sz="1600" dirty="0"/>
+          </a:p>
+        </p:txBody>
+      </p:sp>
+      <p:pic>
+        <p:nvPicPr>
+          <p:cNvPr id="2" name="Picture 1">
+            <a:extLst>
+              <a:ext uri="{FF2B5EF4-FFF2-40B4-BE49-F238E27FC236}">
+                <a16:creationId xmlns:a16="http://schemas.microsoft.com/office/drawing/2014/main" id="{F72BC738-72D9-26E5-78CB-E27277C8C786}"/>
+              </a:ext>
+            </a:extLst>
+          </p:cNvPr>
+          <p:cNvPicPr>
+            <a:picLocks noChangeAspect="1"/>
+          </p:cNvPicPr>
+          <p:nvPr/>
+        </p:nvPicPr>
+        <p:blipFill>
+          <a:blip r:embed="rId9"/>
+          <a:stretch>
+            <a:fillRect/>
+          </a:stretch>
+        </p:blipFill>
+        <p:spPr>
+          <a:xfrm>
+            <a:off x="8239563" y="5737676"/>
+            <a:ext cx="3330229" cy="777307"/>
+          </a:xfrm>
+          <a:prstGeom prst="rect">
+            <a:avLst/>
+          </a:prstGeom>
+        </p:spPr>
+      </p:pic>
+    </p:spTree>
+    <p:extLst>
+      <p:ext uri="{BB962C8B-B14F-4D97-AF65-F5344CB8AC3E}">
+        <p14:creationId xmlns:p14="http://schemas.microsoft.com/office/powerpoint/2010/main" val="3393541521"/>
+      </p:ext>
+    </p:extLst>
+  </p:cSld>
+  <p:clrMapOvr>
+    <a:masterClrMapping/>
+  </p:clrMapOvr>
+</p:sld>
+</file>
+
+<file path=ppt/slides/slide11.xml><?xml version="1.0" encoding="utf-8"?>
+<p:sld xmlns:a="http://schemas.openxmlformats.org/drawingml/2006/main" xmlns:r="http://schemas.openxmlformats.org/officeDocument/2006/relationships" xmlns:p="http://schemas.openxmlformats.org/presentationml/2006/main">
+  <p:cSld>
+    <p:spTree>
+      <p:nvGrpSpPr>
+        <p:cNvPr id="1" name=""/>
+        <p:cNvGrpSpPr/>
+        <p:nvPr/>
+      </p:nvGrpSpPr>
+      <p:grpSpPr>
+        <a:xfrm>
+          <a:off x="0" y="0"/>
+          <a:ext cx="0" cy="0"/>
+          <a:chOff x="0" y="0"/>
+          <a:chExt cx="0" cy="0"/>
+        </a:xfrm>
+      </p:grpSpPr>
+      <p:pic>
+        <p:nvPicPr>
+          <p:cNvPr id="5" name="Picture 4">
+            <a:extLst>
+              <a:ext uri="{FF2B5EF4-FFF2-40B4-BE49-F238E27FC236}">
+                <a16:creationId xmlns:a16="http://schemas.microsoft.com/office/drawing/2014/main" id="{F9CB5F80-01F9-E7EB-510F-47C4165A07E1}"/>
+              </a:ext>
+            </a:extLst>
+          </p:cNvPr>
+          <p:cNvPicPr>
+            <a:picLocks noChangeAspect="1"/>
+          </p:cNvPicPr>
+          <p:nvPr/>
+        </p:nvPicPr>
+        <p:blipFill>
+          <a:blip r:embed="rId2"/>
+          <a:stretch>
+            <a:fillRect/>
+          </a:stretch>
+        </p:blipFill>
+        <p:spPr>
+          <a:xfrm>
+            <a:off x="490673" y="690698"/>
+            <a:ext cx="2809875" cy="2381250"/>
+          </a:xfrm>
+          <a:prstGeom prst="rect">
+            <a:avLst/>
+          </a:prstGeom>
+        </p:spPr>
+      </p:pic>
+      <p:pic>
+        <p:nvPicPr>
+          <p:cNvPr id="7" name="Picture 6">
+            <a:extLst>
+              <a:ext uri="{FF2B5EF4-FFF2-40B4-BE49-F238E27FC236}">
+                <a16:creationId xmlns:a16="http://schemas.microsoft.com/office/drawing/2014/main" id="{1CB5B740-7FFB-498B-26F0-EF38A906AAF5}"/>
+              </a:ext>
+            </a:extLst>
+          </p:cNvPr>
+          <p:cNvPicPr>
+            <a:picLocks noChangeAspect="1"/>
+          </p:cNvPicPr>
+          <p:nvPr/>
+        </p:nvPicPr>
+        <p:blipFill>
+          <a:blip r:embed="rId3"/>
+          <a:stretch>
+            <a:fillRect/>
+          </a:stretch>
+        </p:blipFill>
+        <p:spPr>
+          <a:xfrm>
+            <a:off x="3190331" y="690698"/>
+            <a:ext cx="2809875" cy="2381250"/>
+          </a:xfrm>
+          <a:prstGeom prst="rect">
+            <a:avLst/>
+          </a:prstGeom>
+        </p:spPr>
+      </p:pic>
+      <p:pic>
+        <p:nvPicPr>
+          <p:cNvPr id="9" name="Picture 8">
+            <a:extLst>
+              <a:ext uri="{FF2B5EF4-FFF2-40B4-BE49-F238E27FC236}">
+                <a16:creationId xmlns:a16="http://schemas.microsoft.com/office/drawing/2014/main" id="{016A80B2-2F6F-0765-1CE0-80307833A5D8}"/>
+              </a:ext>
+            </a:extLst>
+          </p:cNvPr>
+          <p:cNvPicPr>
+            <a:picLocks noChangeAspect="1"/>
+          </p:cNvPicPr>
+          <p:nvPr/>
+        </p:nvPicPr>
+        <p:blipFill>
+          <a:blip r:embed="rId4"/>
+          <a:stretch>
+            <a:fillRect/>
+          </a:stretch>
+        </p:blipFill>
+        <p:spPr>
+          <a:xfrm>
+            <a:off x="6000206" y="690698"/>
+            <a:ext cx="2809875" cy="2381250"/>
+          </a:xfrm>
+          <a:prstGeom prst="rect">
+            <a:avLst/>
+          </a:prstGeom>
+        </p:spPr>
+      </p:pic>
+      <p:pic>
+        <p:nvPicPr>
+          <p:cNvPr id="11" name="Picture 10">
+            <a:extLst>
+              <a:ext uri="{FF2B5EF4-FFF2-40B4-BE49-F238E27FC236}">
+                <a16:creationId xmlns:a16="http://schemas.microsoft.com/office/drawing/2014/main" id="{CED83A7D-66B5-675C-DC40-034690E08B4F}"/>
+              </a:ext>
+            </a:extLst>
+          </p:cNvPr>
+          <p:cNvPicPr>
+            <a:picLocks noChangeAspect="1"/>
+          </p:cNvPicPr>
+          <p:nvPr/>
+        </p:nvPicPr>
+        <p:blipFill>
+          <a:blip r:embed="rId5"/>
+          <a:stretch>
+            <a:fillRect/>
+          </a:stretch>
+        </p:blipFill>
+        <p:spPr>
+          <a:xfrm>
+            <a:off x="8699864" y="690698"/>
+            <a:ext cx="2809875" cy="2381250"/>
+          </a:xfrm>
+          <a:prstGeom prst="rect">
+            <a:avLst/>
+          </a:prstGeom>
+        </p:spPr>
+      </p:pic>
+      <p:pic>
+        <p:nvPicPr>
+          <p:cNvPr id="13" name="Picture 12">
+            <a:extLst>
+              <a:ext uri="{FF2B5EF4-FFF2-40B4-BE49-F238E27FC236}">
+                <a16:creationId xmlns:a16="http://schemas.microsoft.com/office/drawing/2014/main" id="{D8C775E3-85C9-6752-1049-E94B39319955}"/>
+              </a:ext>
+            </a:extLst>
+          </p:cNvPr>
+          <p:cNvPicPr>
+            <a:picLocks noChangeAspect="1"/>
+          </p:cNvPicPr>
+          <p:nvPr/>
+        </p:nvPicPr>
+        <p:blipFill>
+          <a:blip r:embed="rId6"/>
+          <a:stretch>
+            <a:fillRect/>
+          </a:stretch>
+        </p:blipFill>
+        <p:spPr>
+          <a:xfrm>
+            <a:off x="2087199" y="2963636"/>
+            <a:ext cx="2809875" cy="2381250"/>
+          </a:xfrm>
+          <a:prstGeom prst="rect">
+            <a:avLst/>
+          </a:prstGeom>
+        </p:spPr>
+      </p:pic>
+      <p:pic>
+        <p:nvPicPr>
+          <p:cNvPr id="15" name="Picture 14">
+            <a:extLst>
+              <a:ext uri="{FF2B5EF4-FFF2-40B4-BE49-F238E27FC236}">
+                <a16:creationId xmlns:a16="http://schemas.microsoft.com/office/drawing/2014/main" id="{53927275-CDBA-CDA4-687A-65F5AC9056B5}"/>
+              </a:ext>
+            </a:extLst>
+          </p:cNvPr>
+          <p:cNvPicPr>
+            <a:picLocks noChangeAspect="1"/>
+          </p:cNvPicPr>
+          <p:nvPr/>
+        </p:nvPicPr>
+        <p:blipFill>
+          <a:blip r:embed="rId7"/>
+          <a:stretch>
+            <a:fillRect/>
+          </a:stretch>
+        </p:blipFill>
+        <p:spPr>
+          <a:xfrm>
+            <a:off x="4897074" y="3017792"/>
+            <a:ext cx="2809875" cy="2381250"/>
+          </a:xfrm>
+          <a:prstGeom prst="rect">
+            <a:avLst/>
+          </a:prstGeom>
+        </p:spPr>
+      </p:pic>
+      <p:pic>
+        <p:nvPicPr>
+          <p:cNvPr id="17" name="Picture 16">
+            <a:extLst>
+              <a:ext uri="{FF2B5EF4-FFF2-40B4-BE49-F238E27FC236}">
+                <a16:creationId xmlns:a16="http://schemas.microsoft.com/office/drawing/2014/main" id="{9C57891A-C068-4D1A-6EAB-3DB8BBCD01D3}"/>
+              </a:ext>
+            </a:extLst>
+          </p:cNvPr>
+          <p:cNvPicPr>
+            <a:picLocks noChangeAspect="1"/>
+          </p:cNvPicPr>
+          <p:nvPr/>
+        </p:nvPicPr>
+        <p:blipFill>
+          <a:blip r:embed="rId8"/>
+          <a:stretch>
+            <a:fillRect/>
+          </a:stretch>
+        </p:blipFill>
+        <p:spPr>
+          <a:xfrm>
+            <a:off x="7706949" y="3044870"/>
+            <a:ext cx="2809876" cy="2381251"/>
+          </a:xfrm>
+          <a:prstGeom prst="rect">
+            <a:avLst/>
+          </a:prstGeom>
+        </p:spPr>
+      </p:pic>
+      <p:sp>
+        <p:nvSpPr>
+          <p:cNvPr id="18" name="TextBox 17">
+            <a:extLst>
+              <a:ext uri="{FF2B5EF4-FFF2-40B4-BE49-F238E27FC236}">
+                <a16:creationId xmlns:a16="http://schemas.microsoft.com/office/drawing/2014/main" id="{D951D511-E116-D953-089D-B21BE0A28C0D}"/>
+              </a:ext>
+            </a:extLst>
+          </p:cNvPr>
+          <p:cNvSpPr txBox="1"/>
+          <p:nvPr/>
+        </p:nvSpPr>
+        <p:spPr>
+          <a:xfrm>
+            <a:off x="985652" y="367531"/>
+            <a:ext cx="10584140" cy="923330"/>
+          </a:xfrm>
+          <a:prstGeom prst="rect">
+            <a:avLst/>
+          </a:prstGeom>
+          <a:noFill/>
+        </p:spPr>
+        <p:txBody>
+          <a:bodyPr wrap="square" rtlCol="0">
+            <a:spAutoFit/>
+          </a:bodyPr>
+          <a:lstStyle/>
+          <a:p>
+            <a:r>
+              <a:rPr lang="en-US" dirty="0"/>
+              <a:t>Run_10: </a:t>
+            </a:r>
+            <a:r>
+              <a:rPr lang="en-US" dirty="0" err="1"/>
+              <a:t>fitdeath</a:t>
+            </a:r>
+            <a:r>
+              <a:rPr lang="en-US" dirty="0"/>
+              <a:t> is at .5 rate and r0 is only at 1 in stable starting point </a:t>
+            </a:r>
+          </a:p>
+          <a:p>
+            <a:r>
+              <a:rPr lang="en-US" dirty="0"/>
+              <a:t>[i.e., y &lt; 100 r0 = 1; 0.5 @ duration of lowest pop size; 0.75 at pop increase, decrease, &amp; </a:t>
+            </a:r>
+            <a:r>
+              <a:rPr lang="en-US" dirty="0" err="1"/>
+              <a:t>postbottleneck</a:t>
+            </a:r>
+            <a:r>
+              <a:rPr lang="en-US" dirty="0"/>
+              <a:t>]</a:t>
+            </a:r>
+          </a:p>
+          <a:p>
+            <a:endParaRPr lang="en-US" dirty="0"/>
+          </a:p>
+        </p:txBody>
+      </p:sp>
+      <p:pic>
+        <p:nvPicPr>
+          <p:cNvPr id="2" name="Picture 1">
+            <a:extLst>
+              <a:ext uri="{FF2B5EF4-FFF2-40B4-BE49-F238E27FC236}">
+                <a16:creationId xmlns:a16="http://schemas.microsoft.com/office/drawing/2014/main" id="{271537FC-E4F5-98BA-42F5-8BDFCCFA5C36}"/>
+              </a:ext>
+            </a:extLst>
+          </p:cNvPr>
+          <p:cNvPicPr>
+            <a:picLocks noChangeAspect="1"/>
+          </p:cNvPicPr>
+          <p:nvPr/>
+        </p:nvPicPr>
+        <p:blipFill>
+          <a:blip r:embed="rId9"/>
+          <a:stretch>
+            <a:fillRect/>
+          </a:stretch>
+        </p:blipFill>
+        <p:spPr>
+          <a:xfrm>
+            <a:off x="8239563" y="5737676"/>
+            <a:ext cx="3330229" cy="777307"/>
+          </a:xfrm>
+          <a:prstGeom prst="rect">
+            <a:avLst/>
+          </a:prstGeom>
+        </p:spPr>
+      </p:pic>
+    </p:spTree>
+    <p:extLst>
+      <p:ext uri="{BB962C8B-B14F-4D97-AF65-F5344CB8AC3E}">
+        <p14:creationId xmlns:p14="http://schemas.microsoft.com/office/powerpoint/2010/main" val="615628011"/>
+      </p:ext>
+    </p:extLst>
+  </p:cSld>
+  <p:clrMapOvr>
+    <a:masterClrMapping/>
+  </p:clrMapOvr>
+</p:sld>
+</file>
+
+<file path=ppt/slides/slide12.xml><?xml version="1.0" encoding="utf-8"?>
+<p:sld xmlns:a="http://schemas.openxmlformats.org/drawingml/2006/main" xmlns:r="http://schemas.openxmlformats.org/officeDocument/2006/relationships" xmlns:p="http://schemas.openxmlformats.org/presentationml/2006/main">
+  <p:cSld>
+    <p:spTree>
+      <p:nvGrpSpPr>
+        <p:cNvPr id="1" name=""/>
+        <p:cNvGrpSpPr/>
+        <p:nvPr/>
+      </p:nvGrpSpPr>
+      <p:grpSpPr>
+        <a:xfrm>
+          <a:off x="0" y="0"/>
+          <a:ext cx="0" cy="0"/>
+          <a:chOff x="0" y="0"/>
+          <a:chExt cx="0" cy="0"/>
+        </a:xfrm>
+      </p:grpSpPr>
+      <p:pic>
+        <p:nvPicPr>
+          <p:cNvPr id="6" name="Picture 5">
+            <a:extLst>
+              <a:ext uri="{FF2B5EF4-FFF2-40B4-BE49-F238E27FC236}">
+                <a16:creationId xmlns:a16="http://schemas.microsoft.com/office/drawing/2014/main" id="{671CCA58-0567-DB8F-B64A-CB9C43903F55}"/>
+              </a:ext>
+            </a:extLst>
+          </p:cNvPr>
+          <p:cNvPicPr>
+            <a:picLocks noChangeAspect="1"/>
+          </p:cNvPicPr>
+          <p:nvPr/>
+        </p:nvPicPr>
+        <p:blipFill>
+          <a:blip r:embed="rId2"/>
+          <a:stretch>
+            <a:fillRect/>
+          </a:stretch>
+        </p:blipFill>
+        <p:spPr>
+          <a:xfrm>
+            <a:off x="0" y="1129481"/>
+            <a:ext cx="12192000" cy="1665676"/>
+          </a:xfrm>
+          <a:prstGeom prst="rect">
+            <a:avLst/>
+          </a:prstGeom>
+        </p:spPr>
+      </p:pic>
+      <p:sp>
+        <p:nvSpPr>
+          <p:cNvPr id="9" name="TextBox 8">
+            <a:extLst>
+              <a:ext uri="{FF2B5EF4-FFF2-40B4-BE49-F238E27FC236}">
+                <a16:creationId xmlns:a16="http://schemas.microsoft.com/office/drawing/2014/main" id="{01323B4C-28F0-BEAB-43DA-B8271E54E0D4}"/>
+              </a:ext>
+            </a:extLst>
+          </p:cNvPr>
+          <p:cNvSpPr txBox="1"/>
+          <p:nvPr/>
+        </p:nvSpPr>
+        <p:spPr>
+          <a:xfrm>
+            <a:off x="854652" y="3761509"/>
+            <a:ext cx="11458575" cy="1169551"/>
+          </a:xfrm>
+          <a:prstGeom prst="rect">
+            <a:avLst/>
+          </a:prstGeom>
+          <a:noFill/>
+        </p:spPr>
+        <p:txBody>
+          <a:bodyPr wrap="square">
+            <a:spAutoFit/>
+          </a:bodyPr>
+          <a:lstStyle/>
+          <a:p>
+            <a:r>
+              <a:rPr lang="en-US" sz="700" dirty="0" err="1"/>
+              <a:t>miggy</a:t>
+            </a:r>
+            <a:r>
+              <a:rPr lang="en-US" sz="700" dirty="0"/>
+              <a:t> b = 150 @ </a:t>
+            </a:r>
+            <a:r>
+              <a:rPr lang="en-US" sz="700" dirty="0" err="1"/>
+              <a:t>yr</a:t>
+            </a:r>
+            <a:r>
+              <a:rPr lang="en-US" sz="700" dirty="0"/>
+              <a:t> 175, </a:t>
+            </a:r>
+            <a:r>
+              <a:rPr lang="en-US" sz="700" dirty="0" err="1"/>
+              <a:t>miggy</a:t>
+            </a:r>
+            <a:r>
+              <a:rPr lang="en-US" sz="700" dirty="0"/>
+              <a:t> c = 75 @ 175, 201, 225, </a:t>
+            </a:r>
+            <a:r>
+              <a:rPr lang="en-US" sz="700" dirty="0" err="1"/>
+              <a:t>miggy</a:t>
+            </a:r>
+            <a:r>
+              <a:rPr lang="en-US" sz="700" dirty="0"/>
+              <a:t> d = on </a:t>
+            </a:r>
+            <a:r>
+              <a:rPr lang="en-US" sz="700" dirty="0" err="1"/>
+              <a:t>mig</a:t>
+            </a:r>
+            <a:r>
+              <a:rPr lang="en-US" sz="700" dirty="0"/>
+              <a:t> per gen but not during drop or dur, </a:t>
+            </a:r>
+            <a:r>
+              <a:rPr lang="en-US" sz="700" dirty="0" err="1"/>
+              <a:t>miggy</a:t>
+            </a:r>
+            <a:r>
+              <a:rPr lang="en-US" sz="700" dirty="0"/>
+              <a:t> e = one </a:t>
+            </a:r>
+            <a:r>
+              <a:rPr lang="en-US" sz="700" dirty="0" err="1"/>
+              <a:t>mig</a:t>
+            </a:r>
+            <a:r>
+              <a:rPr lang="en-US" sz="700" dirty="0"/>
+              <a:t> per gen starting after drop</a:t>
+            </a:r>
+          </a:p>
+          <a:p>
+            <a:r>
+              <a:rPr lang="en-US" sz="700" dirty="0" err="1"/>
+              <a:t>miggy</a:t>
+            </a:r>
+            <a:r>
+              <a:rPr lang="en-US" sz="700" dirty="0"/>
+              <a:t> b = 300 @ </a:t>
+            </a:r>
+            <a:r>
+              <a:rPr lang="en-US" sz="700" dirty="0" err="1"/>
+              <a:t>yr</a:t>
+            </a:r>
+            <a:r>
+              <a:rPr lang="en-US" sz="700" dirty="0"/>
+              <a:t> 175, </a:t>
+            </a:r>
+            <a:r>
+              <a:rPr lang="en-US" sz="700" dirty="0" err="1"/>
+              <a:t>miggy</a:t>
+            </a:r>
+            <a:r>
+              <a:rPr lang="en-US" sz="700" dirty="0"/>
+              <a:t> c = 100 @ 175, 201, 225, </a:t>
+            </a:r>
+            <a:r>
+              <a:rPr lang="en-US" sz="700" dirty="0" err="1"/>
+              <a:t>miggy</a:t>
+            </a:r>
+            <a:r>
+              <a:rPr lang="en-US" sz="700" dirty="0"/>
+              <a:t> d = on </a:t>
+            </a:r>
+            <a:r>
+              <a:rPr lang="en-US" sz="700" dirty="0" err="1"/>
+              <a:t>mig</a:t>
+            </a:r>
+            <a:r>
+              <a:rPr lang="en-US" sz="700" dirty="0"/>
+              <a:t> per gen but not during drop or dur, </a:t>
+            </a:r>
+            <a:r>
+              <a:rPr lang="en-US" sz="700" dirty="0" err="1"/>
+              <a:t>miggy</a:t>
+            </a:r>
+            <a:r>
+              <a:rPr lang="en-US" sz="700" dirty="0"/>
+              <a:t> e = two </a:t>
+            </a:r>
+            <a:r>
+              <a:rPr lang="en-US" sz="700" dirty="0" err="1"/>
+              <a:t>mig</a:t>
+            </a:r>
+            <a:r>
+              <a:rPr lang="en-US" sz="700" dirty="0"/>
+              <a:t> per gen starting after drop</a:t>
+            </a:r>
+          </a:p>
+          <a:p>
+            <a:r>
+              <a:rPr lang="en-US" sz="700" dirty="0" err="1"/>
+              <a:t>miggy</a:t>
+            </a:r>
+            <a:r>
+              <a:rPr lang="en-US" sz="700" dirty="0"/>
+              <a:t> b = 150 @ </a:t>
+            </a:r>
+            <a:r>
+              <a:rPr lang="en-US" sz="700" dirty="0" err="1"/>
+              <a:t>yr</a:t>
+            </a:r>
+            <a:r>
+              <a:rPr lang="en-US" sz="700" dirty="0"/>
+              <a:t> 151, </a:t>
+            </a:r>
+            <a:r>
+              <a:rPr lang="en-US" sz="700" dirty="0" err="1"/>
+              <a:t>miggy</a:t>
+            </a:r>
+            <a:r>
+              <a:rPr lang="en-US" sz="700" dirty="0"/>
+              <a:t> c = 75 @ 151, 161, 171, 201, </a:t>
+            </a:r>
+            <a:r>
+              <a:rPr lang="en-US" sz="700" dirty="0" err="1"/>
+              <a:t>miggy</a:t>
+            </a:r>
+            <a:r>
+              <a:rPr lang="en-US" sz="700" dirty="0"/>
+              <a:t> e = five </a:t>
+            </a:r>
+            <a:r>
+              <a:rPr lang="en-US" sz="700" dirty="0" err="1"/>
+              <a:t>mig</a:t>
+            </a:r>
+            <a:r>
+              <a:rPr lang="en-US" sz="700" dirty="0"/>
+              <a:t> per gen starting after drop</a:t>
+            </a:r>
+          </a:p>
+          <a:p>
+            <a:r>
+              <a:rPr lang="en-US" sz="700" dirty="0"/>
+              <a:t>removing fitness death to see if it will still result in high Ho -- checking why first couple years are weird -- maybe those older than maturity have lower Ho than the rest of the pop is allowed to get? __ after submitting this run, looks like if heterozygosity is ~0, nearly 100% chance of dying.</a:t>
+            </a:r>
+          </a:p>
+          <a:p>
+            <a:r>
+              <a:rPr lang="en-US" sz="700" dirty="0"/>
+              <a:t>looks like if heterozygosity is ~0, nearly 100% chance of dying. Therefore it is now a 50% chance with a probability of  prob = c(.5/het/100,(1-(.5/het/100)))</a:t>
+            </a:r>
+          </a:p>
+          <a:p>
+            <a:r>
+              <a:rPr lang="en-US" sz="700" dirty="0" err="1"/>
+              <a:t>miggy</a:t>
+            </a:r>
+            <a:r>
+              <a:rPr lang="en-US" sz="700" dirty="0"/>
+              <a:t> b = 300 @ </a:t>
+            </a:r>
+            <a:r>
+              <a:rPr lang="en-US" sz="700" dirty="0" err="1"/>
+              <a:t>yr</a:t>
+            </a:r>
+            <a:r>
+              <a:rPr lang="en-US" sz="700" dirty="0"/>
+              <a:t> 151, </a:t>
+            </a:r>
+            <a:r>
+              <a:rPr lang="en-US" sz="700" dirty="0" err="1"/>
+              <a:t>miggy</a:t>
+            </a:r>
+            <a:r>
+              <a:rPr lang="en-US" sz="700" dirty="0"/>
+              <a:t> c = 100 @ 151, 161, 171, 201</a:t>
+            </a:r>
+          </a:p>
+          <a:p>
+            <a:r>
+              <a:rPr lang="en-US" sz="700" dirty="0"/>
+              <a:t>introduce </a:t>
+            </a:r>
+            <a:r>
+              <a:rPr lang="en-US" sz="700" dirty="0" err="1"/>
+              <a:t>allee</a:t>
+            </a:r>
+            <a:r>
+              <a:rPr lang="en-US" sz="700" dirty="0"/>
+              <a:t> effect at lowest pop size -- instead of r0 = 1, r0 = .5 at low pop sizes (not during pop decline or </a:t>
+            </a:r>
+            <a:r>
+              <a:rPr lang="en-US" sz="700" dirty="0" err="1"/>
+              <a:t>growht</a:t>
+            </a:r>
+            <a:r>
+              <a:rPr lang="en-US" sz="700" dirty="0"/>
+              <a:t> periods)</a:t>
+            </a:r>
+          </a:p>
+          <a:p>
+            <a:r>
+              <a:rPr lang="en-US" sz="700" dirty="0"/>
+              <a:t>introduce </a:t>
+            </a:r>
+            <a:r>
+              <a:rPr lang="en-US" sz="700" dirty="0" err="1"/>
+              <a:t>allee</a:t>
+            </a:r>
+            <a:r>
+              <a:rPr lang="en-US" sz="700" dirty="0"/>
+              <a:t> effect when number of alive adults is less than 400, enacted in </a:t>
+            </a:r>
+            <a:r>
+              <a:rPr lang="en-US" sz="700" dirty="0" err="1"/>
+              <a:t>FitnessDeath.R</a:t>
+            </a:r>
+            <a:r>
+              <a:rPr lang="en-US" sz="700" dirty="0"/>
+              <a:t>, where the fitness effect is stronger at low pop sizes</a:t>
+            </a:r>
+          </a:p>
+          <a:p>
+            <a:r>
+              <a:rPr lang="en-US" sz="700" dirty="0"/>
+              <a:t>introduce </a:t>
+            </a:r>
+            <a:r>
+              <a:rPr lang="en-US" sz="700" dirty="0" err="1"/>
+              <a:t>allee</a:t>
+            </a:r>
+            <a:r>
+              <a:rPr lang="en-US" sz="700" dirty="0"/>
+              <a:t> effect at lowest pop size -- instead of r0 = 1, r0 = .5 at low pop sizes and .75r0 when in decline or growth [i.e., unstable] PLUS introduce </a:t>
+            </a:r>
+            <a:r>
+              <a:rPr lang="en-US" sz="700" dirty="0" err="1"/>
+              <a:t>allee</a:t>
+            </a:r>
+            <a:r>
+              <a:rPr lang="en-US" sz="700" dirty="0"/>
+              <a:t> effect when number of alive adults is less than 400, enacted in </a:t>
+            </a:r>
+            <a:r>
+              <a:rPr lang="en-US" sz="700" dirty="0" err="1"/>
+              <a:t>FitnessDeath.R</a:t>
+            </a:r>
+            <a:r>
+              <a:rPr lang="en-US" sz="700" dirty="0"/>
+              <a:t>, where the fitness effect is stronger at low pop sizes</a:t>
+            </a:r>
+          </a:p>
+          <a:p>
+            <a:r>
+              <a:rPr lang="en-US" sz="700" dirty="0" err="1"/>
+              <a:t>fitdeath</a:t>
+            </a:r>
+            <a:r>
+              <a:rPr lang="en-US" sz="700" dirty="0"/>
+              <a:t> is at .5 rate and r0 is only at 1 in stable starting point</a:t>
+            </a:r>
+          </a:p>
+        </p:txBody>
+      </p:sp>
+    </p:spTree>
+    <p:extLst>
+      <p:ext uri="{BB962C8B-B14F-4D97-AF65-F5344CB8AC3E}">
+        <p14:creationId xmlns:p14="http://schemas.microsoft.com/office/powerpoint/2010/main" val="1307364940"/>
+      </p:ext>
+    </p:extLst>
+  </p:cSld>
+  <p:clrMapOvr>
+    <a:masterClrMapping/>
+  </p:clrMapOvr>
+</p:sld>
+</file>
+
 <file path=ppt/slides/slide2.xml><?xml version="1.0" encoding="utf-8"?>
 <p:sld xmlns:a="http://schemas.openxmlformats.org/drawingml/2006/main" xmlns:r="http://schemas.openxmlformats.org/officeDocument/2006/relationships" xmlns:p="http://schemas.openxmlformats.org/presentationml/2006/main">
   <p:cSld>
@@ -4754,6 +5899,1856 @@
       </p:grpSpPr>
       <p:sp>
         <p:nvSpPr>
+          <p:cNvPr id="5" name="TextBox 4">
+            <a:extLst>
+              <a:ext uri="{FF2B5EF4-FFF2-40B4-BE49-F238E27FC236}">
+                <a16:creationId xmlns:a16="http://schemas.microsoft.com/office/drawing/2014/main" id="{F64C2194-5357-AC98-2FD1-F529FCCC2D52}"/>
+              </a:ext>
+            </a:extLst>
+          </p:cNvPr>
+          <p:cNvSpPr txBox="1"/>
+          <p:nvPr/>
+        </p:nvSpPr>
+        <p:spPr>
+          <a:xfrm>
+            <a:off x="841169" y="250855"/>
+            <a:ext cx="10509662" cy="646331"/>
+          </a:xfrm>
+          <a:prstGeom prst="rect">
+            <a:avLst/>
+          </a:prstGeom>
+          <a:noFill/>
+        </p:spPr>
+        <p:txBody>
+          <a:bodyPr wrap="square">
+            <a:spAutoFit/>
+          </a:bodyPr>
+          <a:lstStyle/>
+          <a:p>
+            <a:r>
+              <a:rPr lang="en-US" sz="1800" b="0" i="0" u="none" strike="noStrike" dirty="0" err="1">
+                <a:solidFill>
+                  <a:srgbClr val="000000"/>
+                </a:solidFill>
+                <a:effectLst/>
+                <a:latin typeface="Calibri" panose="020F0502020204030204" pitchFamily="34" charset="0"/>
+              </a:rPr>
+              <a:t>miggy</a:t>
+            </a:r>
+            <a:r>
+              <a:rPr lang="en-US" sz="1800" b="0" i="0" u="none" strike="noStrike" dirty="0">
+                <a:solidFill>
+                  <a:srgbClr val="000000"/>
+                </a:solidFill>
+                <a:effectLst/>
+                <a:latin typeface="Calibri" panose="020F0502020204030204" pitchFamily="34" charset="0"/>
+              </a:rPr>
+              <a:t> b = 150 @ </a:t>
+            </a:r>
+            <a:r>
+              <a:rPr lang="en-US" sz="1800" b="0" i="0" u="none" strike="noStrike" dirty="0" err="1">
+                <a:solidFill>
+                  <a:srgbClr val="000000"/>
+                </a:solidFill>
+                <a:effectLst/>
+                <a:latin typeface="Calibri" panose="020F0502020204030204" pitchFamily="34" charset="0"/>
+              </a:rPr>
+              <a:t>yr</a:t>
+            </a:r>
+            <a:r>
+              <a:rPr lang="en-US" sz="1800" b="0" i="0" u="none" strike="noStrike" dirty="0">
+                <a:solidFill>
+                  <a:srgbClr val="000000"/>
+                </a:solidFill>
+                <a:effectLst/>
+                <a:latin typeface="Calibri" panose="020F0502020204030204" pitchFamily="34" charset="0"/>
+              </a:rPr>
+              <a:t> 175, </a:t>
+            </a:r>
+            <a:r>
+              <a:rPr lang="en-US" sz="1800" b="0" i="0" u="none" strike="noStrike" dirty="0" err="1">
+                <a:solidFill>
+                  <a:srgbClr val="000000"/>
+                </a:solidFill>
+                <a:effectLst/>
+                <a:latin typeface="Calibri" panose="020F0502020204030204" pitchFamily="34" charset="0"/>
+              </a:rPr>
+              <a:t>miggy</a:t>
+            </a:r>
+            <a:r>
+              <a:rPr lang="en-US" sz="1800" b="0" i="0" u="none" strike="noStrike" dirty="0">
+                <a:solidFill>
+                  <a:srgbClr val="000000"/>
+                </a:solidFill>
+                <a:effectLst/>
+                <a:latin typeface="Calibri" panose="020F0502020204030204" pitchFamily="34" charset="0"/>
+              </a:rPr>
+              <a:t> c = 75 @ 175, 201, 225, </a:t>
+            </a:r>
+            <a:r>
+              <a:rPr lang="en-US" sz="1800" b="0" i="0" u="none" strike="noStrike" dirty="0" err="1">
+                <a:solidFill>
+                  <a:srgbClr val="000000"/>
+                </a:solidFill>
+                <a:effectLst/>
+                <a:latin typeface="Calibri" panose="020F0502020204030204" pitchFamily="34" charset="0"/>
+              </a:rPr>
+              <a:t>miggy</a:t>
+            </a:r>
+            <a:r>
+              <a:rPr lang="en-US" sz="1800" b="0" i="0" u="none" strike="noStrike" dirty="0">
+                <a:solidFill>
+                  <a:srgbClr val="000000"/>
+                </a:solidFill>
+                <a:effectLst/>
+                <a:latin typeface="Calibri" panose="020F0502020204030204" pitchFamily="34" charset="0"/>
+              </a:rPr>
+              <a:t> d = on </a:t>
+            </a:r>
+            <a:r>
+              <a:rPr lang="en-US" sz="1800" b="0" i="0" u="none" strike="noStrike" dirty="0" err="1">
+                <a:solidFill>
+                  <a:srgbClr val="000000"/>
+                </a:solidFill>
+                <a:effectLst/>
+                <a:latin typeface="Calibri" panose="020F0502020204030204" pitchFamily="34" charset="0"/>
+              </a:rPr>
+              <a:t>mig</a:t>
+            </a:r>
+            <a:r>
+              <a:rPr lang="en-US" sz="1800" b="0" i="0" u="none" strike="noStrike" dirty="0">
+                <a:solidFill>
+                  <a:srgbClr val="000000"/>
+                </a:solidFill>
+                <a:effectLst/>
+                <a:latin typeface="Calibri" panose="020F0502020204030204" pitchFamily="34" charset="0"/>
+              </a:rPr>
+              <a:t> per gen but not during drop or dur, </a:t>
+            </a:r>
+            <a:r>
+              <a:rPr lang="en-US" sz="1800" b="0" i="0" u="none" strike="noStrike" dirty="0" err="1">
+                <a:solidFill>
+                  <a:srgbClr val="000000"/>
+                </a:solidFill>
+                <a:effectLst/>
+                <a:latin typeface="Calibri" panose="020F0502020204030204" pitchFamily="34" charset="0"/>
+              </a:rPr>
+              <a:t>miggy</a:t>
+            </a:r>
+            <a:r>
+              <a:rPr lang="en-US" sz="1800" b="0" i="0" u="none" strike="noStrike" dirty="0">
+                <a:solidFill>
+                  <a:srgbClr val="000000"/>
+                </a:solidFill>
+                <a:effectLst/>
+                <a:latin typeface="Calibri" panose="020F0502020204030204" pitchFamily="34" charset="0"/>
+              </a:rPr>
+              <a:t> e = one </a:t>
+            </a:r>
+            <a:r>
+              <a:rPr lang="en-US" sz="1800" b="0" i="0" u="none" strike="noStrike" dirty="0" err="1">
+                <a:solidFill>
+                  <a:srgbClr val="000000"/>
+                </a:solidFill>
+                <a:effectLst/>
+                <a:latin typeface="Calibri" panose="020F0502020204030204" pitchFamily="34" charset="0"/>
+              </a:rPr>
+              <a:t>mig</a:t>
+            </a:r>
+            <a:r>
+              <a:rPr lang="en-US" sz="1800" b="0" i="0" u="none" strike="noStrike" dirty="0">
+                <a:solidFill>
+                  <a:srgbClr val="000000"/>
+                </a:solidFill>
+                <a:effectLst/>
+                <a:latin typeface="Calibri" panose="020F0502020204030204" pitchFamily="34" charset="0"/>
+              </a:rPr>
+              <a:t> per gen starting after drop</a:t>
+            </a:r>
+            <a:r>
+              <a:rPr lang="en-US" dirty="0"/>
+              <a:t> </a:t>
+            </a:r>
+          </a:p>
+        </p:txBody>
+      </p:sp>
+      <p:pic>
+        <p:nvPicPr>
+          <p:cNvPr id="7" name="Picture 6">
+            <a:extLst>
+              <a:ext uri="{FF2B5EF4-FFF2-40B4-BE49-F238E27FC236}">
+                <a16:creationId xmlns:a16="http://schemas.microsoft.com/office/drawing/2014/main" id="{D406B586-02E4-F882-1A44-2C49864410A8}"/>
+              </a:ext>
+            </a:extLst>
+          </p:cNvPr>
+          <p:cNvPicPr>
+            <a:picLocks noChangeAspect="1"/>
+          </p:cNvPicPr>
+          <p:nvPr/>
+        </p:nvPicPr>
+        <p:blipFill>
+          <a:blip r:embed="rId2"/>
+          <a:stretch>
+            <a:fillRect/>
+          </a:stretch>
+        </p:blipFill>
+        <p:spPr>
+          <a:xfrm>
+            <a:off x="8875258" y="5012939"/>
+            <a:ext cx="3330229" cy="1569856"/>
+          </a:xfrm>
+          <a:prstGeom prst="rect">
+            <a:avLst/>
+          </a:prstGeom>
+        </p:spPr>
+      </p:pic>
+      <p:pic>
+        <p:nvPicPr>
+          <p:cNvPr id="9" name="Picture 8">
+            <a:extLst>
+              <a:ext uri="{FF2B5EF4-FFF2-40B4-BE49-F238E27FC236}">
+                <a16:creationId xmlns:a16="http://schemas.microsoft.com/office/drawing/2014/main" id="{3DD302E6-39FD-A70B-9EA1-94CFED7CC11D}"/>
+              </a:ext>
+            </a:extLst>
+          </p:cNvPr>
+          <p:cNvPicPr>
+            <a:picLocks noChangeAspect="1"/>
+          </p:cNvPicPr>
+          <p:nvPr/>
+        </p:nvPicPr>
+        <p:blipFill>
+          <a:blip r:embed="rId3"/>
+          <a:stretch>
+            <a:fillRect/>
+          </a:stretch>
+        </p:blipFill>
+        <p:spPr>
+          <a:xfrm>
+            <a:off x="590426" y="987959"/>
+            <a:ext cx="2601999" cy="2266826"/>
+          </a:xfrm>
+          <a:prstGeom prst="rect">
+            <a:avLst/>
+          </a:prstGeom>
+        </p:spPr>
+      </p:pic>
+      <p:pic>
+        <p:nvPicPr>
+          <p:cNvPr id="13" name="Picture 12">
+            <a:extLst>
+              <a:ext uri="{FF2B5EF4-FFF2-40B4-BE49-F238E27FC236}">
+                <a16:creationId xmlns:a16="http://schemas.microsoft.com/office/drawing/2014/main" id="{246A8662-9451-C7E4-4B00-EAE3AC5AD5EB}"/>
+              </a:ext>
+            </a:extLst>
+          </p:cNvPr>
+          <p:cNvPicPr>
+            <a:picLocks noChangeAspect="1"/>
+          </p:cNvPicPr>
+          <p:nvPr/>
+        </p:nvPicPr>
+        <p:blipFill>
+          <a:blip r:embed="rId4"/>
+          <a:stretch>
+            <a:fillRect/>
+          </a:stretch>
+        </p:blipFill>
+        <p:spPr>
+          <a:xfrm>
+            <a:off x="3192582" y="1086817"/>
+            <a:ext cx="2618422" cy="2167968"/>
+          </a:xfrm>
+          <a:prstGeom prst="rect">
+            <a:avLst/>
+          </a:prstGeom>
+        </p:spPr>
+      </p:pic>
+      <p:pic>
+        <p:nvPicPr>
+          <p:cNvPr id="15" name="Picture 14">
+            <a:extLst>
+              <a:ext uri="{FF2B5EF4-FFF2-40B4-BE49-F238E27FC236}">
+                <a16:creationId xmlns:a16="http://schemas.microsoft.com/office/drawing/2014/main" id="{706C32E1-A2B1-95FD-6804-2AD999E11D5C}"/>
+              </a:ext>
+            </a:extLst>
+          </p:cNvPr>
+          <p:cNvPicPr>
+            <a:picLocks noChangeAspect="1"/>
+          </p:cNvPicPr>
+          <p:nvPr/>
+        </p:nvPicPr>
+        <p:blipFill>
+          <a:blip r:embed="rId5"/>
+          <a:stretch>
+            <a:fillRect/>
+          </a:stretch>
+        </p:blipFill>
+        <p:spPr>
+          <a:xfrm>
+            <a:off x="5811004" y="897186"/>
+            <a:ext cx="3064254" cy="2669537"/>
+          </a:xfrm>
+          <a:prstGeom prst="rect">
+            <a:avLst/>
+          </a:prstGeom>
+        </p:spPr>
+      </p:pic>
+      <p:pic>
+        <p:nvPicPr>
+          <p:cNvPr id="17" name="Picture 16">
+            <a:extLst>
+              <a:ext uri="{FF2B5EF4-FFF2-40B4-BE49-F238E27FC236}">
+                <a16:creationId xmlns:a16="http://schemas.microsoft.com/office/drawing/2014/main" id="{2C1DC413-24CB-911C-034B-AC310F028CD1}"/>
+              </a:ext>
+            </a:extLst>
+          </p:cNvPr>
+          <p:cNvPicPr>
+            <a:picLocks noChangeAspect="1"/>
+          </p:cNvPicPr>
+          <p:nvPr/>
+        </p:nvPicPr>
+        <p:blipFill>
+          <a:blip r:embed="rId6"/>
+          <a:stretch>
+            <a:fillRect/>
+          </a:stretch>
+        </p:blipFill>
+        <p:spPr>
+          <a:xfrm>
+            <a:off x="8744186" y="992001"/>
+            <a:ext cx="2846584" cy="2479906"/>
+          </a:xfrm>
+          <a:prstGeom prst="rect">
+            <a:avLst/>
+          </a:prstGeom>
+        </p:spPr>
+      </p:pic>
+      <p:pic>
+        <p:nvPicPr>
+          <p:cNvPr id="21" name="Picture 20">
+            <a:extLst>
+              <a:ext uri="{FF2B5EF4-FFF2-40B4-BE49-F238E27FC236}">
+                <a16:creationId xmlns:a16="http://schemas.microsoft.com/office/drawing/2014/main" id="{61EE9BC3-81EC-386D-1140-4781115EF43F}"/>
+              </a:ext>
+            </a:extLst>
+          </p:cNvPr>
+          <p:cNvPicPr>
+            <a:picLocks noChangeAspect="1"/>
+          </p:cNvPicPr>
+          <p:nvPr/>
+        </p:nvPicPr>
+        <p:blipFill>
+          <a:blip r:embed="rId7"/>
+          <a:stretch>
+            <a:fillRect/>
+          </a:stretch>
+        </p:blipFill>
+        <p:spPr>
+          <a:xfrm>
+            <a:off x="477070" y="3254785"/>
+            <a:ext cx="2754812" cy="2399954"/>
+          </a:xfrm>
+          <a:prstGeom prst="rect">
+            <a:avLst/>
+          </a:prstGeom>
+        </p:spPr>
+      </p:pic>
+      <p:pic>
+        <p:nvPicPr>
+          <p:cNvPr id="23" name="Picture 22">
+            <a:extLst>
+              <a:ext uri="{FF2B5EF4-FFF2-40B4-BE49-F238E27FC236}">
+                <a16:creationId xmlns:a16="http://schemas.microsoft.com/office/drawing/2014/main" id="{7DCA188D-7874-4F7B-9B49-5951C9F81CF7}"/>
+              </a:ext>
+            </a:extLst>
+          </p:cNvPr>
+          <p:cNvPicPr>
+            <a:picLocks noChangeAspect="1"/>
+          </p:cNvPicPr>
+          <p:nvPr/>
+        </p:nvPicPr>
+        <p:blipFill>
+          <a:blip r:embed="rId8"/>
+          <a:stretch>
+            <a:fillRect/>
+          </a:stretch>
+        </p:blipFill>
+        <p:spPr>
+          <a:xfrm>
+            <a:off x="3192425" y="3254786"/>
+            <a:ext cx="2846585" cy="2479906"/>
+          </a:xfrm>
+          <a:prstGeom prst="rect">
+            <a:avLst/>
+          </a:prstGeom>
+        </p:spPr>
+      </p:pic>
+      <p:pic>
+        <p:nvPicPr>
+          <p:cNvPr id="25" name="Picture 24">
+            <a:extLst>
+              <a:ext uri="{FF2B5EF4-FFF2-40B4-BE49-F238E27FC236}">
+                <a16:creationId xmlns:a16="http://schemas.microsoft.com/office/drawing/2014/main" id="{E634D15A-ABAF-5F3A-77F9-CBDCF45FE14C}"/>
+              </a:ext>
+            </a:extLst>
+          </p:cNvPr>
+          <p:cNvPicPr>
+            <a:picLocks noChangeAspect="1"/>
+          </p:cNvPicPr>
+          <p:nvPr/>
+        </p:nvPicPr>
+        <p:blipFill>
+          <a:blip r:embed="rId9"/>
+          <a:stretch>
+            <a:fillRect/>
+          </a:stretch>
+        </p:blipFill>
+        <p:spPr>
+          <a:xfrm>
+            <a:off x="5850303" y="3214953"/>
+            <a:ext cx="3055571" cy="2661972"/>
+          </a:xfrm>
+          <a:prstGeom prst="rect">
+            <a:avLst/>
+          </a:prstGeom>
+        </p:spPr>
+      </p:pic>
+    </p:spTree>
+    <p:extLst>
+      <p:ext uri="{BB962C8B-B14F-4D97-AF65-F5344CB8AC3E}">
+        <p14:creationId xmlns:p14="http://schemas.microsoft.com/office/powerpoint/2010/main" val="2576545889"/>
+      </p:ext>
+    </p:extLst>
+  </p:cSld>
+  <p:clrMapOvr>
+    <a:masterClrMapping/>
+  </p:clrMapOvr>
+</p:sld>
+</file>
+
+<file path=ppt/slides/slide3.xml><?xml version="1.0" encoding="utf-8"?>
+<p:sld xmlns:a="http://schemas.openxmlformats.org/drawingml/2006/main" xmlns:r="http://schemas.openxmlformats.org/officeDocument/2006/relationships" xmlns:p="http://schemas.openxmlformats.org/presentationml/2006/main">
+  <p:cSld>
+    <p:spTree>
+      <p:nvGrpSpPr>
+        <p:cNvPr id="1" name=""/>
+        <p:cNvGrpSpPr/>
+        <p:nvPr/>
+      </p:nvGrpSpPr>
+      <p:grpSpPr>
+        <a:xfrm>
+          <a:off x="0" y="0"/>
+          <a:ext cx="0" cy="0"/>
+          <a:chOff x="0" y="0"/>
+          <a:chExt cx="0" cy="0"/>
+        </a:xfrm>
+      </p:grpSpPr>
+      <p:sp>
+        <p:nvSpPr>
+          <p:cNvPr id="5" name="TextBox 4">
+            <a:extLst>
+              <a:ext uri="{FF2B5EF4-FFF2-40B4-BE49-F238E27FC236}">
+                <a16:creationId xmlns:a16="http://schemas.microsoft.com/office/drawing/2014/main" id="{C419E2D6-7014-850C-872F-48F6A3B9E266}"/>
+              </a:ext>
+            </a:extLst>
+          </p:cNvPr>
+          <p:cNvSpPr txBox="1"/>
+          <p:nvPr/>
+        </p:nvSpPr>
+        <p:spPr>
+          <a:xfrm>
+            <a:off x="819398" y="286480"/>
+            <a:ext cx="10343408" cy="646331"/>
+          </a:xfrm>
+          <a:prstGeom prst="rect">
+            <a:avLst/>
+          </a:prstGeom>
+          <a:noFill/>
+        </p:spPr>
+        <p:txBody>
+          <a:bodyPr wrap="square">
+            <a:spAutoFit/>
+          </a:bodyPr>
+          <a:lstStyle/>
+          <a:p>
+            <a:r>
+              <a:rPr lang="en-US" sz="1800" b="0" i="0" u="none" strike="noStrike" dirty="0" err="1">
+                <a:solidFill>
+                  <a:srgbClr val="000000"/>
+                </a:solidFill>
+                <a:effectLst/>
+                <a:latin typeface="Calibri" panose="020F0502020204030204" pitchFamily="34" charset="0"/>
+              </a:rPr>
+              <a:t>miggy</a:t>
+            </a:r>
+            <a:r>
+              <a:rPr lang="en-US" sz="1800" b="0" i="0" u="none" strike="noStrike" dirty="0">
+                <a:solidFill>
+                  <a:srgbClr val="000000"/>
+                </a:solidFill>
+                <a:effectLst/>
+                <a:latin typeface="Calibri" panose="020F0502020204030204" pitchFamily="34" charset="0"/>
+              </a:rPr>
+              <a:t> b = 300 @ </a:t>
+            </a:r>
+            <a:r>
+              <a:rPr lang="en-US" sz="1800" b="0" i="0" u="none" strike="noStrike" dirty="0" err="1">
+                <a:solidFill>
+                  <a:srgbClr val="000000"/>
+                </a:solidFill>
+                <a:effectLst/>
+                <a:latin typeface="Calibri" panose="020F0502020204030204" pitchFamily="34" charset="0"/>
+              </a:rPr>
+              <a:t>yr</a:t>
+            </a:r>
+            <a:r>
+              <a:rPr lang="en-US" sz="1800" b="0" i="0" u="none" strike="noStrike" dirty="0">
+                <a:solidFill>
+                  <a:srgbClr val="000000"/>
+                </a:solidFill>
+                <a:effectLst/>
+                <a:latin typeface="Calibri" panose="020F0502020204030204" pitchFamily="34" charset="0"/>
+              </a:rPr>
+              <a:t> 175, </a:t>
+            </a:r>
+            <a:r>
+              <a:rPr lang="en-US" sz="1800" b="0" i="0" u="none" strike="noStrike" dirty="0" err="1">
+                <a:solidFill>
+                  <a:srgbClr val="000000"/>
+                </a:solidFill>
+                <a:effectLst/>
+                <a:latin typeface="Calibri" panose="020F0502020204030204" pitchFamily="34" charset="0"/>
+              </a:rPr>
+              <a:t>miggy</a:t>
+            </a:r>
+            <a:r>
+              <a:rPr lang="en-US" sz="1800" b="0" i="0" u="none" strike="noStrike" dirty="0">
+                <a:solidFill>
+                  <a:srgbClr val="000000"/>
+                </a:solidFill>
+                <a:effectLst/>
+                <a:latin typeface="Calibri" panose="020F0502020204030204" pitchFamily="34" charset="0"/>
+              </a:rPr>
+              <a:t> c = 100 @ 175, 201, 225, </a:t>
+            </a:r>
+            <a:r>
+              <a:rPr lang="en-US" sz="1800" b="0" i="0" u="none" strike="noStrike" dirty="0" err="1">
+                <a:solidFill>
+                  <a:srgbClr val="000000"/>
+                </a:solidFill>
+                <a:effectLst/>
+                <a:latin typeface="Calibri" panose="020F0502020204030204" pitchFamily="34" charset="0"/>
+              </a:rPr>
+              <a:t>miggy</a:t>
+            </a:r>
+            <a:r>
+              <a:rPr lang="en-US" sz="1800" b="0" i="0" u="none" strike="noStrike" dirty="0">
+                <a:solidFill>
+                  <a:srgbClr val="000000"/>
+                </a:solidFill>
+                <a:effectLst/>
+                <a:latin typeface="Calibri" panose="020F0502020204030204" pitchFamily="34" charset="0"/>
+              </a:rPr>
+              <a:t> d = on </a:t>
+            </a:r>
+            <a:r>
+              <a:rPr lang="en-US" sz="1800" b="0" i="0" u="none" strike="noStrike" dirty="0" err="1">
+                <a:solidFill>
+                  <a:srgbClr val="000000"/>
+                </a:solidFill>
+                <a:effectLst/>
+                <a:latin typeface="Calibri" panose="020F0502020204030204" pitchFamily="34" charset="0"/>
+              </a:rPr>
+              <a:t>mig</a:t>
+            </a:r>
+            <a:r>
+              <a:rPr lang="en-US" sz="1800" b="0" i="0" u="none" strike="noStrike" dirty="0">
+                <a:solidFill>
+                  <a:srgbClr val="000000"/>
+                </a:solidFill>
+                <a:effectLst/>
+                <a:latin typeface="Calibri" panose="020F0502020204030204" pitchFamily="34" charset="0"/>
+              </a:rPr>
+              <a:t> per gen but not during drop or dur, </a:t>
+            </a:r>
+            <a:r>
+              <a:rPr lang="en-US" sz="1800" b="0" i="0" u="none" strike="noStrike" dirty="0" err="1">
+                <a:solidFill>
+                  <a:srgbClr val="000000"/>
+                </a:solidFill>
+                <a:effectLst/>
+                <a:latin typeface="Calibri" panose="020F0502020204030204" pitchFamily="34" charset="0"/>
+              </a:rPr>
+              <a:t>miggy</a:t>
+            </a:r>
+            <a:r>
+              <a:rPr lang="en-US" sz="1800" b="0" i="0" u="none" strike="noStrike" dirty="0">
+                <a:solidFill>
+                  <a:srgbClr val="000000"/>
+                </a:solidFill>
+                <a:effectLst/>
+                <a:latin typeface="Calibri" panose="020F0502020204030204" pitchFamily="34" charset="0"/>
+              </a:rPr>
+              <a:t> e = two </a:t>
+            </a:r>
+            <a:r>
+              <a:rPr lang="en-US" sz="1800" b="0" i="0" u="none" strike="noStrike" dirty="0" err="1">
+                <a:solidFill>
+                  <a:srgbClr val="000000"/>
+                </a:solidFill>
+                <a:effectLst/>
+                <a:latin typeface="Calibri" panose="020F0502020204030204" pitchFamily="34" charset="0"/>
+              </a:rPr>
+              <a:t>mig</a:t>
+            </a:r>
+            <a:r>
+              <a:rPr lang="en-US" sz="1800" b="0" i="0" u="none" strike="noStrike" dirty="0">
+                <a:solidFill>
+                  <a:srgbClr val="000000"/>
+                </a:solidFill>
+                <a:effectLst/>
+                <a:latin typeface="Calibri" panose="020F0502020204030204" pitchFamily="34" charset="0"/>
+              </a:rPr>
+              <a:t> per gen starting after drop</a:t>
+            </a:r>
+            <a:r>
+              <a:rPr lang="en-US" dirty="0"/>
+              <a:t> </a:t>
+            </a:r>
+          </a:p>
+        </p:txBody>
+      </p:sp>
+      <p:pic>
+        <p:nvPicPr>
+          <p:cNvPr id="7" name="Picture 6">
+            <a:extLst>
+              <a:ext uri="{FF2B5EF4-FFF2-40B4-BE49-F238E27FC236}">
+                <a16:creationId xmlns:a16="http://schemas.microsoft.com/office/drawing/2014/main" id="{BA337AA9-6CD0-2128-A83F-0F77C1905493}"/>
+              </a:ext>
+            </a:extLst>
+          </p:cNvPr>
+          <p:cNvPicPr>
+            <a:picLocks noChangeAspect="1"/>
+          </p:cNvPicPr>
+          <p:nvPr/>
+        </p:nvPicPr>
+        <p:blipFill>
+          <a:blip r:embed="rId2"/>
+          <a:stretch>
+            <a:fillRect/>
+          </a:stretch>
+        </p:blipFill>
+        <p:spPr>
+          <a:xfrm>
+            <a:off x="8867195" y="4848848"/>
+            <a:ext cx="3375953" cy="1615580"/>
+          </a:xfrm>
+          <a:prstGeom prst="rect">
+            <a:avLst/>
+          </a:prstGeom>
+        </p:spPr>
+      </p:pic>
+      <p:pic>
+        <p:nvPicPr>
+          <p:cNvPr id="9" name="Picture 8">
+            <a:extLst>
+              <a:ext uri="{FF2B5EF4-FFF2-40B4-BE49-F238E27FC236}">
+                <a16:creationId xmlns:a16="http://schemas.microsoft.com/office/drawing/2014/main" id="{48620D5C-5B1C-632C-B46C-6A43BC744BC1}"/>
+              </a:ext>
+            </a:extLst>
+          </p:cNvPr>
+          <p:cNvPicPr>
+            <a:picLocks noChangeAspect="1"/>
+          </p:cNvPicPr>
+          <p:nvPr/>
+        </p:nvPicPr>
+        <p:blipFill>
+          <a:blip r:embed="rId3"/>
+          <a:stretch>
+            <a:fillRect/>
+          </a:stretch>
+        </p:blipFill>
+        <p:spPr>
+          <a:xfrm>
+            <a:off x="412296" y="932811"/>
+            <a:ext cx="2809875" cy="2447925"/>
+          </a:xfrm>
+          <a:prstGeom prst="rect">
+            <a:avLst/>
+          </a:prstGeom>
+        </p:spPr>
+      </p:pic>
+      <p:pic>
+        <p:nvPicPr>
+          <p:cNvPr id="11" name="Picture 10">
+            <a:extLst>
+              <a:ext uri="{FF2B5EF4-FFF2-40B4-BE49-F238E27FC236}">
+                <a16:creationId xmlns:a16="http://schemas.microsoft.com/office/drawing/2014/main" id="{BE8991FF-AE6B-8322-D938-A256C5F71822}"/>
+              </a:ext>
+            </a:extLst>
+          </p:cNvPr>
+          <p:cNvPicPr>
+            <a:picLocks noChangeAspect="1"/>
+          </p:cNvPicPr>
+          <p:nvPr/>
+        </p:nvPicPr>
+        <p:blipFill>
+          <a:blip r:embed="rId4"/>
+          <a:stretch>
+            <a:fillRect/>
+          </a:stretch>
+        </p:blipFill>
+        <p:spPr>
+          <a:xfrm>
+            <a:off x="3222171" y="932810"/>
+            <a:ext cx="2809875" cy="2447925"/>
+          </a:xfrm>
+          <a:prstGeom prst="rect">
+            <a:avLst/>
+          </a:prstGeom>
+        </p:spPr>
+      </p:pic>
+      <p:pic>
+        <p:nvPicPr>
+          <p:cNvPr id="13" name="Picture 12">
+            <a:extLst>
+              <a:ext uri="{FF2B5EF4-FFF2-40B4-BE49-F238E27FC236}">
+                <a16:creationId xmlns:a16="http://schemas.microsoft.com/office/drawing/2014/main" id="{395CA181-2BF8-558D-A3D5-3AE74068F064}"/>
+              </a:ext>
+            </a:extLst>
+          </p:cNvPr>
+          <p:cNvPicPr>
+            <a:picLocks noChangeAspect="1"/>
+          </p:cNvPicPr>
+          <p:nvPr/>
+        </p:nvPicPr>
+        <p:blipFill>
+          <a:blip r:embed="rId5"/>
+          <a:stretch>
+            <a:fillRect/>
+          </a:stretch>
+        </p:blipFill>
+        <p:spPr>
+          <a:xfrm>
+            <a:off x="5989743" y="932810"/>
+            <a:ext cx="2980088" cy="2596212"/>
+          </a:xfrm>
+          <a:prstGeom prst="rect">
+            <a:avLst/>
+          </a:prstGeom>
+        </p:spPr>
+      </p:pic>
+      <p:pic>
+        <p:nvPicPr>
+          <p:cNvPr id="15" name="Picture 14">
+            <a:extLst>
+              <a:ext uri="{FF2B5EF4-FFF2-40B4-BE49-F238E27FC236}">
+                <a16:creationId xmlns:a16="http://schemas.microsoft.com/office/drawing/2014/main" id="{CDEB8143-5831-04DB-312B-04A14F19163A}"/>
+              </a:ext>
+            </a:extLst>
+          </p:cNvPr>
+          <p:cNvPicPr>
+            <a:picLocks noChangeAspect="1"/>
+          </p:cNvPicPr>
+          <p:nvPr/>
+        </p:nvPicPr>
+        <p:blipFill>
+          <a:blip r:embed="rId6"/>
+          <a:stretch>
+            <a:fillRect/>
+          </a:stretch>
+        </p:blipFill>
+        <p:spPr>
+          <a:xfrm>
+            <a:off x="8867195" y="981075"/>
+            <a:ext cx="2809875" cy="2447925"/>
+          </a:xfrm>
+          <a:prstGeom prst="rect">
+            <a:avLst/>
+          </a:prstGeom>
+        </p:spPr>
+      </p:pic>
+      <p:pic>
+        <p:nvPicPr>
+          <p:cNvPr id="17" name="Picture 16">
+            <a:extLst>
+              <a:ext uri="{FF2B5EF4-FFF2-40B4-BE49-F238E27FC236}">
+                <a16:creationId xmlns:a16="http://schemas.microsoft.com/office/drawing/2014/main" id="{D65B6435-9ABD-F0CC-4C89-8E86C98B1786}"/>
+              </a:ext>
+            </a:extLst>
+          </p:cNvPr>
+          <p:cNvPicPr>
+            <a:picLocks noChangeAspect="1"/>
+          </p:cNvPicPr>
+          <p:nvPr/>
+        </p:nvPicPr>
+        <p:blipFill>
+          <a:blip r:embed="rId7"/>
+          <a:stretch>
+            <a:fillRect/>
+          </a:stretch>
+        </p:blipFill>
+        <p:spPr>
+          <a:xfrm>
+            <a:off x="387022" y="3328977"/>
+            <a:ext cx="2980088" cy="2596212"/>
+          </a:xfrm>
+          <a:prstGeom prst="rect">
+            <a:avLst/>
+          </a:prstGeom>
+        </p:spPr>
+      </p:pic>
+      <p:pic>
+        <p:nvPicPr>
+          <p:cNvPr id="19" name="Picture 18">
+            <a:extLst>
+              <a:ext uri="{FF2B5EF4-FFF2-40B4-BE49-F238E27FC236}">
+                <a16:creationId xmlns:a16="http://schemas.microsoft.com/office/drawing/2014/main" id="{97E9EA99-3CA1-3512-BCD1-4B1CC952165E}"/>
+              </a:ext>
+            </a:extLst>
+          </p:cNvPr>
+          <p:cNvPicPr>
+            <a:picLocks noChangeAspect="1"/>
+          </p:cNvPicPr>
+          <p:nvPr/>
+        </p:nvPicPr>
+        <p:blipFill>
+          <a:blip r:embed="rId8"/>
+          <a:stretch>
+            <a:fillRect/>
+          </a:stretch>
+        </p:blipFill>
+        <p:spPr>
+          <a:xfrm>
+            <a:off x="3234808" y="3328977"/>
+            <a:ext cx="2980088" cy="2596212"/>
+          </a:xfrm>
+          <a:prstGeom prst="rect">
+            <a:avLst/>
+          </a:prstGeom>
+        </p:spPr>
+      </p:pic>
+      <p:pic>
+        <p:nvPicPr>
+          <p:cNvPr id="21" name="Picture 20">
+            <a:extLst>
+              <a:ext uri="{FF2B5EF4-FFF2-40B4-BE49-F238E27FC236}">
+                <a16:creationId xmlns:a16="http://schemas.microsoft.com/office/drawing/2014/main" id="{8DB08ACC-0341-A9E7-FD80-97573891F262}"/>
+              </a:ext>
+            </a:extLst>
+          </p:cNvPr>
+          <p:cNvPicPr>
+            <a:picLocks noChangeAspect="1"/>
+          </p:cNvPicPr>
+          <p:nvPr/>
+        </p:nvPicPr>
+        <p:blipFill>
+          <a:blip r:embed="rId9"/>
+          <a:stretch>
+            <a:fillRect/>
+          </a:stretch>
+        </p:blipFill>
+        <p:spPr>
+          <a:xfrm>
+            <a:off x="6019409" y="3362275"/>
+            <a:ext cx="2886466" cy="2514650"/>
+          </a:xfrm>
+          <a:prstGeom prst="rect">
+            <a:avLst/>
+          </a:prstGeom>
+        </p:spPr>
+      </p:pic>
+    </p:spTree>
+    <p:extLst>
+      <p:ext uri="{BB962C8B-B14F-4D97-AF65-F5344CB8AC3E}">
+        <p14:creationId xmlns:p14="http://schemas.microsoft.com/office/powerpoint/2010/main" val="1027663766"/>
+      </p:ext>
+    </p:extLst>
+  </p:cSld>
+  <p:clrMapOvr>
+    <a:masterClrMapping/>
+  </p:clrMapOvr>
+</p:sld>
+</file>
+
+<file path=ppt/slides/slide4.xml><?xml version="1.0" encoding="utf-8"?>
+<p:sld xmlns:a="http://schemas.openxmlformats.org/drawingml/2006/main" xmlns:r="http://schemas.openxmlformats.org/officeDocument/2006/relationships" xmlns:p="http://schemas.openxmlformats.org/presentationml/2006/main">
+  <p:cSld>
+    <p:spTree>
+      <p:nvGrpSpPr>
+        <p:cNvPr id="1" name=""/>
+        <p:cNvGrpSpPr/>
+        <p:nvPr/>
+      </p:nvGrpSpPr>
+      <p:grpSpPr>
+        <a:xfrm>
+          <a:off x="0" y="0"/>
+          <a:ext cx="0" cy="0"/>
+          <a:chOff x="0" y="0"/>
+          <a:chExt cx="0" cy="0"/>
+        </a:xfrm>
+      </p:grpSpPr>
+      <p:pic>
+        <p:nvPicPr>
+          <p:cNvPr id="5" name="Picture 4">
+            <a:extLst>
+              <a:ext uri="{FF2B5EF4-FFF2-40B4-BE49-F238E27FC236}">
+                <a16:creationId xmlns:a16="http://schemas.microsoft.com/office/drawing/2014/main" id="{BD4F525D-43A3-F132-4F4A-9E0A3CB8AAD7}"/>
+              </a:ext>
+            </a:extLst>
+          </p:cNvPr>
+          <p:cNvPicPr>
+            <a:picLocks noChangeAspect="1"/>
+          </p:cNvPicPr>
+          <p:nvPr/>
+        </p:nvPicPr>
+        <p:blipFill>
+          <a:blip r:embed="rId2"/>
+          <a:stretch>
+            <a:fillRect/>
+          </a:stretch>
+        </p:blipFill>
+        <p:spPr>
+          <a:xfrm>
+            <a:off x="574097" y="642505"/>
+            <a:ext cx="2895703" cy="2453986"/>
+          </a:xfrm>
+          <a:prstGeom prst="rect">
+            <a:avLst/>
+          </a:prstGeom>
+        </p:spPr>
+      </p:pic>
+      <p:pic>
+        <p:nvPicPr>
+          <p:cNvPr id="7" name="Picture 6">
+            <a:extLst>
+              <a:ext uri="{FF2B5EF4-FFF2-40B4-BE49-F238E27FC236}">
+                <a16:creationId xmlns:a16="http://schemas.microsoft.com/office/drawing/2014/main" id="{9343BF97-0096-B035-C8D4-2D97A49B5943}"/>
+              </a:ext>
+            </a:extLst>
+          </p:cNvPr>
+          <p:cNvPicPr>
+            <a:picLocks noChangeAspect="1"/>
+          </p:cNvPicPr>
+          <p:nvPr/>
+        </p:nvPicPr>
+        <p:blipFill>
+          <a:blip r:embed="rId3"/>
+          <a:stretch>
+            <a:fillRect/>
+          </a:stretch>
+        </p:blipFill>
+        <p:spPr>
+          <a:xfrm>
+            <a:off x="3469800" y="642505"/>
+            <a:ext cx="2895703" cy="2453986"/>
+          </a:xfrm>
+          <a:prstGeom prst="rect">
+            <a:avLst/>
+          </a:prstGeom>
+        </p:spPr>
+      </p:pic>
+      <p:pic>
+        <p:nvPicPr>
+          <p:cNvPr id="9" name="Picture 8">
+            <a:extLst>
+              <a:ext uri="{FF2B5EF4-FFF2-40B4-BE49-F238E27FC236}">
+                <a16:creationId xmlns:a16="http://schemas.microsoft.com/office/drawing/2014/main" id="{366E3204-F0A6-0710-76BA-21B2719D8C25}"/>
+              </a:ext>
+            </a:extLst>
+          </p:cNvPr>
+          <p:cNvPicPr>
+            <a:picLocks noChangeAspect="1"/>
+          </p:cNvPicPr>
+          <p:nvPr/>
+        </p:nvPicPr>
+        <p:blipFill>
+          <a:blip r:embed="rId4"/>
+          <a:stretch>
+            <a:fillRect/>
+          </a:stretch>
+        </p:blipFill>
+        <p:spPr>
+          <a:xfrm>
+            <a:off x="6365503" y="642505"/>
+            <a:ext cx="2895703" cy="2453986"/>
+          </a:xfrm>
+          <a:prstGeom prst="rect">
+            <a:avLst/>
+          </a:prstGeom>
+        </p:spPr>
+      </p:pic>
+      <p:pic>
+        <p:nvPicPr>
+          <p:cNvPr id="11" name="Picture 10">
+            <a:extLst>
+              <a:ext uri="{FF2B5EF4-FFF2-40B4-BE49-F238E27FC236}">
+                <a16:creationId xmlns:a16="http://schemas.microsoft.com/office/drawing/2014/main" id="{651972F6-FEB0-F393-9CEF-B4FBA45268E2}"/>
+              </a:ext>
+            </a:extLst>
+          </p:cNvPr>
+          <p:cNvPicPr>
+            <a:picLocks noChangeAspect="1"/>
+          </p:cNvPicPr>
+          <p:nvPr/>
+        </p:nvPicPr>
+        <p:blipFill>
+          <a:blip r:embed="rId5"/>
+          <a:stretch>
+            <a:fillRect/>
+          </a:stretch>
+        </p:blipFill>
+        <p:spPr>
+          <a:xfrm>
+            <a:off x="9261206" y="673678"/>
+            <a:ext cx="2895703" cy="2453986"/>
+          </a:xfrm>
+          <a:prstGeom prst="rect">
+            <a:avLst/>
+          </a:prstGeom>
+        </p:spPr>
+      </p:pic>
+      <p:pic>
+        <p:nvPicPr>
+          <p:cNvPr id="13" name="Picture 12">
+            <a:extLst>
+              <a:ext uri="{FF2B5EF4-FFF2-40B4-BE49-F238E27FC236}">
+                <a16:creationId xmlns:a16="http://schemas.microsoft.com/office/drawing/2014/main" id="{3D2E7623-1E68-CF20-853C-E5BD5E2F1141}"/>
+              </a:ext>
+            </a:extLst>
+          </p:cNvPr>
+          <p:cNvPicPr>
+            <a:picLocks noChangeAspect="1"/>
+          </p:cNvPicPr>
+          <p:nvPr/>
+        </p:nvPicPr>
+        <p:blipFill>
+          <a:blip r:embed="rId6"/>
+          <a:stretch>
+            <a:fillRect/>
+          </a:stretch>
+        </p:blipFill>
+        <p:spPr>
+          <a:xfrm>
+            <a:off x="623250" y="3127664"/>
+            <a:ext cx="2895703" cy="2453986"/>
+          </a:xfrm>
+          <a:prstGeom prst="rect">
+            <a:avLst/>
+          </a:prstGeom>
+        </p:spPr>
+      </p:pic>
+      <p:pic>
+        <p:nvPicPr>
+          <p:cNvPr id="15" name="Picture 14">
+            <a:extLst>
+              <a:ext uri="{FF2B5EF4-FFF2-40B4-BE49-F238E27FC236}">
+                <a16:creationId xmlns:a16="http://schemas.microsoft.com/office/drawing/2014/main" id="{58B2877C-32A4-D42B-E2FA-9D62E291B571}"/>
+              </a:ext>
+            </a:extLst>
+          </p:cNvPr>
+          <p:cNvPicPr>
+            <a:picLocks noChangeAspect="1"/>
+          </p:cNvPicPr>
+          <p:nvPr/>
+        </p:nvPicPr>
+        <p:blipFill>
+          <a:blip r:embed="rId7"/>
+          <a:stretch>
+            <a:fillRect/>
+          </a:stretch>
+        </p:blipFill>
+        <p:spPr>
+          <a:xfrm>
+            <a:off x="3494376" y="3127664"/>
+            <a:ext cx="2895703" cy="2453986"/>
+          </a:xfrm>
+          <a:prstGeom prst="rect">
+            <a:avLst/>
+          </a:prstGeom>
+        </p:spPr>
+      </p:pic>
+      <p:pic>
+        <p:nvPicPr>
+          <p:cNvPr id="17" name="Picture 16">
+            <a:extLst>
+              <a:ext uri="{FF2B5EF4-FFF2-40B4-BE49-F238E27FC236}">
+                <a16:creationId xmlns:a16="http://schemas.microsoft.com/office/drawing/2014/main" id="{97F725B2-4FFB-2B45-DE47-F63151FC96B7}"/>
+              </a:ext>
+            </a:extLst>
+          </p:cNvPr>
+          <p:cNvPicPr>
+            <a:picLocks noChangeAspect="1"/>
+          </p:cNvPicPr>
+          <p:nvPr/>
+        </p:nvPicPr>
+        <p:blipFill>
+          <a:blip r:embed="rId8"/>
+          <a:stretch>
+            <a:fillRect/>
+          </a:stretch>
+        </p:blipFill>
+        <p:spPr>
+          <a:xfrm>
+            <a:off x="6365502" y="3096491"/>
+            <a:ext cx="2895703" cy="2453986"/>
+          </a:xfrm>
+          <a:prstGeom prst="rect">
+            <a:avLst/>
+          </a:prstGeom>
+        </p:spPr>
+      </p:pic>
+      <p:sp>
+        <p:nvSpPr>
+          <p:cNvPr id="18" name="TextBox 17">
+            <a:extLst>
+              <a:ext uri="{FF2B5EF4-FFF2-40B4-BE49-F238E27FC236}">
+                <a16:creationId xmlns:a16="http://schemas.microsoft.com/office/drawing/2014/main" id="{C993897F-B570-4847-F4E4-F64733E3ED26}"/>
+              </a:ext>
+            </a:extLst>
+          </p:cNvPr>
+          <p:cNvSpPr txBox="1"/>
+          <p:nvPr/>
+        </p:nvSpPr>
+        <p:spPr>
+          <a:xfrm>
+            <a:off x="848160" y="319339"/>
+            <a:ext cx="10769743" cy="646331"/>
+          </a:xfrm>
+          <a:prstGeom prst="rect">
+            <a:avLst/>
+          </a:prstGeom>
+          <a:noFill/>
+        </p:spPr>
+        <p:txBody>
+          <a:bodyPr wrap="none" rtlCol="0">
+            <a:spAutoFit/>
+          </a:bodyPr>
+          <a:lstStyle/>
+          <a:p>
+            <a:r>
+              <a:rPr lang="en-US" dirty="0"/>
+              <a:t>Run_3: </a:t>
+            </a:r>
+            <a:r>
+              <a:rPr lang="en-US" dirty="0" err="1"/>
+              <a:t>miggy</a:t>
+            </a:r>
+            <a:r>
+              <a:rPr lang="en-US" dirty="0"/>
+              <a:t> b = 150 @ </a:t>
+            </a:r>
+            <a:r>
+              <a:rPr lang="en-US" dirty="0" err="1"/>
+              <a:t>yr</a:t>
+            </a:r>
+            <a:r>
+              <a:rPr lang="en-US" dirty="0"/>
+              <a:t> 151, </a:t>
+            </a:r>
+            <a:r>
+              <a:rPr lang="en-US" dirty="0" err="1"/>
+              <a:t>miggy</a:t>
+            </a:r>
+            <a:r>
+              <a:rPr lang="en-US" dirty="0"/>
+              <a:t> c = 75 @ 151, 161, 171, 201, </a:t>
+            </a:r>
+            <a:r>
+              <a:rPr lang="en-US" dirty="0" err="1"/>
+              <a:t>miggy</a:t>
+            </a:r>
+            <a:r>
+              <a:rPr lang="en-US" dirty="0"/>
+              <a:t> e = five </a:t>
+            </a:r>
+            <a:r>
+              <a:rPr lang="en-US" dirty="0" err="1"/>
+              <a:t>mig</a:t>
+            </a:r>
+            <a:r>
+              <a:rPr lang="en-US" dirty="0"/>
+              <a:t> per gen starting after drop</a:t>
+            </a:r>
+          </a:p>
+          <a:p>
+            <a:endParaRPr lang="en-US" dirty="0"/>
+          </a:p>
+        </p:txBody>
+      </p:sp>
+      <p:pic>
+        <p:nvPicPr>
+          <p:cNvPr id="3" name="Picture 2">
+            <a:extLst>
+              <a:ext uri="{FF2B5EF4-FFF2-40B4-BE49-F238E27FC236}">
+                <a16:creationId xmlns:a16="http://schemas.microsoft.com/office/drawing/2014/main" id="{9FDB563E-0029-B294-F2FD-18C3FA81382D}"/>
+              </a:ext>
+            </a:extLst>
+          </p:cNvPr>
+          <p:cNvPicPr>
+            <a:picLocks noChangeAspect="1"/>
+          </p:cNvPicPr>
+          <p:nvPr/>
+        </p:nvPicPr>
+        <p:blipFill rotWithShape="1">
+          <a:blip r:embed="rId9"/>
+          <a:srcRect b="8306"/>
+          <a:stretch/>
+        </p:blipFill>
+        <p:spPr>
+          <a:xfrm>
+            <a:off x="7873115" y="5450774"/>
+            <a:ext cx="3873251" cy="997527"/>
+          </a:xfrm>
+          <a:prstGeom prst="rect">
+            <a:avLst/>
+          </a:prstGeom>
+        </p:spPr>
+      </p:pic>
+    </p:spTree>
+    <p:extLst>
+      <p:ext uri="{BB962C8B-B14F-4D97-AF65-F5344CB8AC3E}">
+        <p14:creationId xmlns:p14="http://schemas.microsoft.com/office/powerpoint/2010/main" val="1283485876"/>
+      </p:ext>
+    </p:extLst>
+  </p:cSld>
+  <p:clrMapOvr>
+    <a:masterClrMapping/>
+  </p:clrMapOvr>
+</p:sld>
+</file>
+
+<file path=ppt/slides/slide5.xml><?xml version="1.0" encoding="utf-8"?>
+<p:sld xmlns:a="http://schemas.openxmlformats.org/drawingml/2006/main" xmlns:r="http://schemas.openxmlformats.org/officeDocument/2006/relationships" xmlns:p="http://schemas.openxmlformats.org/presentationml/2006/main">
+  <p:cSld>
+    <p:spTree>
+      <p:nvGrpSpPr>
+        <p:cNvPr id="1" name=""/>
+        <p:cNvGrpSpPr/>
+        <p:nvPr/>
+      </p:nvGrpSpPr>
+      <p:grpSpPr>
+        <a:xfrm>
+          <a:off x="0" y="0"/>
+          <a:ext cx="0" cy="0"/>
+          <a:chOff x="0" y="0"/>
+          <a:chExt cx="0" cy="0"/>
+        </a:xfrm>
+      </p:grpSpPr>
+      <p:pic>
+        <p:nvPicPr>
+          <p:cNvPr id="5" name="Picture 4">
+            <a:extLst>
+              <a:ext uri="{FF2B5EF4-FFF2-40B4-BE49-F238E27FC236}">
+                <a16:creationId xmlns:a16="http://schemas.microsoft.com/office/drawing/2014/main" id="{1B8E5CD3-E50D-9FC2-DE27-975EBA42A895}"/>
+              </a:ext>
+            </a:extLst>
+          </p:cNvPr>
+          <p:cNvPicPr>
+            <a:picLocks noChangeAspect="1"/>
+          </p:cNvPicPr>
+          <p:nvPr/>
+        </p:nvPicPr>
+        <p:blipFill>
+          <a:blip r:embed="rId2"/>
+          <a:stretch>
+            <a:fillRect/>
+          </a:stretch>
+        </p:blipFill>
+        <p:spPr>
+          <a:xfrm>
+            <a:off x="444313" y="465044"/>
+            <a:ext cx="2730538" cy="2314015"/>
+          </a:xfrm>
+          <a:prstGeom prst="rect">
+            <a:avLst/>
+          </a:prstGeom>
+        </p:spPr>
+      </p:pic>
+      <p:pic>
+        <p:nvPicPr>
+          <p:cNvPr id="7" name="Picture 6">
+            <a:extLst>
+              <a:ext uri="{FF2B5EF4-FFF2-40B4-BE49-F238E27FC236}">
+                <a16:creationId xmlns:a16="http://schemas.microsoft.com/office/drawing/2014/main" id="{3CB4A094-5020-283C-02BD-7DE9675FFD68}"/>
+              </a:ext>
+            </a:extLst>
+          </p:cNvPr>
+          <p:cNvPicPr>
+            <a:picLocks noChangeAspect="1"/>
+          </p:cNvPicPr>
+          <p:nvPr/>
+        </p:nvPicPr>
+        <p:blipFill>
+          <a:blip r:embed="rId3"/>
+          <a:stretch>
+            <a:fillRect/>
+          </a:stretch>
+        </p:blipFill>
+        <p:spPr>
+          <a:xfrm>
+            <a:off x="3174851" y="465044"/>
+            <a:ext cx="2730539" cy="2314016"/>
+          </a:xfrm>
+          <a:prstGeom prst="rect">
+            <a:avLst/>
+          </a:prstGeom>
+        </p:spPr>
+      </p:pic>
+      <p:pic>
+        <p:nvPicPr>
+          <p:cNvPr id="9" name="Picture 8">
+            <a:extLst>
+              <a:ext uri="{FF2B5EF4-FFF2-40B4-BE49-F238E27FC236}">
+                <a16:creationId xmlns:a16="http://schemas.microsoft.com/office/drawing/2014/main" id="{EB9E4957-C5AD-5848-DDB0-C98D49A9144F}"/>
+              </a:ext>
+            </a:extLst>
+          </p:cNvPr>
+          <p:cNvPicPr>
+            <a:picLocks noChangeAspect="1"/>
+          </p:cNvPicPr>
+          <p:nvPr/>
+        </p:nvPicPr>
+        <p:blipFill>
+          <a:blip r:embed="rId4"/>
+          <a:stretch>
+            <a:fillRect/>
+          </a:stretch>
+        </p:blipFill>
+        <p:spPr>
+          <a:xfrm>
+            <a:off x="5905390" y="465044"/>
+            <a:ext cx="2730538" cy="2314015"/>
+          </a:xfrm>
+          <a:prstGeom prst="rect">
+            <a:avLst/>
+          </a:prstGeom>
+        </p:spPr>
+      </p:pic>
+      <p:pic>
+        <p:nvPicPr>
+          <p:cNvPr id="11" name="Picture 10">
+            <a:extLst>
+              <a:ext uri="{FF2B5EF4-FFF2-40B4-BE49-F238E27FC236}">
+                <a16:creationId xmlns:a16="http://schemas.microsoft.com/office/drawing/2014/main" id="{7188EFFC-737C-E0AA-FCA4-49A5E71872E7}"/>
+              </a:ext>
+            </a:extLst>
+          </p:cNvPr>
+          <p:cNvPicPr>
+            <a:picLocks noChangeAspect="1"/>
+          </p:cNvPicPr>
+          <p:nvPr/>
+        </p:nvPicPr>
+        <p:blipFill>
+          <a:blip r:embed="rId5"/>
+          <a:stretch>
+            <a:fillRect/>
+          </a:stretch>
+        </p:blipFill>
+        <p:spPr>
+          <a:xfrm>
+            <a:off x="8635929" y="465044"/>
+            <a:ext cx="2730538" cy="2314015"/>
+          </a:xfrm>
+          <a:prstGeom prst="rect">
+            <a:avLst/>
+          </a:prstGeom>
+        </p:spPr>
+      </p:pic>
+      <p:pic>
+        <p:nvPicPr>
+          <p:cNvPr id="13" name="Picture 12">
+            <a:extLst>
+              <a:ext uri="{FF2B5EF4-FFF2-40B4-BE49-F238E27FC236}">
+                <a16:creationId xmlns:a16="http://schemas.microsoft.com/office/drawing/2014/main" id="{93820F89-CC9B-60EC-6FD4-E6F4357FB0B0}"/>
+              </a:ext>
+            </a:extLst>
+          </p:cNvPr>
+          <p:cNvPicPr>
+            <a:picLocks noChangeAspect="1"/>
+          </p:cNvPicPr>
+          <p:nvPr/>
+        </p:nvPicPr>
+        <p:blipFill>
+          <a:blip r:embed="rId6"/>
+          <a:stretch>
+            <a:fillRect/>
+          </a:stretch>
+        </p:blipFill>
+        <p:spPr>
+          <a:xfrm>
+            <a:off x="1224243" y="2779059"/>
+            <a:ext cx="2730538" cy="2314015"/>
+          </a:xfrm>
+          <a:prstGeom prst="rect">
+            <a:avLst/>
+          </a:prstGeom>
+        </p:spPr>
+      </p:pic>
+      <p:pic>
+        <p:nvPicPr>
+          <p:cNvPr id="15" name="Picture 14">
+            <a:extLst>
+              <a:ext uri="{FF2B5EF4-FFF2-40B4-BE49-F238E27FC236}">
+                <a16:creationId xmlns:a16="http://schemas.microsoft.com/office/drawing/2014/main" id="{620D07C9-7975-E378-B5EF-59E142A0EC27}"/>
+              </a:ext>
+            </a:extLst>
+          </p:cNvPr>
+          <p:cNvPicPr>
+            <a:picLocks noChangeAspect="1"/>
+          </p:cNvPicPr>
+          <p:nvPr/>
+        </p:nvPicPr>
+        <p:blipFill>
+          <a:blip r:embed="rId7"/>
+          <a:stretch>
+            <a:fillRect/>
+          </a:stretch>
+        </p:blipFill>
+        <p:spPr>
+          <a:xfrm>
+            <a:off x="4317066" y="2779059"/>
+            <a:ext cx="2730538" cy="2314015"/>
+          </a:xfrm>
+          <a:prstGeom prst="rect">
+            <a:avLst/>
+          </a:prstGeom>
+        </p:spPr>
+      </p:pic>
+      <p:pic>
+        <p:nvPicPr>
+          <p:cNvPr id="17" name="Picture 16">
+            <a:extLst>
+              <a:ext uri="{FF2B5EF4-FFF2-40B4-BE49-F238E27FC236}">
+                <a16:creationId xmlns:a16="http://schemas.microsoft.com/office/drawing/2014/main" id="{CC38B70B-65B3-54DD-1C31-AB3349DC914D}"/>
+              </a:ext>
+            </a:extLst>
+          </p:cNvPr>
+          <p:cNvPicPr>
+            <a:picLocks noChangeAspect="1"/>
+          </p:cNvPicPr>
+          <p:nvPr/>
+        </p:nvPicPr>
+        <p:blipFill>
+          <a:blip r:embed="rId8"/>
+          <a:stretch>
+            <a:fillRect/>
+          </a:stretch>
+        </p:blipFill>
+        <p:spPr>
+          <a:xfrm>
+            <a:off x="7409889" y="2779058"/>
+            <a:ext cx="2730538" cy="2314015"/>
+          </a:xfrm>
+          <a:prstGeom prst="rect">
+            <a:avLst/>
+          </a:prstGeom>
+        </p:spPr>
+      </p:pic>
+      <p:sp>
+        <p:nvSpPr>
+          <p:cNvPr id="18" name="TextBox 17">
+            <a:extLst>
+              <a:ext uri="{FF2B5EF4-FFF2-40B4-BE49-F238E27FC236}">
+                <a16:creationId xmlns:a16="http://schemas.microsoft.com/office/drawing/2014/main" id="{01B8DC6B-EE9E-9255-7687-94EAE48724BF}"/>
+              </a:ext>
+            </a:extLst>
+          </p:cNvPr>
+          <p:cNvSpPr txBox="1"/>
+          <p:nvPr/>
+        </p:nvSpPr>
+        <p:spPr>
+          <a:xfrm>
+            <a:off x="1075935" y="25773"/>
+            <a:ext cx="9658910" cy="954107"/>
+          </a:xfrm>
+          <a:prstGeom prst="rect">
+            <a:avLst/>
+          </a:prstGeom>
+          <a:noFill/>
+        </p:spPr>
+        <p:txBody>
+          <a:bodyPr wrap="square" rtlCol="0">
+            <a:spAutoFit/>
+          </a:bodyPr>
+          <a:lstStyle/>
+          <a:p>
+            <a:r>
+              <a:rPr lang="en-US" sz="1400" dirty="0"/>
+              <a:t>Run_4: removing fitness death to see if it will still result in high Ho -- checking why first couple years are weird -- maybe those older than maturity have lower Ho than the rest of the pop is allowed to get? __ after submitting this run, looks like if heterozygosity is ~0, nearly 100% chance of dying.</a:t>
+            </a:r>
+          </a:p>
+          <a:p>
+            <a:endParaRPr lang="en-US" sz="1400" dirty="0"/>
+          </a:p>
+        </p:txBody>
+      </p:sp>
+      <p:pic>
+        <p:nvPicPr>
+          <p:cNvPr id="3" name="Picture 2">
+            <a:extLst>
+              <a:ext uri="{FF2B5EF4-FFF2-40B4-BE49-F238E27FC236}">
+                <a16:creationId xmlns:a16="http://schemas.microsoft.com/office/drawing/2014/main" id="{E61D80D9-FA6F-3E9C-8DCF-41AB265CF0F3}"/>
+              </a:ext>
+            </a:extLst>
+          </p:cNvPr>
+          <p:cNvPicPr>
+            <a:picLocks noChangeAspect="1"/>
+          </p:cNvPicPr>
+          <p:nvPr/>
+        </p:nvPicPr>
+        <p:blipFill>
+          <a:blip r:embed="rId9"/>
+          <a:stretch>
+            <a:fillRect/>
+          </a:stretch>
+        </p:blipFill>
+        <p:spPr>
+          <a:xfrm>
+            <a:off x="7222683" y="5355771"/>
+            <a:ext cx="4443629" cy="1037185"/>
+          </a:xfrm>
+          <a:prstGeom prst="rect">
+            <a:avLst/>
+          </a:prstGeom>
+        </p:spPr>
+      </p:pic>
+    </p:spTree>
+    <p:extLst>
+      <p:ext uri="{BB962C8B-B14F-4D97-AF65-F5344CB8AC3E}">
+        <p14:creationId xmlns:p14="http://schemas.microsoft.com/office/powerpoint/2010/main" val="3548039280"/>
+      </p:ext>
+    </p:extLst>
+  </p:cSld>
+  <p:clrMapOvr>
+    <a:masterClrMapping/>
+  </p:clrMapOvr>
+</p:sld>
+</file>
+
+<file path=ppt/slides/slide6.xml><?xml version="1.0" encoding="utf-8"?>
+<p:sld xmlns:a="http://schemas.openxmlformats.org/drawingml/2006/main" xmlns:r="http://schemas.openxmlformats.org/officeDocument/2006/relationships" xmlns:p="http://schemas.openxmlformats.org/presentationml/2006/main">
+  <p:cSld>
+    <p:spTree>
+      <p:nvGrpSpPr>
+        <p:cNvPr id="1" name=""/>
+        <p:cNvGrpSpPr/>
+        <p:nvPr/>
+      </p:nvGrpSpPr>
+      <p:grpSpPr>
+        <a:xfrm>
+          <a:off x="0" y="0"/>
+          <a:ext cx="0" cy="0"/>
+          <a:chOff x="0" y="0"/>
+          <a:chExt cx="0" cy="0"/>
+        </a:xfrm>
+      </p:grpSpPr>
+      <p:pic>
+        <p:nvPicPr>
+          <p:cNvPr id="5" name="Picture 4">
+            <a:extLst>
+              <a:ext uri="{FF2B5EF4-FFF2-40B4-BE49-F238E27FC236}">
+                <a16:creationId xmlns:a16="http://schemas.microsoft.com/office/drawing/2014/main" id="{8837F4AC-5F6B-B72F-2827-73F6BF3590D5}"/>
+              </a:ext>
+            </a:extLst>
+          </p:cNvPr>
+          <p:cNvPicPr>
+            <a:picLocks noChangeAspect="1"/>
+          </p:cNvPicPr>
+          <p:nvPr/>
+        </p:nvPicPr>
+        <p:blipFill>
+          <a:blip r:embed="rId2"/>
+          <a:stretch>
+            <a:fillRect/>
+          </a:stretch>
+        </p:blipFill>
+        <p:spPr>
+          <a:xfrm>
+            <a:off x="741333" y="849337"/>
+            <a:ext cx="2499410" cy="2118144"/>
+          </a:xfrm>
+          <a:prstGeom prst="rect">
+            <a:avLst/>
+          </a:prstGeom>
+        </p:spPr>
+      </p:pic>
+      <p:pic>
+        <p:nvPicPr>
+          <p:cNvPr id="7" name="Picture 6">
+            <a:extLst>
+              <a:ext uri="{FF2B5EF4-FFF2-40B4-BE49-F238E27FC236}">
+                <a16:creationId xmlns:a16="http://schemas.microsoft.com/office/drawing/2014/main" id="{A98488D0-0798-6EFE-45E0-A8FCEFAA5D75}"/>
+              </a:ext>
+            </a:extLst>
+          </p:cNvPr>
+          <p:cNvPicPr>
+            <a:picLocks noChangeAspect="1"/>
+          </p:cNvPicPr>
+          <p:nvPr/>
+        </p:nvPicPr>
+        <p:blipFill>
+          <a:blip r:embed="rId3"/>
+          <a:stretch>
+            <a:fillRect/>
+          </a:stretch>
+        </p:blipFill>
+        <p:spPr>
+          <a:xfrm>
+            <a:off x="3240743" y="849337"/>
+            <a:ext cx="2499410" cy="2118144"/>
+          </a:xfrm>
+          <a:prstGeom prst="rect">
+            <a:avLst/>
+          </a:prstGeom>
+        </p:spPr>
+      </p:pic>
+      <p:pic>
+        <p:nvPicPr>
+          <p:cNvPr id="9" name="Picture 8">
+            <a:extLst>
+              <a:ext uri="{FF2B5EF4-FFF2-40B4-BE49-F238E27FC236}">
+                <a16:creationId xmlns:a16="http://schemas.microsoft.com/office/drawing/2014/main" id="{1D068A00-7A93-226D-1372-9870E2570A62}"/>
+              </a:ext>
+            </a:extLst>
+          </p:cNvPr>
+          <p:cNvPicPr>
+            <a:picLocks noChangeAspect="1"/>
+          </p:cNvPicPr>
+          <p:nvPr/>
+        </p:nvPicPr>
+        <p:blipFill>
+          <a:blip r:embed="rId4"/>
+          <a:stretch>
+            <a:fillRect/>
+          </a:stretch>
+        </p:blipFill>
+        <p:spPr>
+          <a:xfrm>
+            <a:off x="5740153" y="849337"/>
+            <a:ext cx="2499410" cy="2118144"/>
+          </a:xfrm>
+          <a:prstGeom prst="rect">
+            <a:avLst/>
+          </a:prstGeom>
+        </p:spPr>
+      </p:pic>
+      <p:pic>
+        <p:nvPicPr>
+          <p:cNvPr id="11" name="Picture 10">
+            <a:extLst>
+              <a:ext uri="{FF2B5EF4-FFF2-40B4-BE49-F238E27FC236}">
+                <a16:creationId xmlns:a16="http://schemas.microsoft.com/office/drawing/2014/main" id="{3E5D3524-F868-1FF7-960F-CB422C842E69}"/>
+              </a:ext>
+            </a:extLst>
+          </p:cNvPr>
+          <p:cNvPicPr>
+            <a:picLocks noChangeAspect="1"/>
+          </p:cNvPicPr>
+          <p:nvPr/>
+        </p:nvPicPr>
+        <p:blipFill>
+          <a:blip r:embed="rId5"/>
+          <a:stretch>
+            <a:fillRect/>
+          </a:stretch>
+        </p:blipFill>
+        <p:spPr>
+          <a:xfrm>
+            <a:off x="8239563" y="849337"/>
+            <a:ext cx="2499410" cy="2118144"/>
+          </a:xfrm>
+          <a:prstGeom prst="rect">
+            <a:avLst/>
+          </a:prstGeom>
+        </p:spPr>
+      </p:pic>
+      <p:pic>
+        <p:nvPicPr>
+          <p:cNvPr id="13" name="Picture 12">
+            <a:extLst>
+              <a:ext uri="{FF2B5EF4-FFF2-40B4-BE49-F238E27FC236}">
+                <a16:creationId xmlns:a16="http://schemas.microsoft.com/office/drawing/2014/main" id="{B58B58C5-C739-B061-C7FD-CAA9F483E2B6}"/>
+              </a:ext>
+            </a:extLst>
+          </p:cNvPr>
+          <p:cNvPicPr>
+            <a:picLocks noChangeAspect="1"/>
+          </p:cNvPicPr>
+          <p:nvPr/>
+        </p:nvPicPr>
+        <p:blipFill>
+          <a:blip r:embed="rId6"/>
+          <a:stretch>
+            <a:fillRect/>
+          </a:stretch>
+        </p:blipFill>
+        <p:spPr>
+          <a:xfrm>
+            <a:off x="2095680" y="3212980"/>
+            <a:ext cx="2499410" cy="2118144"/>
+          </a:xfrm>
+          <a:prstGeom prst="rect">
+            <a:avLst/>
+          </a:prstGeom>
+        </p:spPr>
+      </p:pic>
+      <p:pic>
+        <p:nvPicPr>
+          <p:cNvPr id="15" name="Picture 14">
+            <a:extLst>
+              <a:ext uri="{FF2B5EF4-FFF2-40B4-BE49-F238E27FC236}">
+                <a16:creationId xmlns:a16="http://schemas.microsoft.com/office/drawing/2014/main" id="{39DE7891-4049-FCE7-BCC2-07E62A22B764}"/>
+              </a:ext>
+            </a:extLst>
+          </p:cNvPr>
+          <p:cNvPicPr>
+            <a:picLocks noChangeAspect="1"/>
+          </p:cNvPicPr>
+          <p:nvPr/>
+        </p:nvPicPr>
+        <p:blipFill>
+          <a:blip r:embed="rId7"/>
+          <a:stretch>
+            <a:fillRect/>
+          </a:stretch>
+        </p:blipFill>
+        <p:spPr>
+          <a:xfrm>
+            <a:off x="4933770" y="3212980"/>
+            <a:ext cx="2499410" cy="2118144"/>
+          </a:xfrm>
+          <a:prstGeom prst="rect">
+            <a:avLst/>
+          </a:prstGeom>
+        </p:spPr>
+      </p:pic>
+      <p:pic>
+        <p:nvPicPr>
+          <p:cNvPr id="17" name="Picture 16">
+            <a:extLst>
+              <a:ext uri="{FF2B5EF4-FFF2-40B4-BE49-F238E27FC236}">
+                <a16:creationId xmlns:a16="http://schemas.microsoft.com/office/drawing/2014/main" id="{139222E9-E0C0-244D-8420-1A1C35A40395}"/>
+              </a:ext>
+            </a:extLst>
+          </p:cNvPr>
+          <p:cNvPicPr>
+            <a:picLocks noChangeAspect="1"/>
+          </p:cNvPicPr>
+          <p:nvPr/>
+        </p:nvPicPr>
+        <p:blipFill>
+          <a:blip r:embed="rId8"/>
+          <a:stretch>
+            <a:fillRect/>
+          </a:stretch>
+        </p:blipFill>
+        <p:spPr>
+          <a:xfrm>
+            <a:off x="7771860" y="3212980"/>
+            <a:ext cx="2499410" cy="2118144"/>
+          </a:xfrm>
+          <a:prstGeom prst="rect">
+            <a:avLst/>
+          </a:prstGeom>
+        </p:spPr>
+      </p:pic>
+      <p:sp>
+        <p:nvSpPr>
+          <p:cNvPr id="18" name="TextBox 17">
+            <a:extLst>
+              <a:ext uri="{FF2B5EF4-FFF2-40B4-BE49-F238E27FC236}">
+                <a16:creationId xmlns:a16="http://schemas.microsoft.com/office/drawing/2014/main" id="{3D5B1D0F-33DF-4110-305A-1F5FE197E519}"/>
+              </a:ext>
+            </a:extLst>
+          </p:cNvPr>
+          <p:cNvSpPr txBox="1"/>
+          <p:nvPr/>
+        </p:nvSpPr>
+        <p:spPr>
+          <a:xfrm>
+            <a:off x="983411" y="280672"/>
+            <a:ext cx="9859993" cy="646331"/>
+          </a:xfrm>
+          <a:prstGeom prst="rect">
+            <a:avLst/>
+          </a:prstGeom>
+          <a:noFill/>
+        </p:spPr>
+        <p:txBody>
+          <a:bodyPr wrap="square" rtlCol="0">
+            <a:spAutoFit/>
+          </a:bodyPr>
+          <a:lstStyle/>
+          <a:p>
+            <a:r>
+              <a:rPr lang="en-US" dirty="0"/>
+              <a:t>Run_5: looks like if heterozygosity is ~0, nearly 100% chance of dying. Therefore it is now a 50% chance with a probability of  prob = c(.5/het/100,(1-(.5/het/100)))</a:t>
+            </a:r>
+          </a:p>
+        </p:txBody>
+      </p:sp>
+      <p:pic>
+        <p:nvPicPr>
+          <p:cNvPr id="3" name="Picture 2">
+            <a:extLst>
+              <a:ext uri="{FF2B5EF4-FFF2-40B4-BE49-F238E27FC236}">
+                <a16:creationId xmlns:a16="http://schemas.microsoft.com/office/drawing/2014/main" id="{A0B4D83D-3B1E-01D8-B745-8B5BFD161C75}"/>
+              </a:ext>
+            </a:extLst>
+          </p:cNvPr>
+          <p:cNvPicPr>
+            <a:picLocks noChangeAspect="1"/>
+          </p:cNvPicPr>
+          <p:nvPr/>
+        </p:nvPicPr>
+        <p:blipFill>
+          <a:blip r:embed="rId9"/>
+          <a:stretch>
+            <a:fillRect/>
+          </a:stretch>
+        </p:blipFill>
+        <p:spPr>
+          <a:xfrm>
+            <a:off x="8239563" y="5737676"/>
+            <a:ext cx="3330229" cy="777307"/>
+          </a:xfrm>
+          <a:prstGeom prst="rect">
+            <a:avLst/>
+          </a:prstGeom>
+        </p:spPr>
+      </p:pic>
+    </p:spTree>
+    <p:extLst>
+      <p:ext uri="{BB962C8B-B14F-4D97-AF65-F5344CB8AC3E}">
+        <p14:creationId xmlns:p14="http://schemas.microsoft.com/office/powerpoint/2010/main" val="3787426694"/>
+      </p:ext>
+    </p:extLst>
+  </p:cSld>
+  <p:clrMapOvr>
+    <a:masterClrMapping/>
+  </p:clrMapOvr>
+</p:sld>
+</file>
+
+<file path=ppt/slides/slide7.xml><?xml version="1.0" encoding="utf-8"?>
+<p:sld xmlns:a="http://schemas.openxmlformats.org/drawingml/2006/main" xmlns:r="http://schemas.openxmlformats.org/officeDocument/2006/relationships" xmlns:p="http://schemas.openxmlformats.org/presentationml/2006/main">
+  <p:cSld>
+    <p:spTree>
+      <p:nvGrpSpPr>
+        <p:cNvPr id="1" name=""/>
+        <p:cNvGrpSpPr/>
+        <p:nvPr/>
+      </p:nvGrpSpPr>
+      <p:grpSpPr>
+        <a:xfrm>
+          <a:off x="0" y="0"/>
+          <a:ext cx="0" cy="0"/>
+          <a:chOff x="0" y="0"/>
+          <a:chExt cx="0" cy="0"/>
+        </a:xfrm>
+      </p:grpSpPr>
+      <p:sp>
+        <p:nvSpPr>
           <p:cNvPr id="4" name="TextBox 3">
             <a:extLst>
               <a:ext uri="{FF2B5EF4-FFF2-40B4-BE49-F238E27FC236}">
@@ -5012,10 +8007,688 @@
           </a:prstGeom>
         </p:spPr>
       </p:pic>
+      <p:pic>
+        <p:nvPicPr>
+          <p:cNvPr id="3" name="Picture 2">
+            <a:extLst>
+              <a:ext uri="{FF2B5EF4-FFF2-40B4-BE49-F238E27FC236}">
+                <a16:creationId xmlns:a16="http://schemas.microsoft.com/office/drawing/2014/main" id="{C8E86CCE-E6CA-E909-DABC-61C4DA6C0CFF}"/>
+              </a:ext>
+            </a:extLst>
+          </p:cNvPr>
+          <p:cNvPicPr>
+            <a:picLocks noChangeAspect="1"/>
+          </p:cNvPicPr>
+          <p:nvPr/>
+        </p:nvPicPr>
+        <p:blipFill>
+          <a:blip r:embed="rId10"/>
+          <a:stretch>
+            <a:fillRect/>
+          </a:stretch>
+        </p:blipFill>
+        <p:spPr>
+          <a:xfrm>
+            <a:off x="8201772" y="6022802"/>
+            <a:ext cx="3261643" cy="533446"/>
+          </a:xfrm>
+          <a:prstGeom prst="rect">
+            <a:avLst/>
+          </a:prstGeom>
+        </p:spPr>
+      </p:pic>
     </p:spTree>
     <p:extLst>
       <p:ext uri="{BB962C8B-B14F-4D97-AF65-F5344CB8AC3E}">
         <p14:creationId xmlns:p14="http://schemas.microsoft.com/office/powerpoint/2010/main" val="508266986"/>
+      </p:ext>
+    </p:extLst>
+  </p:cSld>
+  <p:clrMapOvr>
+    <a:masterClrMapping/>
+  </p:clrMapOvr>
+</p:sld>
+</file>
+
+<file path=ppt/slides/slide8.xml><?xml version="1.0" encoding="utf-8"?>
+<p:sld xmlns:a="http://schemas.openxmlformats.org/drawingml/2006/main" xmlns:r="http://schemas.openxmlformats.org/officeDocument/2006/relationships" xmlns:p="http://schemas.openxmlformats.org/presentationml/2006/main">
+  <p:cSld>
+    <p:spTree>
+      <p:nvGrpSpPr>
+        <p:cNvPr id="1" name=""/>
+        <p:cNvGrpSpPr/>
+        <p:nvPr/>
+      </p:nvGrpSpPr>
+      <p:grpSpPr>
+        <a:xfrm>
+          <a:off x="0" y="0"/>
+          <a:ext cx="0" cy="0"/>
+          <a:chOff x="0" y="0"/>
+          <a:chExt cx="0" cy="0"/>
+        </a:xfrm>
+      </p:grpSpPr>
+      <p:pic>
+        <p:nvPicPr>
+          <p:cNvPr id="5" name="Picture 4">
+            <a:extLst>
+              <a:ext uri="{FF2B5EF4-FFF2-40B4-BE49-F238E27FC236}">
+                <a16:creationId xmlns:a16="http://schemas.microsoft.com/office/drawing/2014/main" id="{ACB9BD1D-2CBD-79BE-A668-C79FC87BB1C2}"/>
+              </a:ext>
+            </a:extLst>
+          </p:cNvPr>
+          <p:cNvPicPr>
+            <a:picLocks noChangeAspect="1"/>
+          </p:cNvPicPr>
+          <p:nvPr/>
+        </p:nvPicPr>
+        <p:blipFill>
+          <a:blip r:embed="rId3"/>
+          <a:stretch>
+            <a:fillRect/>
+          </a:stretch>
+        </p:blipFill>
+        <p:spPr>
+          <a:xfrm>
+            <a:off x="335891" y="849340"/>
+            <a:ext cx="2683354" cy="2274029"/>
+          </a:xfrm>
+          <a:prstGeom prst="rect">
+            <a:avLst/>
+          </a:prstGeom>
+        </p:spPr>
+      </p:pic>
+      <p:pic>
+        <p:nvPicPr>
+          <p:cNvPr id="7" name="Picture 6">
+            <a:extLst>
+              <a:ext uri="{FF2B5EF4-FFF2-40B4-BE49-F238E27FC236}">
+                <a16:creationId xmlns:a16="http://schemas.microsoft.com/office/drawing/2014/main" id="{2A7E5016-44B1-54A9-EC68-001619E81018}"/>
+              </a:ext>
+            </a:extLst>
+          </p:cNvPr>
+          <p:cNvPicPr>
+            <a:picLocks noChangeAspect="1"/>
+          </p:cNvPicPr>
+          <p:nvPr/>
+        </p:nvPicPr>
+        <p:blipFill>
+          <a:blip r:embed="rId4"/>
+          <a:stretch>
+            <a:fillRect/>
+          </a:stretch>
+        </p:blipFill>
+        <p:spPr>
+          <a:xfrm>
+            <a:off x="3019245" y="849340"/>
+            <a:ext cx="2683354" cy="2274029"/>
+          </a:xfrm>
+          <a:prstGeom prst="rect">
+            <a:avLst/>
+          </a:prstGeom>
+        </p:spPr>
+      </p:pic>
+      <p:pic>
+        <p:nvPicPr>
+          <p:cNvPr id="9" name="Picture 8">
+            <a:extLst>
+              <a:ext uri="{FF2B5EF4-FFF2-40B4-BE49-F238E27FC236}">
+                <a16:creationId xmlns:a16="http://schemas.microsoft.com/office/drawing/2014/main" id="{4E3752C4-5A56-E0C2-22DE-39C2905AA354}"/>
+              </a:ext>
+            </a:extLst>
+          </p:cNvPr>
+          <p:cNvPicPr>
+            <a:picLocks noChangeAspect="1"/>
+          </p:cNvPicPr>
+          <p:nvPr/>
+        </p:nvPicPr>
+        <p:blipFill>
+          <a:blip r:embed="rId5"/>
+          <a:stretch>
+            <a:fillRect/>
+          </a:stretch>
+        </p:blipFill>
+        <p:spPr>
+          <a:xfrm>
+            <a:off x="5702599" y="849340"/>
+            <a:ext cx="2683354" cy="2274029"/>
+          </a:xfrm>
+          <a:prstGeom prst="rect">
+            <a:avLst/>
+          </a:prstGeom>
+        </p:spPr>
+      </p:pic>
+      <p:pic>
+        <p:nvPicPr>
+          <p:cNvPr id="11" name="Picture 10">
+            <a:extLst>
+              <a:ext uri="{FF2B5EF4-FFF2-40B4-BE49-F238E27FC236}">
+                <a16:creationId xmlns:a16="http://schemas.microsoft.com/office/drawing/2014/main" id="{3A2AD914-6FEF-DC41-9118-8FBA2AD6DAB5}"/>
+              </a:ext>
+            </a:extLst>
+          </p:cNvPr>
+          <p:cNvPicPr>
+            <a:picLocks noChangeAspect="1"/>
+          </p:cNvPicPr>
+          <p:nvPr/>
+        </p:nvPicPr>
+        <p:blipFill>
+          <a:blip r:embed="rId6"/>
+          <a:stretch>
+            <a:fillRect/>
+          </a:stretch>
+        </p:blipFill>
+        <p:spPr>
+          <a:xfrm>
+            <a:off x="8385953" y="849340"/>
+            <a:ext cx="2683354" cy="2274029"/>
+          </a:xfrm>
+          <a:prstGeom prst="rect">
+            <a:avLst/>
+          </a:prstGeom>
+        </p:spPr>
+      </p:pic>
+      <p:pic>
+        <p:nvPicPr>
+          <p:cNvPr id="13" name="Picture 12">
+            <a:extLst>
+              <a:ext uri="{FF2B5EF4-FFF2-40B4-BE49-F238E27FC236}">
+                <a16:creationId xmlns:a16="http://schemas.microsoft.com/office/drawing/2014/main" id="{AE63F2BE-C74E-9DB0-3386-C5AF4086B31D}"/>
+              </a:ext>
+            </a:extLst>
+          </p:cNvPr>
+          <p:cNvPicPr>
+            <a:picLocks noChangeAspect="1"/>
+          </p:cNvPicPr>
+          <p:nvPr/>
+        </p:nvPicPr>
+        <p:blipFill>
+          <a:blip r:embed="rId7"/>
+          <a:stretch>
+            <a:fillRect/>
+          </a:stretch>
+        </p:blipFill>
+        <p:spPr>
+          <a:xfrm>
+            <a:off x="1793755" y="3278647"/>
+            <a:ext cx="2683354" cy="2274029"/>
+          </a:xfrm>
+          <a:prstGeom prst="rect">
+            <a:avLst/>
+          </a:prstGeom>
+        </p:spPr>
+      </p:pic>
+      <p:pic>
+        <p:nvPicPr>
+          <p:cNvPr id="15" name="Picture 14">
+            <a:extLst>
+              <a:ext uri="{FF2B5EF4-FFF2-40B4-BE49-F238E27FC236}">
+                <a16:creationId xmlns:a16="http://schemas.microsoft.com/office/drawing/2014/main" id="{B02EFCA4-D4F0-BE22-9BFD-3C960DE8275B}"/>
+              </a:ext>
+            </a:extLst>
+          </p:cNvPr>
+          <p:cNvPicPr>
+            <a:picLocks noChangeAspect="1"/>
+          </p:cNvPicPr>
+          <p:nvPr/>
+        </p:nvPicPr>
+        <p:blipFill>
+          <a:blip r:embed="rId8"/>
+          <a:stretch>
+            <a:fillRect/>
+          </a:stretch>
+        </p:blipFill>
+        <p:spPr>
+          <a:xfrm>
+            <a:off x="4477109" y="3278647"/>
+            <a:ext cx="2683354" cy="2274029"/>
+          </a:xfrm>
+          <a:prstGeom prst="rect">
+            <a:avLst/>
+          </a:prstGeom>
+        </p:spPr>
+      </p:pic>
+      <p:pic>
+        <p:nvPicPr>
+          <p:cNvPr id="17" name="Picture 16">
+            <a:extLst>
+              <a:ext uri="{FF2B5EF4-FFF2-40B4-BE49-F238E27FC236}">
+                <a16:creationId xmlns:a16="http://schemas.microsoft.com/office/drawing/2014/main" id="{84B74A63-1817-D582-6785-79BF454297FB}"/>
+              </a:ext>
+            </a:extLst>
+          </p:cNvPr>
+          <p:cNvPicPr>
+            <a:picLocks noChangeAspect="1"/>
+          </p:cNvPicPr>
+          <p:nvPr/>
+        </p:nvPicPr>
+        <p:blipFill>
+          <a:blip r:embed="rId9"/>
+          <a:stretch>
+            <a:fillRect/>
+          </a:stretch>
+        </p:blipFill>
+        <p:spPr>
+          <a:xfrm>
+            <a:off x="7160463" y="3278647"/>
+            <a:ext cx="2683355" cy="2274030"/>
+          </a:xfrm>
+          <a:prstGeom prst="rect">
+            <a:avLst/>
+          </a:prstGeom>
+        </p:spPr>
+      </p:pic>
+      <p:sp>
+        <p:nvSpPr>
+          <p:cNvPr id="18" name="TextBox 17">
+            <a:extLst>
+              <a:ext uri="{FF2B5EF4-FFF2-40B4-BE49-F238E27FC236}">
+                <a16:creationId xmlns:a16="http://schemas.microsoft.com/office/drawing/2014/main" id="{98E3A5CB-BFB9-13EA-F019-E38E8C69FF02}"/>
+              </a:ext>
+            </a:extLst>
+          </p:cNvPr>
+          <p:cNvSpPr txBox="1"/>
+          <p:nvPr/>
+        </p:nvSpPr>
+        <p:spPr>
+          <a:xfrm>
+            <a:off x="586597" y="310036"/>
+            <a:ext cx="10636370" cy="923330"/>
+          </a:xfrm>
+          <a:prstGeom prst="rect">
+            <a:avLst/>
+          </a:prstGeom>
+          <a:noFill/>
+        </p:spPr>
+        <p:txBody>
+          <a:bodyPr wrap="square" rtlCol="0">
+            <a:spAutoFit/>
+          </a:bodyPr>
+          <a:lstStyle/>
+          <a:p>
+            <a:r>
+              <a:rPr lang="en-US" dirty="0"/>
+              <a:t>Run_7: introduce </a:t>
+            </a:r>
+            <a:r>
+              <a:rPr lang="en-US" dirty="0" err="1"/>
+              <a:t>allee</a:t>
+            </a:r>
+            <a:r>
+              <a:rPr lang="en-US" dirty="0"/>
+              <a:t> effect at lowest pop size -- instead of r0 = 1, r0 = .5 at low pop sizes (not during pop decline or </a:t>
+            </a:r>
+            <a:r>
+              <a:rPr lang="en-US" dirty="0" err="1"/>
+              <a:t>growht</a:t>
+            </a:r>
+            <a:r>
+              <a:rPr lang="en-US" dirty="0"/>
+              <a:t> periods– only for the duration of the lowest pop size)</a:t>
+            </a:r>
+          </a:p>
+          <a:p>
+            <a:endParaRPr lang="en-US" dirty="0"/>
+          </a:p>
+        </p:txBody>
+      </p:sp>
+      <p:pic>
+        <p:nvPicPr>
+          <p:cNvPr id="2" name="Picture 1">
+            <a:extLst>
+              <a:ext uri="{FF2B5EF4-FFF2-40B4-BE49-F238E27FC236}">
+                <a16:creationId xmlns:a16="http://schemas.microsoft.com/office/drawing/2014/main" id="{F6294DAF-62A6-1C1C-F11B-E6CC98385D10}"/>
+              </a:ext>
+            </a:extLst>
+          </p:cNvPr>
+          <p:cNvPicPr>
+            <a:picLocks noChangeAspect="1"/>
+          </p:cNvPicPr>
+          <p:nvPr/>
+        </p:nvPicPr>
+        <p:blipFill>
+          <a:blip r:embed="rId10"/>
+          <a:stretch>
+            <a:fillRect/>
+          </a:stretch>
+        </p:blipFill>
+        <p:spPr>
+          <a:xfrm>
+            <a:off x="8239563" y="5737676"/>
+            <a:ext cx="3330229" cy="777307"/>
+          </a:xfrm>
+          <a:prstGeom prst="rect">
+            <a:avLst/>
+          </a:prstGeom>
+        </p:spPr>
+      </p:pic>
+    </p:spTree>
+    <p:extLst>
+      <p:ext uri="{BB962C8B-B14F-4D97-AF65-F5344CB8AC3E}">
+        <p14:creationId xmlns:p14="http://schemas.microsoft.com/office/powerpoint/2010/main" val="2219654119"/>
+      </p:ext>
+    </p:extLst>
+  </p:cSld>
+  <p:clrMapOvr>
+    <a:masterClrMapping/>
+  </p:clrMapOvr>
+</p:sld>
+</file>
+
+<file path=ppt/slides/slide9.xml><?xml version="1.0" encoding="utf-8"?>
+<p:sld xmlns:a="http://schemas.openxmlformats.org/drawingml/2006/main" xmlns:r="http://schemas.openxmlformats.org/officeDocument/2006/relationships" xmlns:p="http://schemas.openxmlformats.org/presentationml/2006/main">
+  <p:cSld>
+    <p:spTree>
+      <p:nvGrpSpPr>
+        <p:cNvPr id="1" name=""/>
+        <p:cNvGrpSpPr/>
+        <p:nvPr/>
+      </p:nvGrpSpPr>
+      <p:grpSpPr>
+        <a:xfrm>
+          <a:off x="0" y="0"/>
+          <a:ext cx="0" cy="0"/>
+          <a:chOff x="0" y="0"/>
+          <a:chExt cx="0" cy="0"/>
+        </a:xfrm>
+      </p:grpSpPr>
+      <p:pic>
+        <p:nvPicPr>
+          <p:cNvPr id="5" name="Picture 4">
+            <a:extLst>
+              <a:ext uri="{FF2B5EF4-FFF2-40B4-BE49-F238E27FC236}">
+                <a16:creationId xmlns:a16="http://schemas.microsoft.com/office/drawing/2014/main" id="{333AF313-D573-D7E7-64FA-C3852A77E2BE}"/>
+              </a:ext>
+            </a:extLst>
+          </p:cNvPr>
+          <p:cNvPicPr>
+            <a:picLocks noChangeAspect="1"/>
+          </p:cNvPicPr>
+          <p:nvPr/>
+        </p:nvPicPr>
+        <p:blipFill>
+          <a:blip r:embed="rId2"/>
+          <a:stretch>
+            <a:fillRect/>
+          </a:stretch>
+        </p:blipFill>
+        <p:spPr>
+          <a:xfrm>
+            <a:off x="514709" y="668547"/>
+            <a:ext cx="2720198" cy="2305253"/>
+          </a:xfrm>
+          <a:prstGeom prst="rect">
+            <a:avLst/>
+          </a:prstGeom>
+        </p:spPr>
+      </p:pic>
+      <p:pic>
+        <p:nvPicPr>
+          <p:cNvPr id="7" name="Picture 6">
+            <a:extLst>
+              <a:ext uri="{FF2B5EF4-FFF2-40B4-BE49-F238E27FC236}">
+                <a16:creationId xmlns:a16="http://schemas.microsoft.com/office/drawing/2014/main" id="{60D8983B-BCF1-B255-F480-7EC505AFCF34}"/>
+              </a:ext>
+            </a:extLst>
+          </p:cNvPr>
+          <p:cNvPicPr>
+            <a:picLocks noChangeAspect="1"/>
+          </p:cNvPicPr>
+          <p:nvPr/>
+        </p:nvPicPr>
+        <p:blipFill>
+          <a:blip r:embed="rId3"/>
+          <a:stretch>
+            <a:fillRect/>
+          </a:stretch>
+        </p:blipFill>
+        <p:spPr>
+          <a:xfrm>
+            <a:off x="3234907" y="668547"/>
+            <a:ext cx="2720198" cy="2305253"/>
+          </a:xfrm>
+          <a:prstGeom prst="rect">
+            <a:avLst/>
+          </a:prstGeom>
+        </p:spPr>
+      </p:pic>
+      <p:pic>
+        <p:nvPicPr>
+          <p:cNvPr id="9" name="Picture 8">
+            <a:extLst>
+              <a:ext uri="{FF2B5EF4-FFF2-40B4-BE49-F238E27FC236}">
+                <a16:creationId xmlns:a16="http://schemas.microsoft.com/office/drawing/2014/main" id="{C51EE5D2-0BA2-C0F1-ABA4-A6B28CF9E01F}"/>
+              </a:ext>
+            </a:extLst>
+          </p:cNvPr>
+          <p:cNvPicPr>
+            <a:picLocks noChangeAspect="1"/>
+          </p:cNvPicPr>
+          <p:nvPr/>
+        </p:nvPicPr>
+        <p:blipFill>
+          <a:blip r:embed="rId4"/>
+          <a:stretch>
+            <a:fillRect/>
+          </a:stretch>
+        </p:blipFill>
+        <p:spPr>
+          <a:xfrm>
+            <a:off x="5955105" y="668547"/>
+            <a:ext cx="2720198" cy="2305253"/>
+          </a:xfrm>
+          <a:prstGeom prst="rect">
+            <a:avLst/>
+          </a:prstGeom>
+        </p:spPr>
+      </p:pic>
+      <p:pic>
+        <p:nvPicPr>
+          <p:cNvPr id="11" name="Picture 10">
+            <a:extLst>
+              <a:ext uri="{FF2B5EF4-FFF2-40B4-BE49-F238E27FC236}">
+                <a16:creationId xmlns:a16="http://schemas.microsoft.com/office/drawing/2014/main" id="{3FA5E3EA-51E9-8549-7391-9463F0A5F55B}"/>
+              </a:ext>
+            </a:extLst>
+          </p:cNvPr>
+          <p:cNvPicPr>
+            <a:picLocks noChangeAspect="1"/>
+          </p:cNvPicPr>
+          <p:nvPr/>
+        </p:nvPicPr>
+        <p:blipFill>
+          <a:blip r:embed="rId5"/>
+          <a:stretch>
+            <a:fillRect/>
+          </a:stretch>
+        </p:blipFill>
+        <p:spPr>
+          <a:xfrm>
+            <a:off x="8675303" y="668546"/>
+            <a:ext cx="2720200" cy="2305254"/>
+          </a:xfrm>
+          <a:prstGeom prst="rect">
+            <a:avLst/>
+          </a:prstGeom>
+        </p:spPr>
+      </p:pic>
+      <p:pic>
+        <p:nvPicPr>
+          <p:cNvPr id="13" name="Picture 12">
+            <a:extLst>
+              <a:ext uri="{FF2B5EF4-FFF2-40B4-BE49-F238E27FC236}">
+                <a16:creationId xmlns:a16="http://schemas.microsoft.com/office/drawing/2014/main" id="{05ED5551-880B-7889-8933-9328C277C0C2}"/>
+              </a:ext>
+            </a:extLst>
+          </p:cNvPr>
+          <p:cNvPicPr>
+            <a:picLocks noChangeAspect="1"/>
+          </p:cNvPicPr>
+          <p:nvPr/>
+        </p:nvPicPr>
+        <p:blipFill>
+          <a:blip r:embed="rId6"/>
+          <a:stretch>
+            <a:fillRect/>
+          </a:stretch>
+        </p:blipFill>
+        <p:spPr>
+          <a:xfrm>
+            <a:off x="1874808" y="2973800"/>
+            <a:ext cx="2720199" cy="2305253"/>
+          </a:xfrm>
+          <a:prstGeom prst="rect">
+            <a:avLst/>
+          </a:prstGeom>
+        </p:spPr>
+      </p:pic>
+      <p:pic>
+        <p:nvPicPr>
+          <p:cNvPr id="15" name="Picture 14">
+            <a:extLst>
+              <a:ext uri="{FF2B5EF4-FFF2-40B4-BE49-F238E27FC236}">
+                <a16:creationId xmlns:a16="http://schemas.microsoft.com/office/drawing/2014/main" id="{927B41B2-5518-2B1C-DAED-035E6440F2B9}"/>
+              </a:ext>
+            </a:extLst>
+          </p:cNvPr>
+          <p:cNvPicPr>
+            <a:picLocks noChangeAspect="1"/>
+          </p:cNvPicPr>
+          <p:nvPr/>
+        </p:nvPicPr>
+        <p:blipFill>
+          <a:blip r:embed="rId7"/>
+          <a:stretch>
+            <a:fillRect/>
+          </a:stretch>
+        </p:blipFill>
+        <p:spPr>
+          <a:xfrm>
+            <a:off x="4735899" y="2973798"/>
+            <a:ext cx="2720201" cy="2305255"/>
+          </a:xfrm>
+          <a:prstGeom prst="rect">
+            <a:avLst/>
+          </a:prstGeom>
+        </p:spPr>
+      </p:pic>
+      <p:pic>
+        <p:nvPicPr>
+          <p:cNvPr id="17" name="Picture 16">
+            <a:extLst>
+              <a:ext uri="{FF2B5EF4-FFF2-40B4-BE49-F238E27FC236}">
+                <a16:creationId xmlns:a16="http://schemas.microsoft.com/office/drawing/2014/main" id="{E186C0DF-5452-43E2-D9E3-65D59AB92652}"/>
+              </a:ext>
+            </a:extLst>
+          </p:cNvPr>
+          <p:cNvPicPr>
+            <a:picLocks noChangeAspect="1"/>
+          </p:cNvPicPr>
+          <p:nvPr/>
+        </p:nvPicPr>
+        <p:blipFill>
+          <a:blip r:embed="rId8"/>
+          <a:stretch>
+            <a:fillRect/>
+          </a:stretch>
+        </p:blipFill>
+        <p:spPr>
+          <a:xfrm>
+            <a:off x="7596992" y="2973797"/>
+            <a:ext cx="2720202" cy="2305256"/>
+          </a:xfrm>
+          <a:prstGeom prst="rect">
+            <a:avLst/>
+          </a:prstGeom>
+        </p:spPr>
+      </p:pic>
+      <p:sp>
+        <p:nvSpPr>
+          <p:cNvPr id="18" name="TextBox 17">
+            <a:extLst>
+              <a:ext uri="{FF2B5EF4-FFF2-40B4-BE49-F238E27FC236}">
+                <a16:creationId xmlns:a16="http://schemas.microsoft.com/office/drawing/2014/main" id="{07D2A36C-C987-70A7-1377-C1AAFD8956B9}"/>
+              </a:ext>
+            </a:extLst>
+          </p:cNvPr>
+          <p:cNvSpPr txBox="1"/>
+          <p:nvPr/>
+        </p:nvSpPr>
+        <p:spPr>
+          <a:xfrm>
+            <a:off x="1485426" y="206879"/>
+            <a:ext cx="9502941" cy="923330"/>
+          </a:xfrm>
+          <a:prstGeom prst="rect">
+            <a:avLst/>
+          </a:prstGeom>
+          <a:noFill/>
+        </p:spPr>
+        <p:txBody>
+          <a:bodyPr wrap="square" rtlCol="0">
+            <a:spAutoFit/>
+          </a:bodyPr>
+          <a:lstStyle/>
+          <a:p>
+            <a:r>
+              <a:rPr lang="en-US" dirty="0"/>
+              <a:t>Run_8: introduce </a:t>
+            </a:r>
+            <a:r>
+              <a:rPr lang="en-US" dirty="0" err="1"/>
+              <a:t>allee</a:t>
+            </a:r>
+            <a:r>
+              <a:rPr lang="en-US" dirty="0"/>
+              <a:t> effect when number of alive adults is less than 400, enacted in </a:t>
+            </a:r>
+            <a:r>
+              <a:rPr lang="en-US" dirty="0" err="1"/>
+              <a:t>FitnessDeath.R</a:t>
+            </a:r>
+            <a:r>
+              <a:rPr lang="en-US" dirty="0"/>
+              <a:t>, where the fitness effect is stronger at low pop sizes</a:t>
+            </a:r>
+          </a:p>
+          <a:p>
+            <a:endParaRPr lang="en-US" dirty="0"/>
+          </a:p>
+        </p:txBody>
+      </p:sp>
+      <p:pic>
+        <p:nvPicPr>
+          <p:cNvPr id="2" name="Picture 1">
+            <a:extLst>
+              <a:ext uri="{FF2B5EF4-FFF2-40B4-BE49-F238E27FC236}">
+                <a16:creationId xmlns:a16="http://schemas.microsoft.com/office/drawing/2014/main" id="{9B65CD39-CA59-A84A-6346-46256C7BEF73}"/>
+              </a:ext>
+            </a:extLst>
+          </p:cNvPr>
+          <p:cNvPicPr>
+            <a:picLocks noChangeAspect="1"/>
+          </p:cNvPicPr>
+          <p:nvPr/>
+        </p:nvPicPr>
+        <p:blipFill>
+          <a:blip r:embed="rId9"/>
+          <a:stretch>
+            <a:fillRect/>
+          </a:stretch>
+        </p:blipFill>
+        <p:spPr>
+          <a:xfrm>
+            <a:off x="8239563" y="5737676"/>
+            <a:ext cx="3330229" cy="777307"/>
+          </a:xfrm>
+          <a:prstGeom prst="rect">
+            <a:avLst/>
+          </a:prstGeom>
+        </p:spPr>
+      </p:pic>
+    </p:spTree>
+    <p:extLst>
+      <p:ext uri="{BB962C8B-B14F-4D97-AF65-F5344CB8AC3E}">
+        <p14:creationId xmlns:p14="http://schemas.microsoft.com/office/powerpoint/2010/main" val="2238070894"/>
       </p:ext>
     </p:extLst>
   </p:cSld>

--- a/Output_local/holding/figs/Figs_2.9.23.pptx
+++ b/Output_local/holding/figs/Figs_2.9.23.pptx
@@ -5,7 +5,7 @@
     <p:sldMasterId id="2147483648" r:id="rId1"/>
   </p:sldMasterIdLst>
   <p:notesMasterIdLst>
-    <p:notesMasterId r:id="rId14"/>
+    <p:notesMasterId r:id="rId18"/>
   </p:notesMasterIdLst>
   <p:sldIdLst>
     <p:sldId id="256" r:id="rId2"/>
@@ -20,6 +20,10 @@
     <p:sldId id="265" r:id="rId11"/>
     <p:sldId id="264" r:id="rId12"/>
     <p:sldId id="258" r:id="rId13"/>
+    <p:sldId id="268" r:id="rId14"/>
+    <p:sldId id="269" r:id="rId15"/>
+    <p:sldId id="270" r:id="rId16"/>
+    <p:sldId id="271" r:id="rId17"/>
   </p:sldIdLst>
   <p:sldSz cx="12192000" cy="6858000"/>
   <p:notesSz cx="6858000" cy="9144000"/>
@@ -208,7 +212,7 @@
           <a:p>
             <a:fld id="{7CAA324E-A35A-4DB3-97D7-1D4F2911AA6E}" type="datetimeFigureOut">
               <a:rPr lang="en-US" smtClean="0"/>
-              <a:t>2/13/2023</a:t>
+              <a:t>2/17/2023</a:t>
             </a:fld>
             <a:endParaRPr lang="en-US"/>
           </a:p>
@@ -805,7 +809,7 @@
           <a:p>
             <a:fld id="{962CC0B1-69B9-47DF-92B7-C17862251811}" type="datetimeFigureOut">
               <a:rPr lang="en-US" smtClean="0"/>
-              <a:t>2/13/2023</a:t>
+              <a:t>2/17/2023</a:t>
             </a:fld>
             <a:endParaRPr lang="en-US"/>
           </a:p>
@@ -1003,7 +1007,7 @@
           <a:p>
             <a:fld id="{962CC0B1-69B9-47DF-92B7-C17862251811}" type="datetimeFigureOut">
               <a:rPr lang="en-US" smtClean="0"/>
-              <a:t>2/13/2023</a:t>
+              <a:t>2/17/2023</a:t>
             </a:fld>
             <a:endParaRPr lang="en-US"/>
           </a:p>
@@ -1211,7 +1215,7 @@
           <a:p>
             <a:fld id="{962CC0B1-69B9-47DF-92B7-C17862251811}" type="datetimeFigureOut">
               <a:rPr lang="en-US" smtClean="0"/>
-              <a:t>2/13/2023</a:t>
+              <a:t>2/17/2023</a:t>
             </a:fld>
             <a:endParaRPr lang="en-US"/>
           </a:p>
@@ -1409,7 +1413,7 @@
           <a:p>
             <a:fld id="{962CC0B1-69B9-47DF-92B7-C17862251811}" type="datetimeFigureOut">
               <a:rPr lang="en-US" smtClean="0"/>
-              <a:t>2/13/2023</a:t>
+              <a:t>2/17/2023</a:t>
             </a:fld>
             <a:endParaRPr lang="en-US"/>
           </a:p>
@@ -1684,7 +1688,7 @@
           <a:p>
             <a:fld id="{962CC0B1-69B9-47DF-92B7-C17862251811}" type="datetimeFigureOut">
               <a:rPr lang="en-US" smtClean="0"/>
-              <a:t>2/13/2023</a:t>
+              <a:t>2/17/2023</a:t>
             </a:fld>
             <a:endParaRPr lang="en-US"/>
           </a:p>
@@ -1949,7 +1953,7 @@
           <a:p>
             <a:fld id="{962CC0B1-69B9-47DF-92B7-C17862251811}" type="datetimeFigureOut">
               <a:rPr lang="en-US" smtClean="0"/>
-              <a:t>2/13/2023</a:t>
+              <a:t>2/17/2023</a:t>
             </a:fld>
             <a:endParaRPr lang="en-US"/>
           </a:p>
@@ -2361,7 +2365,7 @@
           <a:p>
             <a:fld id="{962CC0B1-69B9-47DF-92B7-C17862251811}" type="datetimeFigureOut">
               <a:rPr lang="en-US" smtClean="0"/>
-              <a:t>2/13/2023</a:t>
+              <a:t>2/17/2023</a:t>
             </a:fld>
             <a:endParaRPr lang="en-US"/>
           </a:p>
@@ -2502,7 +2506,7 @@
           <a:p>
             <a:fld id="{962CC0B1-69B9-47DF-92B7-C17862251811}" type="datetimeFigureOut">
               <a:rPr lang="en-US" smtClean="0"/>
-              <a:t>2/13/2023</a:t>
+              <a:t>2/17/2023</a:t>
             </a:fld>
             <a:endParaRPr lang="en-US"/>
           </a:p>
@@ -2615,7 +2619,7 @@
           <a:p>
             <a:fld id="{962CC0B1-69B9-47DF-92B7-C17862251811}" type="datetimeFigureOut">
               <a:rPr lang="en-US" smtClean="0"/>
-              <a:t>2/13/2023</a:t>
+              <a:t>2/17/2023</a:t>
             </a:fld>
             <a:endParaRPr lang="en-US"/>
           </a:p>
@@ -2926,7 +2930,7 @@
           <a:p>
             <a:fld id="{962CC0B1-69B9-47DF-92B7-C17862251811}" type="datetimeFigureOut">
               <a:rPr lang="en-US" smtClean="0"/>
-              <a:t>2/13/2023</a:t>
+              <a:t>2/17/2023</a:t>
             </a:fld>
             <a:endParaRPr lang="en-US"/>
           </a:p>
@@ -3214,7 +3218,7 @@
           <a:p>
             <a:fld id="{962CC0B1-69B9-47DF-92B7-C17862251811}" type="datetimeFigureOut">
               <a:rPr lang="en-US" smtClean="0"/>
-              <a:t>2/13/2023</a:t>
+              <a:t>2/17/2023</a:t>
             </a:fld>
             <a:endParaRPr lang="en-US"/>
           </a:p>
@@ -3455,7 +3459,7 @@
           <a:p>
             <a:fld id="{962CC0B1-69B9-47DF-92B7-C17862251811}" type="datetimeFigureOut">
               <a:rPr lang="en-US" smtClean="0"/>
-              <a:t>2/13/2023</a:t>
+              <a:t>2/17/2023</a:t>
             </a:fld>
             <a:endParaRPr lang="en-US"/>
           </a:p>
@@ -5880,6 +5884,3724 @@
 </p:sld>
 </file>
 
+<file path=ppt/slides/slide13.xml><?xml version="1.0" encoding="utf-8"?>
+<p:sld xmlns:a="http://schemas.openxmlformats.org/drawingml/2006/main" xmlns:r="http://schemas.openxmlformats.org/officeDocument/2006/relationships" xmlns:p="http://schemas.openxmlformats.org/presentationml/2006/main">
+  <p:cSld>
+    <p:spTree>
+      <p:nvGrpSpPr>
+        <p:cNvPr id="1" name=""/>
+        <p:cNvGrpSpPr/>
+        <p:nvPr/>
+      </p:nvGrpSpPr>
+      <p:grpSpPr>
+        <a:xfrm>
+          <a:off x="0" y="0"/>
+          <a:ext cx="0" cy="0"/>
+          <a:chOff x="0" y="0"/>
+          <a:chExt cx="0" cy="0"/>
+        </a:xfrm>
+      </p:grpSpPr>
+      <p:pic>
+        <p:nvPicPr>
+          <p:cNvPr id="5" name="Picture 4">
+            <a:extLst>
+              <a:ext uri="{FF2B5EF4-FFF2-40B4-BE49-F238E27FC236}">
+                <a16:creationId xmlns:a16="http://schemas.microsoft.com/office/drawing/2014/main" id="{9E4B2D96-C9C4-FD00-F821-C8E27352A268}"/>
+              </a:ext>
+            </a:extLst>
+          </p:cNvPr>
+          <p:cNvPicPr>
+            <a:picLocks noChangeAspect="1"/>
+          </p:cNvPicPr>
+          <p:nvPr/>
+        </p:nvPicPr>
+        <p:blipFill>
+          <a:blip r:embed="rId2"/>
+          <a:stretch>
+            <a:fillRect/>
+          </a:stretch>
+        </p:blipFill>
+        <p:spPr>
+          <a:xfrm>
+            <a:off x="223837" y="904873"/>
+            <a:ext cx="2500313" cy="2242243"/>
+          </a:xfrm>
+          <a:prstGeom prst="rect">
+            <a:avLst/>
+          </a:prstGeom>
+        </p:spPr>
+      </p:pic>
+      <p:graphicFrame>
+        <p:nvGraphicFramePr>
+          <p:cNvPr id="6" name="Table 5">
+            <a:extLst>
+              <a:ext uri="{FF2B5EF4-FFF2-40B4-BE49-F238E27FC236}">
+                <a16:creationId xmlns:a16="http://schemas.microsoft.com/office/drawing/2014/main" id="{B1192A57-9E41-9957-9DB5-89CB12671C34}"/>
+              </a:ext>
+            </a:extLst>
+          </p:cNvPr>
+          <p:cNvGraphicFramePr>
+            <a:graphicFrameLocks noGrp="1"/>
+          </p:cNvGraphicFramePr>
+          <p:nvPr>
+            <p:extLst>
+              <p:ext uri="{D42A27DB-BD31-4B8C-83A1-F6EECF244321}">
+                <p14:modId xmlns:p14="http://schemas.microsoft.com/office/powerpoint/2010/main" val="3915618271"/>
+              </p:ext>
+            </p:extLst>
+          </p:nvPr>
+        </p:nvGraphicFramePr>
+        <p:xfrm>
+          <a:off x="933450" y="266700"/>
+          <a:ext cx="10515600" cy="533400"/>
+        </p:xfrm>
+        <a:graphic>
+          <a:graphicData uri="http://schemas.openxmlformats.org/drawingml/2006/table">
+            <a:tbl>
+              <a:tblPr>
+                <a:tableStyleId>{5C22544A-7EE6-4342-B048-85BDC9FD1C3A}</a:tableStyleId>
+              </a:tblPr>
+              <a:tblGrid>
+                <a:gridCol w="384190">
+                  <a:extLst>
+                    <a:ext uri="{9D8B030D-6E8A-4147-A177-3AD203B41FA5}">
+                      <a16:colId xmlns:a16="http://schemas.microsoft.com/office/drawing/2014/main" val="1338429004"/>
+                    </a:ext>
+                  </a:extLst>
+                </a:gridCol>
+                <a:gridCol w="560277">
+                  <a:extLst>
+                    <a:ext uri="{9D8B030D-6E8A-4147-A177-3AD203B41FA5}">
+                      <a16:colId xmlns:a16="http://schemas.microsoft.com/office/drawing/2014/main" val="3588672497"/>
+                    </a:ext>
+                  </a:extLst>
+                </a:gridCol>
+                <a:gridCol w="848419">
+                  <a:extLst>
+                    <a:ext uri="{9D8B030D-6E8A-4147-A177-3AD203B41FA5}">
+                      <a16:colId xmlns:a16="http://schemas.microsoft.com/office/drawing/2014/main" val="3397902591"/>
+                    </a:ext>
+                  </a:extLst>
+                </a:gridCol>
+                <a:gridCol w="424210">
+                  <a:extLst>
+                    <a:ext uri="{9D8B030D-6E8A-4147-A177-3AD203B41FA5}">
+                      <a16:colId xmlns:a16="http://schemas.microsoft.com/office/drawing/2014/main" val="1407029177"/>
+                    </a:ext>
+                  </a:extLst>
+                </a:gridCol>
+                <a:gridCol w="384190">
+                  <a:extLst>
+                    <a:ext uri="{9D8B030D-6E8A-4147-A177-3AD203B41FA5}">
+                      <a16:colId xmlns:a16="http://schemas.microsoft.com/office/drawing/2014/main" val="984325030"/>
+                    </a:ext>
+                  </a:extLst>
+                </a:gridCol>
+                <a:gridCol w="384190">
+                  <a:extLst>
+                    <a:ext uri="{9D8B030D-6E8A-4147-A177-3AD203B41FA5}">
+                      <a16:colId xmlns:a16="http://schemas.microsoft.com/office/drawing/2014/main" val="3127379580"/>
+                    </a:ext>
+                  </a:extLst>
+                </a:gridCol>
+                <a:gridCol w="384190">
+                  <a:extLst>
+                    <a:ext uri="{9D8B030D-6E8A-4147-A177-3AD203B41FA5}">
+                      <a16:colId xmlns:a16="http://schemas.microsoft.com/office/drawing/2014/main" val="2383348481"/>
+                    </a:ext>
+                  </a:extLst>
+                </a:gridCol>
+                <a:gridCol w="384190">
+                  <a:extLst>
+                    <a:ext uri="{9D8B030D-6E8A-4147-A177-3AD203B41FA5}">
+                      <a16:colId xmlns:a16="http://schemas.microsoft.com/office/drawing/2014/main" val="634467130"/>
+                    </a:ext>
+                  </a:extLst>
+                </a:gridCol>
+                <a:gridCol w="384190">
+                  <a:extLst>
+                    <a:ext uri="{9D8B030D-6E8A-4147-A177-3AD203B41FA5}">
+                      <a16:colId xmlns:a16="http://schemas.microsoft.com/office/drawing/2014/main" val="1269446774"/>
+                    </a:ext>
+                  </a:extLst>
+                </a:gridCol>
+                <a:gridCol w="384190">
+                  <a:extLst>
+                    <a:ext uri="{9D8B030D-6E8A-4147-A177-3AD203B41FA5}">
+                      <a16:colId xmlns:a16="http://schemas.microsoft.com/office/drawing/2014/main" val="3774628320"/>
+                    </a:ext>
+                  </a:extLst>
+                </a:gridCol>
+                <a:gridCol w="384190">
+                  <a:extLst>
+                    <a:ext uri="{9D8B030D-6E8A-4147-A177-3AD203B41FA5}">
+                      <a16:colId xmlns:a16="http://schemas.microsoft.com/office/drawing/2014/main" val="3156544648"/>
+                    </a:ext>
+                  </a:extLst>
+                </a:gridCol>
+                <a:gridCol w="384190">
+                  <a:extLst>
+                    <a:ext uri="{9D8B030D-6E8A-4147-A177-3AD203B41FA5}">
+                      <a16:colId xmlns:a16="http://schemas.microsoft.com/office/drawing/2014/main" val="1154441819"/>
+                    </a:ext>
+                  </a:extLst>
+                </a:gridCol>
+                <a:gridCol w="384190">
+                  <a:extLst>
+                    <a:ext uri="{9D8B030D-6E8A-4147-A177-3AD203B41FA5}">
+                      <a16:colId xmlns:a16="http://schemas.microsoft.com/office/drawing/2014/main" val="4033340688"/>
+                    </a:ext>
+                  </a:extLst>
+                </a:gridCol>
+                <a:gridCol w="384190">
+                  <a:extLst>
+                    <a:ext uri="{9D8B030D-6E8A-4147-A177-3AD203B41FA5}">
+                      <a16:colId xmlns:a16="http://schemas.microsoft.com/office/drawing/2014/main" val="31179122"/>
+                    </a:ext>
+                  </a:extLst>
+                </a:gridCol>
+                <a:gridCol w="384190">
+                  <a:extLst>
+                    <a:ext uri="{9D8B030D-6E8A-4147-A177-3AD203B41FA5}">
+                      <a16:colId xmlns:a16="http://schemas.microsoft.com/office/drawing/2014/main" val="1566112721"/>
+                    </a:ext>
+                  </a:extLst>
+                </a:gridCol>
+                <a:gridCol w="384190">
+                  <a:extLst>
+                    <a:ext uri="{9D8B030D-6E8A-4147-A177-3AD203B41FA5}">
+                      <a16:colId xmlns:a16="http://schemas.microsoft.com/office/drawing/2014/main" val="487356067"/>
+                    </a:ext>
+                  </a:extLst>
+                </a:gridCol>
+                <a:gridCol w="384190">
+                  <a:extLst>
+                    <a:ext uri="{9D8B030D-6E8A-4147-A177-3AD203B41FA5}">
+                      <a16:colId xmlns:a16="http://schemas.microsoft.com/office/drawing/2014/main" val="755209193"/>
+                    </a:ext>
+                  </a:extLst>
+                </a:gridCol>
+                <a:gridCol w="384190">
+                  <a:extLst>
+                    <a:ext uri="{9D8B030D-6E8A-4147-A177-3AD203B41FA5}">
+                      <a16:colId xmlns:a16="http://schemas.microsoft.com/office/drawing/2014/main" val="3677678693"/>
+                    </a:ext>
+                  </a:extLst>
+                </a:gridCol>
+                <a:gridCol w="384190">
+                  <a:extLst>
+                    <a:ext uri="{9D8B030D-6E8A-4147-A177-3AD203B41FA5}">
+                      <a16:colId xmlns:a16="http://schemas.microsoft.com/office/drawing/2014/main" val="434755397"/>
+                    </a:ext>
+                  </a:extLst>
+                </a:gridCol>
+                <a:gridCol w="384190">
+                  <a:extLst>
+                    <a:ext uri="{9D8B030D-6E8A-4147-A177-3AD203B41FA5}">
+                      <a16:colId xmlns:a16="http://schemas.microsoft.com/office/drawing/2014/main" val="1576105863"/>
+                    </a:ext>
+                  </a:extLst>
+                </a:gridCol>
+                <a:gridCol w="384190">
+                  <a:extLst>
+                    <a:ext uri="{9D8B030D-6E8A-4147-A177-3AD203B41FA5}">
+                      <a16:colId xmlns:a16="http://schemas.microsoft.com/office/drawing/2014/main" val="974824704"/>
+                    </a:ext>
+                  </a:extLst>
+                </a:gridCol>
+                <a:gridCol w="384190">
+                  <a:extLst>
+                    <a:ext uri="{9D8B030D-6E8A-4147-A177-3AD203B41FA5}">
+                      <a16:colId xmlns:a16="http://schemas.microsoft.com/office/drawing/2014/main" val="695828854"/>
+                    </a:ext>
+                  </a:extLst>
+                </a:gridCol>
+                <a:gridCol w="384190">
+                  <a:extLst>
+                    <a:ext uri="{9D8B030D-6E8A-4147-A177-3AD203B41FA5}">
+                      <a16:colId xmlns:a16="http://schemas.microsoft.com/office/drawing/2014/main" val="4222695929"/>
+                    </a:ext>
+                  </a:extLst>
+                </a:gridCol>
+                <a:gridCol w="384190">
+                  <a:extLst>
+                    <a:ext uri="{9D8B030D-6E8A-4147-A177-3AD203B41FA5}">
+                      <a16:colId xmlns:a16="http://schemas.microsoft.com/office/drawing/2014/main" val="171394987"/>
+                    </a:ext>
+                  </a:extLst>
+                </a:gridCol>
+                <a:gridCol w="614704">
+                  <a:extLst>
+                    <a:ext uri="{9D8B030D-6E8A-4147-A177-3AD203B41FA5}">
+                      <a16:colId xmlns:a16="http://schemas.microsoft.com/office/drawing/2014/main" val="162356537"/>
+                    </a:ext>
+                  </a:extLst>
+                </a:gridCol>
+              </a:tblGrid>
+              <a:tr h="520652">
+                <a:tc>
+                  <a:txBody>
+                    <a:bodyPr/>
+                    <a:lstStyle/>
+                    <a:p>
+                      <a:pPr algn="l" fontAlgn="b"/>
+                      <a:endParaRPr lang="en-US" sz="700" b="0" i="0" u="none" strike="noStrike" dirty="0">
+                        <a:solidFill>
+                          <a:srgbClr val="000000"/>
+                        </a:solidFill>
+                        <a:effectLst/>
+                        <a:latin typeface="Calibri" panose="020F0502020204030204" pitchFamily="34" charset="0"/>
+                      </a:endParaRPr>
+                    </a:p>
+                  </a:txBody>
+                  <a:tcPr marL="0" marR="0" marT="0" marB="0" anchor="b"/>
+                </a:tc>
+                <a:tc>
+                  <a:txBody>
+                    <a:bodyPr/>
+                    <a:lstStyle/>
+                    <a:p>
+                      <a:pPr algn="l" fontAlgn="b"/>
+                      <a:r>
+                        <a:rPr lang="en-US" sz="700" u="none" strike="noStrike" dirty="0">
+                          <a:effectLst/>
+                        </a:rPr>
+                        <a:t>518079:518083</a:t>
+                      </a:r>
+                      <a:endParaRPr lang="en-US" sz="700" b="0" i="0" u="none" strike="noStrike" dirty="0">
+                        <a:solidFill>
+                          <a:srgbClr val="000000"/>
+                        </a:solidFill>
+                        <a:effectLst/>
+                        <a:latin typeface="Calibri" panose="020F0502020204030204" pitchFamily="34" charset="0"/>
+                      </a:endParaRPr>
+                    </a:p>
+                  </a:txBody>
+                  <a:tcPr marL="0" marR="0" marT="0" marB="0" anchor="b"/>
+                </a:tc>
+                <a:tc>
+                  <a:txBody>
+                    <a:bodyPr/>
+                    <a:lstStyle/>
+                    <a:p>
+                      <a:pPr algn="l" fontAlgn="b"/>
+                      <a:r>
+                        <a:rPr lang="en-US" sz="700" u="none" strike="noStrike" dirty="0" err="1">
+                          <a:effectLst/>
+                        </a:rPr>
+                        <a:t>run_aa</a:t>
+                      </a:r>
+                      <a:endParaRPr lang="en-US" sz="700" b="0" i="0" u="none" strike="noStrike" dirty="0">
+                        <a:solidFill>
+                          <a:srgbClr val="000000"/>
+                        </a:solidFill>
+                        <a:effectLst/>
+                        <a:latin typeface="Calibri" panose="020F0502020204030204" pitchFamily="34" charset="0"/>
+                      </a:endParaRPr>
+                    </a:p>
+                  </a:txBody>
+                  <a:tcPr marL="0" marR="0" marT="0" marB="0" anchor="b"/>
+                </a:tc>
+                <a:tc>
+                  <a:txBody>
+                    <a:bodyPr/>
+                    <a:lstStyle/>
+                    <a:p>
+                      <a:pPr algn="l" fontAlgn="b"/>
+                      <a:r>
+                        <a:rPr lang="en-US" sz="700" u="none" strike="noStrike" dirty="0">
+                          <a:effectLst/>
+                        </a:rPr>
+                        <a:t>y</a:t>
+                      </a:r>
+                      <a:endParaRPr lang="en-US" sz="700" b="0" i="0" u="none" strike="noStrike" dirty="0">
+                        <a:solidFill>
+                          <a:srgbClr val="000000"/>
+                        </a:solidFill>
+                        <a:effectLst/>
+                        <a:latin typeface="Calibri" panose="020F0502020204030204" pitchFamily="34" charset="0"/>
+                      </a:endParaRPr>
+                    </a:p>
+                  </a:txBody>
+                  <a:tcPr marL="0" marR="0" marT="0" marB="0" anchor="b"/>
+                </a:tc>
+                <a:tc>
+                  <a:txBody>
+                    <a:bodyPr/>
+                    <a:lstStyle/>
+                    <a:p>
+                      <a:pPr algn="l" fontAlgn="b"/>
+                      <a:r>
+                        <a:rPr lang="en-US" sz="700" u="none" strike="noStrike" dirty="0">
+                          <a:effectLst/>
+                        </a:rPr>
+                        <a:t>y</a:t>
+                      </a:r>
+                      <a:endParaRPr lang="en-US" sz="700" b="0" i="0" u="none" strike="noStrike" dirty="0">
+                        <a:solidFill>
+                          <a:srgbClr val="000000"/>
+                        </a:solidFill>
+                        <a:effectLst/>
+                        <a:latin typeface="Calibri" panose="020F0502020204030204" pitchFamily="34" charset="0"/>
+                      </a:endParaRPr>
+                    </a:p>
+                  </a:txBody>
+                  <a:tcPr marL="0" marR="0" marT="0" marB="0" anchor="b"/>
+                </a:tc>
+                <a:tc>
+                  <a:txBody>
+                    <a:bodyPr/>
+                    <a:lstStyle/>
+                    <a:p>
+                      <a:pPr algn="l" fontAlgn="b"/>
+                      <a:r>
+                        <a:rPr lang="en-US" sz="700" u="none" strike="noStrike" dirty="0">
+                          <a:effectLst/>
+                        </a:rPr>
+                        <a:t>y</a:t>
+                      </a:r>
+                      <a:endParaRPr lang="en-US" sz="700" b="0" i="0" u="none" strike="noStrike" dirty="0">
+                        <a:solidFill>
+                          <a:srgbClr val="000000"/>
+                        </a:solidFill>
+                        <a:effectLst/>
+                        <a:latin typeface="Calibri" panose="020F0502020204030204" pitchFamily="34" charset="0"/>
+                      </a:endParaRPr>
+                    </a:p>
+                  </a:txBody>
+                  <a:tcPr marL="0" marR="0" marT="0" marB="0" anchor="b"/>
+                </a:tc>
+                <a:tc>
+                  <a:txBody>
+                    <a:bodyPr/>
+                    <a:lstStyle/>
+                    <a:p>
+                      <a:pPr algn="l" fontAlgn="b"/>
+                      <a:r>
+                        <a:rPr lang="en-US" sz="700" u="none" strike="noStrike" dirty="0">
+                          <a:effectLst/>
+                        </a:rPr>
+                        <a:t>y</a:t>
+                      </a:r>
+                      <a:endParaRPr lang="en-US" sz="700" b="0" i="0" u="none" strike="noStrike" dirty="0">
+                        <a:solidFill>
+                          <a:srgbClr val="000000"/>
+                        </a:solidFill>
+                        <a:effectLst/>
+                        <a:latin typeface="Calibri" panose="020F0502020204030204" pitchFamily="34" charset="0"/>
+                      </a:endParaRPr>
+                    </a:p>
+                  </a:txBody>
+                  <a:tcPr marL="0" marR="0" marT="0" marB="0" anchor="b"/>
+                </a:tc>
+                <a:tc>
+                  <a:txBody>
+                    <a:bodyPr/>
+                    <a:lstStyle/>
+                    <a:p>
+                      <a:pPr algn="l" fontAlgn="b"/>
+                      <a:r>
+                        <a:rPr lang="en-US" sz="700" u="none" strike="noStrike">
+                          <a:effectLst/>
+                        </a:rPr>
+                        <a:t>a</a:t>
+                      </a:r>
+                      <a:endParaRPr lang="en-US" sz="700" b="0" i="0" u="none" strike="noStrike">
+                        <a:solidFill>
+                          <a:srgbClr val="000000"/>
+                        </a:solidFill>
+                        <a:effectLst/>
+                        <a:latin typeface="Calibri" panose="020F0502020204030204" pitchFamily="34" charset="0"/>
+                      </a:endParaRPr>
+                    </a:p>
+                  </a:txBody>
+                  <a:tcPr marL="0" marR="0" marT="0" marB="0" anchor="b"/>
+                </a:tc>
+                <a:tc>
+                  <a:txBody>
+                    <a:bodyPr/>
+                    <a:lstStyle/>
+                    <a:p>
+                      <a:pPr algn="r" fontAlgn="b"/>
+                      <a:r>
+                        <a:rPr lang="en-US" sz="700" u="none" strike="noStrike">
+                          <a:effectLst/>
+                        </a:rPr>
+                        <a:t>0.07</a:t>
+                      </a:r>
+                      <a:endParaRPr lang="en-US" sz="700" b="0" i="0" u="none" strike="noStrike">
+                        <a:solidFill>
+                          <a:srgbClr val="000000"/>
+                        </a:solidFill>
+                        <a:effectLst/>
+                        <a:latin typeface="Calibri" panose="020F0502020204030204" pitchFamily="34" charset="0"/>
+                      </a:endParaRPr>
+                    </a:p>
+                  </a:txBody>
+                  <a:tcPr marL="0" marR="0" marT="0" marB="0" anchor="b"/>
+                </a:tc>
+                <a:tc>
+                  <a:txBody>
+                    <a:bodyPr/>
+                    <a:lstStyle/>
+                    <a:p>
+                      <a:pPr algn="r" fontAlgn="b"/>
+                      <a:r>
+                        <a:rPr lang="en-US" sz="700" u="none" strike="noStrike">
+                          <a:effectLst/>
+                        </a:rPr>
+                        <a:t>0.45</a:t>
+                      </a:r>
+                      <a:endParaRPr lang="en-US" sz="700" b="0" i="0" u="none" strike="noStrike">
+                        <a:solidFill>
+                          <a:srgbClr val="000000"/>
+                        </a:solidFill>
+                        <a:effectLst/>
+                        <a:latin typeface="Calibri" panose="020F0502020204030204" pitchFamily="34" charset="0"/>
+                      </a:endParaRPr>
+                    </a:p>
+                  </a:txBody>
+                  <a:tcPr marL="0" marR="0" marT="0" marB="0" anchor="b"/>
+                </a:tc>
+                <a:tc>
+                  <a:txBody>
+                    <a:bodyPr/>
+                    <a:lstStyle/>
+                    <a:p>
+                      <a:pPr algn="r" fontAlgn="b"/>
+                      <a:r>
+                        <a:rPr lang="en-US" sz="700" u="none" strike="noStrike">
+                          <a:effectLst/>
+                        </a:rPr>
+                        <a:t>1</a:t>
+                      </a:r>
+                      <a:endParaRPr lang="en-US" sz="700" b="0" i="0" u="none" strike="noStrike">
+                        <a:solidFill>
+                          <a:srgbClr val="000000"/>
+                        </a:solidFill>
+                        <a:effectLst/>
+                        <a:latin typeface="Calibri" panose="020F0502020204030204" pitchFamily="34" charset="0"/>
+                      </a:endParaRPr>
+                    </a:p>
+                  </a:txBody>
+                  <a:tcPr marL="0" marR="0" marT="0" marB="0" anchor="b"/>
+                </a:tc>
+                <a:tc>
+                  <a:txBody>
+                    <a:bodyPr/>
+                    <a:lstStyle/>
+                    <a:p>
+                      <a:pPr algn="r" fontAlgn="b"/>
+                      <a:r>
+                        <a:rPr lang="en-US" sz="700" u="none" strike="noStrike">
+                          <a:effectLst/>
+                        </a:rPr>
+                        <a:t>100</a:t>
+                      </a:r>
+                      <a:endParaRPr lang="en-US" sz="700" b="0" i="0" u="none" strike="noStrike">
+                        <a:solidFill>
+                          <a:srgbClr val="000000"/>
+                        </a:solidFill>
+                        <a:effectLst/>
+                        <a:latin typeface="Calibri" panose="020F0502020204030204" pitchFamily="34" charset="0"/>
+                      </a:endParaRPr>
+                    </a:p>
+                  </a:txBody>
+                  <a:tcPr marL="0" marR="0" marT="0" marB="0" anchor="b"/>
+                </a:tc>
+                <a:tc>
+                  <a:txBody>
+                    <a:bodyPr/>
+                    <a:lstStyle/>
+                    <a:p>
+                      <a:pPr algn="r" fontAlgn="b"/>
+                      <a:r>
+                        <a:rPr lang="en-US" sz="700" u="none" strike="noStrike">
+                          <a:effectLst/>
+                        </a:rPr>
+                        <a:t>1000</a:t>
+                      </a:r>
+                      <a:endParaRPr lang="en-US" sz="700" b="0" i="0" u="none" strike="noStrike">
+                        <a:solidFill>
+                          <a:srgbClr val="000000"/>
+                        </a:solidFill>
+                        <a:effectLst/>
+                        <a:latin typeface="Calibri" panose="020F0502020204030204" pitchFamily="34" charset="0"/>
+                      </a:endParaRPr>
+                    </a:p>
+                  </a:txBody>
+                  <a:tcPr marL="0" marR="0" marT="0" marB="0" anchor="b"/>
+                </a:tc>
+                <a:tc>
+                  <a:txBody>
+                    <a:bodyPr/>
+                    <a:lstStyle/>
+                    <a:p>
+                      <a:pPr algn="r" fontAlgn="b"/>
+                      <a:r>
+                        <a:rPr lang="en-US" sz="700" u="none" strike="noStrike">
+                          <a:effectLst/>
+                        </a:rPr>
+                        <a:t>1000</a:t>
+                      </a:r>
+                      <a:endParaRPr lang="en-US" sz="700" b="0" i="0" u="none" strike="noStrike">
+                        <a:solidFill>
+                          <a:srgbClr val="000000"/>
+                        </a:solidFill>
+                        <a:effectLst/>
+                        <a:latin typeface="Calibri" panose="020F0502020204030204" pitchFamily="34" charset="0"/>
+                      </a:endParaRPr>
+                    </a:p>
+                  </a:txBody>
+                  <a:tcPr marL="0" marR="0" marT="0" marB="0" anchor="b"/>
+                </a:tc>
+                <a:tc>
+                  <a:txBody>
+                    <a:bodyPr/>
+                    <a:lstStyle/>
+                    <a:p>
+                      <a:pPr algn="r" fontAlgn="b"/>
+                      <a:r>
+                        <a:rPr lang="en-US" sz="700" u="none" strike="noStrike">
+                          <a:effectLst/>
+                        </a:rPr>
+                        <a:t>10</a:t>
+                      </a:r>
+                      <a:endParaRPr lang="en-US" sz="700" b="0" i="0" u="none" strike="noStrike">
+                        <a:solidFill>
+                          <a:srgbClr val="000000"/>
+                        </a:solidFill>
+                        <a:effectLst/>
+                        <a:latin typeface="Calibri" panose="020F0502020204030204" pitchFamily="34" charset="0"/>
+                      </a:endParaRPr>
+                    </a:p>
+                  </a:txBody>
+                  <a:tcPr marL="0" marR="0" marT="0" marB="0" anchor="b"/>
+                </a:tc>
+                <a:tc>
+                  <a:txBody>
+                    <a:bodyPr/>
+                    <a:lstStyle/>
+                    <a:p>
+                      <a:pPr algn="r" fontAlgn="b"/>
+                      <a:r>
+                        <a:rPr lang="en-US" sz="700" u="none" strike="noStrike">
+                          <a:effectLst/>
+                        </a:rPr>
+                        <a:t>40</a:t>
+                      </a:r>
+                      <a:endParaRPr lang="en-US" sz="700" b="0" i="0" u="none" strike="noStrike">
+                        <a:solidFill>
+                          <a:srgbClr val="000000"/>
+                        </a:solidFill>
+                        <a:effectLst/>
+                        <a:latin typeface="Calibri" panose="020F0502020204030204" pitchFamily="34" charset="0"/>
+                      </a:endParaRPr>
+                    </a:p>
+                  </a:txBody>
+                  <a:tcPr marL="0" marR="0" marT="0" marB="0" anchor="b"/>
+                </a:tc>
+                <a:tc>
+                  <a:txBody>
+                    <a:bodyPr/>
+                    <a:lstStyle/>
+                    <a:p>
+                      <a:pPr algn="r" fontAlgn="b"/>
+                      <a:r>
+                        <a:rPr lang="en-US" sz="700" u="none" strike="noStrike">
+                          <a:effectLst/>
+                        </a:rPr>
+                        <a:t>9</a:t>
+                      </a:r>
+                      <a:endParaRPr lang="en-US" sz="700" b="0" i="0" u="none" strike="noStrike">
+                        <a:solidFill>
+                          <a:srgbClr val="000000"/>
+                        </a:solidFill>
+                        <a:effectLst/>
+                        <a:latin typeface="Calibri" panose="020F0502020204030204" pitchFamily="34" charset="0"/>
+                      </a:endParaRPr>
+                    </a:p>
+                  </a:txBody>
+                  <a:tcPr marL="0" marR="0" marT="0" marB="0" anchor="b"/>
+                </a:tc>
+                <a:tc>
+                  <a:txBody>
+                    <a:bodyPr/>
+                    <a:lstStyle/>
+                    <a:p>
+                      <a:pPr algn="r" fontAlgn="b"/>
+                      <a:r>
+                        <a:rPr lang="en-US" sz="700" u="none" strike="noStrike">
+                          <a:effectLst/>
+                        </a:rPr>
+                        <a:t>2</a:t>
+                      </a:r>
+                      <a:endParaRPr lang="en-US" sz="700" b="0" i="0" u="none" strike="noStrike">
+                        <a:solidFill>
+                          <a:srgbClr val="000000"/>
+                        </a:solidFill>
+                        <a:effectLst/>
+                        <a:latin typeface="Calibri" panose="020F0502020204030204" pitchFamily="34" charset="0"/>
+                      </a:endParaRPr>
+                    </a:p>
+                  </a:txBody>
+                  <a:tcPr marL="0" marR="0" marT="0" marB="0" anchor="b"/>
+                </a:tc>
+                <a:tc>
+                  <a:txBody>
+                    <a:bodyPr/>
+                    <a:lstStyle/>
+                    <a:p>
+                      <a:pPr algn="r" fontAlgn="b"/>
+                      <a:r>
+                        <a:rPr lang="en-US" sz="700" u="none" strike="noStrike">
+                          <a:effectLst/>
+                        </a:rPr>
+                        <a:t>1</a:t>
+                      </a:r>
+                      <a:endParaRPr lang="en-US" sz="700" b="0" i="0" u="none" strike="noStrike">
+                        <a:solidFill>
+                          <a:srgbClr val="000000"/>
+                        </a:solidFill>
+                        <a:effectLst/>
+                        <a:latin typeface="Calibri" panose="020F0502020204030204" pitchFamily="34" charset="0"/>
+                      </a:endParaRPr>
+                    </a:p>
+                  </a:txBody>
+                  <a:tcPr marL="0" marR="0" marT="0" marB="0" anchor="b"/>
+                </a:tc>
+                <a:tc>
+                  <a:txBody>
+                    <a:bodyPr/>
+                    <a:lstStyle/>
+                    <a:p>
+                      <a:pPr algn="r" fontAlgn="b"/>
+                      <a:r>
+                        <a:rPr lang="en-US" sz="700" u="none" strike="noStrike">
+                          <a:effectLst/>
+                        </a:rPr>
+                        <a:t>350</a:t>
+                      </a:r>
+                      <a:endParaRPr lang="en-US" sz="700" b="0" i="0" u="none" strike="noStrike">
+                        <a:solidFill>
+                          <a:srgbClr val="000000"/>
+                        </a:solidFill>
+                        <a:effectLst/>
+                        <a:latin typeface="Calibri" panose="020F0502020204030204" pitchFamily="34" charset="0"/>
+                      </a:endParaRPr>
+                    </a:p>
+                  </a:txBody>
+                  <a:tcPr marL="0" marR="0" marT="0" marB="0" anchor="b"/>
+                </a:tc>
+                <a:tc>
+                  <a:txBody>
+                    <a:bodyPr/>
+                    <a:lstStyle/>
+                    <a:p>
+                      <a:pPr algn="r" fontAlgn="b"/>
+                      <a:r>
+                        <a:rPr lang="en-US" sz="700" u="none" strike="noStrike">
+                          <a:effectLst/>
+                        </a:rPr>
+                        <a:t>1</a:t>
+                      </a:r>
+                      <a:endParaRPr lang="en-US" sz="700" b="0" i="0" u="none" strike="noStrike">
+                        <a:solidFill>
+                          <a:srgbClr val="000000"/>
+                        </a:solidFill>
+                        <a:effectLst/>
+                        <a:latin typeface="Calibri" panose="020F0502020204030204" pitchFamily="34" charset="0"/>
+                      </a:endParaRPr>
+                    </a:p>
+                  </a:txBody>
+                  <a:tcPr marL="0" marR="0" marT="0" marB="0" anchor="b"/>
+                </a:tc>
+                <a:tc>
+                  <a:txBody>
+                    <a:bodyPr/>
+                    <a:lstStyle/>
+                    <a:p>
+                      <a:pPr algn="l" fontAlgn="b"/>
+                      <a:endParaRPr lang="en-US" sz="700" b="0" i="0" u="none" strike="noStrike">
+                        <a:solidFill>
+                          <a:srgbClr val="000000"/>
+                        </a:solidFill>
+                        <a:effectLst/>
+                        <a:latin typeface="Calibri" panose="020F0502020204030204" pitchFamily="34" charset="0"/>
+                      </a:endParaRPr>
+                    </a:p>
+                  </a:txBody>
+                  <a:tcPr marL="0" marR="0" marT="0" marB="0" anchor="b"/>
+                </a:tc>
+                <a:tc>
+                  <a:txBody>
+                    <a:bodyPr/>
+                    <a:lstStyle/>
+                    <a:p>
+                      <a:pPr algn="r" fontAlgn="b"/>
+                      <a:r>
+                        <a:rPr lang="en-US" sz="700" u="none" strike="noStrike">
+                          <a:effectLst/>
+                        </a:rPr>
+                        <a:t>100</a:t>
+                      </a:r>
+                      <a:endParaRPr lang="en-US" sz="700" b="0" i="0" u="none" strike="noStrike">
+                        <a:solidFill>
+                          <a:srgbClr val="000000"/>
+                        </a:solidFill>
+                        <a:effectLst/>
+                        <a:latin typeface="Calibri" panose="020F0502020204030204" pitchFamily="34" charset="0"/>
+                      </a:endParaRPr>
+                    </a:p>
+                  </a:txBody>
+                  <a:tcPr marL="0" marR="0" marT="0" marB="0" anchor="b"/>
+                </a:tc>
+                <a:tc>
+                  <a:txBody>
+                    <a:bodyPr/>
+                    <a:lstStyle/>
+                    <a:p>
+                      <a:pPr algn="r" fontAlgn="b"/>
+                      <a:r>
+                        <a:rPr lang="en-US" sz="700" u="none" strike="noStrike">
+                          <a:effectLst/>
+                        </a:rPr>
+                        <a:t>0</a:t>
+                      </a:r>
+                      <a:endParaRPr lang="en-US" sz="700" b="0" i="0" u="none" strike="noStrike">
+                        <a:solidFill>
+                          <a:srgbClr val="000000"/>
+                        </a:solidFill>
+                        <a:effectLst/>
+                        <a:latin typeface="Calibri" panose="020F0502020204030204" pitchFamily="34" charset="0"/>
+                      </a:endParaRPr>
+                    </a:p>
+                  </a:txBody>
+                  <a:tcPr marL="0" marR="0" marT="0" marB="0" anchor="b"/>
+                </a:tc>
+                <a:tc>
+                  <a:txBody>
+                    <a:bodyPr/>
+                    <a:lstStyle/>
+                    <a:p>
+                      <a:pPr algn="l" fontAlgn="b"/>
+                      <a:r>
+                        <a:rPr lang="en-US" sz="700" u="none" strike="noStrike" dirty="0">
+                          <a:effectLst/>
+                        </a:rPr>
+                        <a:t>CHANGED THE ERROR IN STARTING HETEROZYGOSITIES</a:t>
+                      </a:r>
+                      <a:endParaRPr lang="en-US" sz="700" b="0" i="0" u="none" strike="noStrike" dirty="0">
+                        <a:solidFill>
+                          <a:srgbClr val="000000"/>
+                        </a:solidFill>
+                        <a:effectLst/>
+                        <a:latin typeface="Calibri" panose="020F0502020204030204" pitchFamily="34" charset="0"/>
+                      </a:endParaRPr>
+                    </a:p>
+                  </a:txBody>
+                  <a:tcPr marL="0" marR="0" marT="0" marB="0" anchor="b"/>
+                </a:tc>
+                <a:extLst>
+                  <a:ext uri="{0D108BD9-81ED-4DB2-BD59-A6C34878D82A}">
+                    <a16:rowId xmlns:a16="http://schemas.microsoft.com/office/drawing/2014/main" val="1341199645"/>
+                  </a:ext>
+                </a:extLst>
+              </a:tr>
+            </a:tbl>
+          </a:graphicData>
+        </a:graphic>
+      </p:graphicFrame>
+      <p:pic>
+        <p:nvPicPr>
+          <p:cNvPr id="8" name="Picture 7">
+            <a:extLst>
+              <a:ext uri="{FF2B5EF4-FFF2-40B4-BE49-F238E27FC236}">
+                <a16:creationId xmlns:a16="http://schemas.microsoft.com/office/drawing/2014/main" id="{8B64586B-0689-574D-0330-6D472C54F6B6}"/>
+              </a:ext>
+            </a:extLst>
+          </p:cNvPr>
+          <p:cNvPicPr>
+            <a:picLocks noChangeAspect="1"/>
+          </p:cNvPicPr>
+          <p:nvPr/>
+        </p:nvPicPr>
+        <p:blipFill>
+          <a:blip r:embed="rId3"/>
+          <a:stretch>
+            <a:fillRect/>
+          </a:stretch>
+        </p:blipFill>
+        <p:spPr>
+          <a:xfrm>
+            <a:off x="2724149" y="809623"/>
+            <a:ext cx="2814638" cy="2524125"/>
+          </a:xfrm>
+          <a:prstGeom prst="rect">
+            <a:avLst/>
+          </a:prstGeom>
+        </p:spPr>
+      </p:pic>
+      <p:pic>
+        <p:nvPicPr>
+          <p:cNvPr id="10" name="Picture 9">
+            <a:extLst>
+              <a:ext uri="{FF2B5EF4-FFF2-40B4-BE49-F238E27FC236}">
+                <a16:creationId xmlns:a16="http://schemas.microsoft.com/office/drawing/2014/main" id="{9C1B851D-D8DD-E0CC-2EF5-4E840435A633}"/>
+              </a:ext>
+            </a:extLst>
+          </p:cNvPr>
+          <p:cNvPicPr>
+            <a:picLocks noChangeAspect="1"/>
+          </p:cNvPicPr>
+          <p:nvPr/>
+        </p:nvPicPr>
+        <p:blipFill>
+          <a:blip r:embed="rId4"/>
+          <a:stretch>
+            <a:fillRect/>
+          </a:stretch>
+        </p:blipFill>
+        <p:spPr>
+          <a:xfrm>
+            <a:off x="5538787" y="854417"/>
+            <a:ext cx="1978717" cy="1774484"/>
+          </a:xfrm>
+          <a:prstGeom prst="rect">
+            <a:avLst/>
+          </a:prstGeom>
+        </p:spPr>
+      </p:pic>
+      <p:pic>
+        <p:nvPicPr>
+          <p:cNvPr id="12" name="Picture 11">
+            <a:extLst>
+              <a:ext uri="{FF2B5EF4-FFF2-40B4-BE49-F238E27FC236}">
+                <a16:creationId xmlns:a16="http://schemas.microsoft.com/office/drawing/2014/main" id="{74B94CEB-FFCC-417A-FC2D-77B579EB02F0}"/>
+              </a:ext>
+            </a:extLst>
+          </p:cNvPr>
+          <p:cNvPicPr>
+            <a:picLocks noChangeAspect="1"/>
+          </p:cNvPicPr>
+          <p:nvPr/>
+        </p:nvPicPr>
+        <p:blipFill>
+          <a:blip r:embed="rId5"/>
+          <a:stretch>
+            <a:fillRect/>
+          </a:stretch>
+        </p:blipFill>
+        <p:spPr>
+          <a:xfrm>
+            <a:off x="7480895" y="1711667"/>
+            <a:ext cx="1978717" cy="1774484"/>
+          </a:xfrm>
+          <a:prstGeom prst="rect">
+            <a:avLst/>
+          </a:prstGeom>
+        </p:spPr>
+      </p:pic>
+      <p:pic>
+        <p:nvPicPr>
+          <p:cNvPr id="14" name="Picture 13">
+            <a:extLst>
+              <a:ext uri="{FF2B5EF4-FFF2-40B4-BE49-F238E27FC236}">
+                <a16:creationId xmlns:a16="http://schemas.microsoft.com/office/drawing/2014/main" id="{FA7E6BF2-604F-D7E3-A68D-0E954388B8AF}"/>
+              </a:ext>
+            </a:extLst>
+          </p:cNvPr>
+          <p:cNvPicPr>
+            <a:picLocks noChangeAspect="1"/>
+          </p:cNvPicPr>
+          <p:nvPr/>
+        </p:nvPicPr>
+        <p:blipFill>
+          <a:blip r:embed="rId6"/>
+          <a:stretch>
+            <a:fillRect/>
+          </a:stretch>
+        </p:blipFill>
+        <p:spPr>
+          <a:xfrm>
+            <a:off x="466724" y="3314699"/>
+            <a:ext cx="2814639" cy="2524126"/>
+          </a:xfrm>
+          <a:prstGeom prst="rect">
+            <a:avLst/>
+          </a:prstGeom>
+        </p:spPr>
+      </p:pic>
+      <p:pic>
+        <p:nvPicPr>
+          <p:cNvPr id="16" name="Picture 15">
+            <a:extLst>
+              <a:ext uri="{FF2B5EF4-FFF2-40B4-BE49-F238E27FC236}">
+                <a16:creationId xmlns:a16="http://schemas.microsoft.com/office/drawing/2014/main" id="{290FDAAA-FCDB-30C7-99C6-ECD9BE6F9C29}"/>
+              </a:ext>
+            </a:extLst>
+          </p:cNvPr>
+          <p:cNvPicPr>
+            <a:picLocks noChangeAspect="1"/>
+          </p:cNvPicPr>
+          <p:nvPr/>
+        </p:nvPicPr>
+        <p:blipFill>
+          <a:blip r:embed="rId7"/>
+          <a:stretch>
+            <a:fillRect/>
+          </a:stretch>
+        </p:blipFill>
+        <p:spPr>
+          <a:xfrm>
+            <a:off x="3253205" y="3314698"/>
+            <a:ext cx="2814639" cy="2524126"/>
+          </a:xfrm>
+          <a:prstGeom prst="rect">
+            <a:avLst/>
+          </a:prstGeom>
+        </p:spPr>
+      </p:pic>
+      <p:pic>
+        <p:nvPicPr>
+          <p:cNvPr id="18" name="Picture 17">
+            <a:extLst>
+              <a:ext uri="{FF2B5EF4-FFF2-40B4-BE49-F238E27FC236}">
+                <a16:creationId xmlns:a16="http://schemas.microsoft.com/office/drawing/2014/main" id="{C4D0E07C-D24C-0E71-3486-0CE1428716C4}"/>
+              </a:ext>
+            </a:extLst>
+          </p:cNvPr>
+          <p:cNvPicPr>
+            <a:picLocks noChangeAspect="1"/>
+          </p:cNvPicPr>
+          <p:nvPr/>
+        </p:nvPicPr>
+        <p:blipFill>
+          <a:blip r:embed="rId8"/>
+          <a:stretch>
+            <a:fillRect/>
+          </a:stretch>
+        </p:blipFill>
+        <p:spPr>
+          <a:xfrm>
+            <a:off x="9467851" y="1009647"/>
+            <a:ext cx="2697807" cy="2419353"/>
+          </a:xfrm>
+          <a:prstGeom prst="rect">
+            <a:avLst/>
+          </a:prstGeom>
+        </p:spPr>
+      </p:pic>
+      <p:pic>
+        <p:nvPicPr>
+          <p:cNvPr id="20" name="Picture 19">
+            <a:extLst>
+              <a:ext uri="{FF2B5EF4-FFF2-40B4-BE49-F238E27FC236}">
+                <a16:creationId xmlns:a16="http://schemas.microsoft.com/office/drawing/2014/main" id="{5FB92B11-EF7E-62F7-61FE-14F8530B0AC0}"/>
+              </a:ext>
+            </a:extLst>
+          </p:cNvPr>
+          <p:cNvPicPr>
+            <a:picLocks noChangeAspect="1"/>
+          </p:cNvPicPr>
+          <p:nvPr/>
+        </p:nvPicPr>
+        <p:blipFill>
+          <a:blip r:embed="rId9"/>
+          <a:stretch>
+            <a:fillRect/>
+          </a:stretch>
+        </p:blipFill>
+        <p:spPr>
+          <a:xfrm>
+            <a:off x="5931841" y="3333748"/>
+            <a:ext cx="2814639" cy="2524126"/>
+          </a:xfrm>
+          <a:prstGeom prst="rect">
+            <a:avLst/>
+          </a:prstGeom>
+        </p:spPr>
+      </p:pic>
+      <p:pic>
+        <p:nvPicPr>
+          <p:cNvPr id="22" name="Picture 21">
+            <a:extLst>
+              <a:ext uri="{FF2B5EF4-FFF2-40B4-BE49-F238E27FC236}">
+                <a16:creationId xmlns:a16="http://schemas.microsoft.com/office/drawing/2014/main" id="{4FF1DD80-823F-336B-45E3-0F76BE093BF0}"/>
+              </a:ext>
+            </a:extLst>
+          </p:cNvPr>
+          <p:cNvPicPr>
+            <a:picLocks noChangeAspect="1"/>
+          </p:cNvPicPr>
+          <p:nvPr/>
+        </p:nvPicPr>
+        <p:blipFill>
+          <a:blip r:embed="rId10"/>
+          <a:stretch>
+            <a:fillRect/>
+          </a:stretch>
+        </p:blipFill>
+        <p:spPr>
+          <a:xfrm>
+            <a:off x="8610479" y="3359001"/>
+            <a:ext cx="2786479" cy="2498873"/>
+          </a:xfrm>
+          <a:prstGeom prst="rect">
+            <a:avLst/>
+          </a:prstGeom>
+        </p:spPr>
+      </p:pic>
+      <p:sp>
+        <p:nvSpPr>
+          <p:cNvPr id="23" name="TextBox 22">
+            <a:extLst>
+              <a:ext uri="{FF2B5EF4-FFF2-40B4-BE49-F238E27FC236}">
+                <a16:creationId xmlns:a16="http://schemas.microsoft.com/office/drawing/2014/main" id="{65D1C59C-D886-1A43-2B23-B138492024BE}"/>
+              </a:ext>
+            </a:extLst>
+          </p:cNvPr>
+          <p:cNvSpPr txBox="1"/>
+          <p:nvPr/>
+        </p:nvSpPr>
+        <p:spPr>
+          <a:xfrm>
+            <a:off x="74281" y="6378055"/>
+            <a:ext cx="6067110" cy="369332"/>
+          </a:xfrm>
+          <a:prstGeom prst="rect">
+            <a:avLst/>
+          </a:prstGeom>
+          <a:noFill/>
+        </p:spPr>
+        <p:txBody>
+          <a:bodyPr wrap="none" rtlCol="0">
+            <a:spAutoFit/>
+          </a:bodyPr>
+          <a:lstStyle/>
+          <a:p>
+            <a:r>
+              <a:rPr lang="en-US" dirty="0"/>
+              <a:t>This is the “ideal” in which population connectivity never stops</a:t>
+            </a:r>
+          </a:p>
+        </p:txBody>
+      </p:sp>
+    </p:spTree>
+    <p:extLst>
+      <p:ext uri="{BB962C8B-B14F-4D97-AF65-F5344CB8AC3E}">
+        <p14:creationId xmlns:p14="http://schemas.microsoft.com/office/powerpoint/2010/main" val="1705678124"/>
+      </p:ext>
+    </p:extLst>
+  </p:cSld>
+  <p:clrMapOvr>
+    <a:masterClrMapping/>
+  </p:clrMapOvr>
+</p:sld>
+</file>
+
+<file path=ppt/slides/slide14.xml><?xml version="1.0" encoding="utf-8"?>
+<p:sld xmlns:a="http://schemas.openxmlformats.org/drawingml/2006/main" xmlns:r="http://schemas.openxmlformats.org/officeDocument/2006/relationships" xmlns:p="http://schemas.openxmlformats.org/presentationml/2006/main">
+  <p:cSld>
+    <p:spTree>
+      <p:nvGrpSpPr>
+        <p:cNvPr id="1" name=""/>
+        <p:cNvGrpSpPr/>
+        <p:nvPr/>
+      </p:nvGrpSpPr>
+      <p:grpSpPr>
+        <a:xfrm>
+          <a:off x="0" y="0"/>
+          <a:ext cx="0" cy="0"/>
+          <a:chOff x="0" y="0"/>
+          <a:chExt cx="0" cy="0"/>
+        </a:xfrm>
+      </p:grpSpPr>
+      <p:graphicFrame>
+        <p:nvGraphicFramePr>
+          <p:cNvPr id="4" name="Table 3">
+            <a:extLst>
+              <a:ext uri="{FF2B5EF4-FFF2-40B4-BE49-F238E27FC236}">
+                <a16:creationId xmlns:a16="http://schemas.microsoft.com/office/drawing/2014/main" id="{375CCFE1-8848-5A8B-DA9E-53A5FE5C59E2}"/>
+              </a:ext>
+            </a:extLst>
+          </p:cNvPr>
+          <p:cNvGraphicFramePr>
+            <a:graphicFrameLocks noGrp="1"/>
+          </p:cNvGraphicFramePr>
+          <p:nvPr>
+            <p:extLst>
+              <p:ext uri="{D42A27DB-BD31-4B8C-83A1-F6EECF244321}">
+                <p14:modId xmlns:p14="http://schemas.microsoft.com/office/powerpoint/2010/main" val="2882115358"/>
+              </p:ext>
+            </p:extLst>
+          </p:nvPr>
+        </p:nvGraphicFramePr>
+        <p:xfrm>
+          <a:off x="1019175" y="361950"/>
+          <a:ext cx="10515600" cy="533400"/>
+        </p:xfrm>
+        <a:graphic>
+          <a:graphicData uri="http://schemas.openxmlformats.org/drawingml/2006/table">
+            <a:tbl>
+              <a:tblPr>
+                <a:tableStyleId>{5C22544A-7EE6-4342-B048-85BDC9FD1C3A}</a:tableStyleId>
+              </a:tblPr>
+              <a:tblGrid>
+                <a:gridCol w="384190">
+                  <a:extLst>
+                    <a:ext uri="{9D8B030D-6E8A-4147-A177-3AD203B41FA5}">
+                      <a16:colId xmlns:a16="http://schemas.microsoft.com/office/drawing/2014/main" val="1338429004"/>
+                    </a:ext>
+                  </a:extLst>
+                </a:gridCol>
+                <a:gridCol w="560277">
+                  <a:extLst>
+                    <a:ext uri="{9D8B030D-6E8A-4147-A177-3AD203B41FA5}">
+                      <a16:colId xmlns:a16="http://schemas.microsoft.com/office/drawing/2014/main" val="3588672497"/>
+                    </a:ext>
+                  </a:extLst>
+                </a:gridCol>
+                <a:gridCol w="848419">
+                  <a:extLst>
+                    <a:ext uri="{9D8B030D-6E8A-4147-A177-3AD203B41FA5}">
+                      <a16:colId xmlns:a16="http://schemas.microsoft.com/office/drawing/2014/main" val="3397902591"/>
+                    </a:ext>
+                  </a:extLst>
+                </a:gridCol>
+                <a:gridCol w="424210">
+                  <a:extLst>
+                    <a:ext uri="{9D8B030D-6E8A-4147-A177-3AD203B41FA5}">
+                      <a16:colId xmlns:a16="http://schemas.microsoft.com/office/drawing/2014/main" val="1407029177"/>
+                    </a:ext>
+                  </a:extLst>
+                </a:gridCol>
+                <a:gridCol w="384190">
+                  <a:extLst>
+                    <a:ext uri="{9D8B030D-6E8A-4147-A177-3AD203B41FA5}">
+                      <a16:colId xmlns:a16="http://schemas.microsoft.com/office/drawing/2014/main" val="984325030"/>
+                    </a:ext>
+                  </a:extLst>
+                </a:gridCol>
+                <a:gridCol w="384190">
+                  <a:extLst>
+                    <a:ext uri="{9D8B030D-6E8A-4147-A177-3AD203B41FA5}">
+                      <a16:colId xmlns:a16="http://schemas.microsoft.com/office/drawing/2014/main" val="3127379580"/>
+                    </a:ext>
+                  </a:extLst>
+                </a:gridCol>
+                <a:gridCol w="384190">
+                  <a:extLst>
+                    <a:ext uri="{9D8B030D-6E8A-4147-A177-3AD203B41FA5}">
+                      <a16:colId xmlns:a16="http://schemas.microsoft.com/office/drawing/2014/main" val="2383348481"/>
+                    </a:ext>
+                  </a:extLst>
+                </a:gridCol>
+                <a:gridCol w="384190">
+                  <a:extLst>
+                    <a:ext uri="{9D8B030D-6E8A-4147-A177-3AD203B41FA5}">
+                      <a16:colId xmlns:a16="http://schemas.microsoft.com/office/drawing/2014/main" val="634467130"/>
+                    </a:ext>
+                  </a:extLst>
+                </a:gridCol>
+                <a:gridCol w="384190">
+                  <a:extLst>
+                    <a:ext uri="{9D8B030D-6E8A-4147-A177-3AD203B41FA5}">
+                      <a16:colId xmlns:a16="http://schemas.microsoft.com/office/drawing/2014/main" val="1269446774"/>
+                    </a:ext>
+                  </a:extLst>
+                </a:gridCol>
+                <a:gridCol w="384190">
+                  <a:extLst>
+                    <a:ext uri="{9D8B030D-6E8A-4147-A177-3AD203B41FA5}">
+                      <a16:colId xmlns:a16="http://schemas.microsoft.com/office/drawing/2014/main" val="3774628320"/>
+                    </a:ext>
+                  </a:extLst>
+                </a:gridCol>
+                <a:gridCol w="384190">
+                  <a:extLst>
+                    <a:ext uri="{9D8B030D-6E8A-4147-A177-3AD203B41FA5}">
+                      <a16:colId xmlns:a16="http://schemas.microsoft.com/office/drawing/2014/main" val="3156544648"/>
+                    </a:ext>
+                  </a:extLst>
+                </a:gridCol>
+                <a:gridCol w="384190">
+                  <a:extLst>
+                    <a:ext uri="{9D8B030D-6E8A-4147-A177-3AD203B41FA5}">
+                      <a16:colId xmlns:a16="http://schemas.microsoft.com/office/drawing/2014/main" val="1154441819"/>
+                    </a:ext>
+                  </a:extLst>
+                </a:gridCol>
+                <a:gridCol w="384190">
+                  <a:extLst>
+                    <a:ext uri="{9D8B030D-6E8A-4147-A177-3AD203B41FA5}">
+                      <a16:colId xmlns:a16="http://schemas.microsoft.com/office/drawing/2014/main" val="4033340688"/>
+                    </a:ext>
+                  </a:extLst>
+                </a:gridCol>
+                <a:gridCol w="384190">
+                  <a:extLst>
+                    <a:ext uri="{9D8B030D-6E8A-4147-A177-3AD203B41FA5}">
+                      <a16:colId xmlns:a16="http://schemas.microsoft.com/office/drawing/2014/main" val="31179122"/>
+                    </a:ext>
+                  </a:extLst>
+                </a:gridCol>
+                <a:gridCol w="384190">
+                  <a:extLst>
+                    <a:ext uri="{9D8B030D-6E8A-4147-A177-3AD203B41FA5}">
+                      <a16:colId xmlns:a16="http://schemas.microsoft.com/office/drawing/2014/main" val="1566112721"/>
+                    </a:ext>
+                  </a:extLst>
+                </a:gridCol>
+                <a:gridCol w="384190">
+                  <a:extLst>
+                    <a:ext uri="{9D8B030D-6E8A-4147-A177-3AD203B41FA5}">
+                      <a16:colId xmlns:a16="http://schemas.microsoft.com/office/drawing/2014/main" val="487356067"/>
+                    </a:ext>
+                  </a:extLst>
+                </a:gridCol>
+                <a:gridCol w="384190">
+                  <a:extLst>
+                    <a:ext uri="{9D8B030D-6E8A-4147-A177-3AD203B41FA5}">
+                      <a16:colId xmlns:a16="http://schemas.microsoft.com/office/drawing/2014/main" val="755209193"/>
+                    </a:ext>
+                  </a:extLst>
+                </a:gridCol>
+                <a:gridCol w="384190">
+                  <a:extLst>
+                    <a:ext uri="{9D8B030D-6E8A-4147-A177-3AD203B41FA5}">
+                      <a16:colId xmlns:a16="http://schemas.microsoft.com/office/drawing/2014/main" val="3677678693"/>
+                    </a:ext>
+                  </a:extLst>
+                </a:gridCol>
+                <a:gridCol w="384190">
+                  <a:extLst>
+                    <a:ext uri="{9D8B030D-6E8A-4147-A177-3AD203B41FA5}">
+                      <a16:colId xmlns:a16="http://schemas.microsoft.com/office/drawing/2014/main" val="434755397"/>
+                    </a:ext>
+                  </a:extLst>
+                </a:gridCol>
+                <a:gridCol w="384190">
+                  <a:extLst>
+                    <a:ext uri="{9D8B030D-6E8A-4147-A177-3AD203B41FA5}">
+                      <a16:colId xmlns:a16="http://schemas.microsoft.com/office/drawing/2014/main" val="1576105863"/>
+                    </a:ext>
+                  </a:extLst>
+                </a:gridCol>
+                <a:gridCol w="384190">
+                  <a:extLst>
+                    <a:ext uri="{9D8B030D-6E8A-4147-A177-3AD203B41FA5}">
+                      <a16:colId xmlns:a16="http://schemas.microsoft.com/office/drawing/2014/main" val="974824704"/>
+                    </a:ext>
+                  </a:extLst>
+                </a:gridCol>
+                <a:gridCol w="384190">
+                  <a:extLst>
+                    <a:ext uri="{9D8B030D-6E8A-4147-A177-3AD203B41FA5}">
+                      <a16:colId xmlns:a16="http://schemas.microsoft.com/office/drawing/2014/main" val="695828854"/>
+                    </a:ext>
+                  </a:extLst>
+                </a:gridCol>
+                <a:gridCol w="384190">
+                  <a:extLst>
+                    <a:ext uri="{9D8B030D-6E8A-4147-A177-3AD203B41FA5}">
+                      <a16:colId xmlns:a16="http://schemas.microsoft.com/office/drawing/2014/main" val="4222695929"/>
+                    </a:ext>
+                  </a:extLst>
+                </a:gridCol>
+                <a:gridCol w="384190">
+                  <a:extLst>
+                    <a:ext uri="{9D8B030D-6E8A-4147-A177-3AD203B41FA5}">
+                      <a16:colId xmlns:a16="http://schemas.microsoft.com/office/drawing/2014/main" val="171394987"/>
+                    </a:ext>
+                  </a:extLst>
+                </a:gridCol>
+                <a:gridCol w="614704">
+                  <a:extLst>
+                    <a:ext uri="{9D8B030D-6E8A-4147-A177-3AD203B41FA5}">
+                      <a16:colId xmlns:a16="http://schemas.microsoft.com/office/drawing/2014/main" val="162356537"/>
+                    </a:ext>
+                  </a:extLst>
+                </a:gridCol>
+              </a:tblGrid>
+              <a:tr h="520652">
+                <a:tc>
+                  <a:txBody>
+                    <a:bodyPr/>
+                    <a:lstStyle/>
+                    <a:p>
+                      <a:pPr algn="l" fontAlgn="b"/>
+                      <a:endParaRPr lang="en-US" sz="700" b="0" i="0" u="none" strike="noStrike">
+                        <a:solidFill>
+                          <a:srgbClr val="000000"/>
+                        </a:solidFill>
+                        <a:effectLst/>
+                        <a:latin typeface="Calibri" panose="020F0502020204030204" pitchFamily="34" charset="0"/>
+                      </a:endParaRPr>
+                    </a:p>
+                  </a:txBody>
+                  <a:tcPr marL="0" marR="0" marT="0" marB="0" anchor="b"/>
+                </a:tc>
+                <a:tc>
+                  <a:txBody>
+                    <a:bodyPr/>
+                    <a:lstStyle/>
+                    <a:p>
+                      <a:pPr algn="l" fontAlgn="b"/>
+                      <a:r>
+                        <a:rPr lang="en-US" sz="700" u="none" strike="noStrike" dirty="0">
+                          <a:effectLst/>
+                        </a:rPr>
+                        <a:t>518107:518111</a:t>
+                      </a:r>
+                      <a:endParaRPr lang="en-US" sz="700" b="0" i="0" u="none" strike="noStrike" dirty="0">
+                        <a:solidFill>
+                          <a:srgbClr val="000000"/>
+                        </a:solidFill>
+                        <a:effectLst/>
+                        <a:latin typeface="Calibri" panose="020F0502020204030204" pitchFamily="34" charset="0"/>
+                      </a:endParaRPr>
+                    </a:p>
+                  </a:txBody>
+                  <a:tcPr marL="0" marR="0" marT="0" marB="0" anchor="b"/>
+                </a:tc>
+                <a:tc>
+                  <a:txBody>
+                    <a:bodyPr/>
+                    <a:lstStyle/>
+                    <a:p>
+                      <a:pPr algn="l" fontAlgn="b"/>
+                      <a:r>
+                        <a:rPr lang="en-US" sz="700" u="none" strike="noStrike">
+                          <a:effectLst/>
+                        </a:rPr>
+                        <a:t>run_bb</a:t>
+                      </a:r>
+                      <a:endParaRPr lang="en-US" sz="700" b="0" i="0" u="none" strike="noStrike">
+                        <a:solidFill>
+                          <a:srgbClr val="000000"/>
+                        </a:solidFill>
+                        <a:effectLst/>
+                        <a:latin typeface="Calibri" panose="020F0502020204030204" pitchFamily="34" charset="0"/>
+                      </a:endParaRPr>
+                    </a:p>
+                  </a:txBody>
+                  <a:tcPr marL="0" marR="0" marT="0" marB="0" anchor="b"/>
+                </a:tc>
+                <a:tc>
+                  <a:txBody>
+                    <a:bodyPr/>
+                    <a:lstStyle/>
+                    <a:p>
+                      <a:pPr algn="l" fontAlgn="b"/>
+                      <a:r>
+                        <a:rPr lang="en-US" sz="700" u="none" strike="noStrike">
+                          <a:effectLst/>
+                        </a:rPr>
+                        <a:t>y</a:t>
+                      </a:r>
+                      <a:endParaRPr lang="en-US" sz="700" b="0" i="0" u="none" strike="noStrike">
+                        <a:solidFill>
+                          <a:srgbClr val="000000"/>
+                        </a:solidFill>
+                        <a:effectLst/>
+                        <a:latin typeface="Calibri" panose="020F0502020204030204" pitchFamily="34" charset="0"/>
+                      </a:endParaRPr>
+                    </a:p>
+                  </a:txBody>
+                  <a:tcPr marL="0" marR="0" marT="0" marB="0" anchor="b"/>
+                </a:tc>
+                <a:tc>
+                  <a:txBody>
+                    <a:bodyPr/>
+                    <a:lstStyle/>
+                    <a:p>
+                      <a:pPr algn="l" fontAlgn="b"/>
+                      <a:r>
+                        <a:rPr lang="en-US" sz="700" u="none" strike="noStrike">
+                          <a:effectLst/>
+                        </a:rPr>
+                        <a:t>y</a:t>
+                      </a:r>
+                      <a:endParaRPr lang="en-US" sz="700" b="0" i="0" u="none" strike="noStrike">
+                        <a:solidFill>
+                          <a:srgbClr val="000000"/>
+                        </a:solidFill>
+                        <a:effectLst/>
+                        <a:latin typeface="Calibri" panose="020F0502020204030204" pitchFamily="34" charset="0"/>
+                      </a:endParaRPr>
+                    </a:p>
+                  </a:txBody>
+                  <a:tcPr marL="0" marR="0" marT="0" marB="0" anchor="b"/>
+                </a:tc>
+                <a:tc>
+                  <a:txBody>
+                    <a:bodyPr/>
+                    <a:lstStyle/>
+                    <a:p>
+                      <a:pPr algn="l" fontAlgn="b"/>
+                      <a:r>
+                        <a:rPr lang="en-US" sz="700" u="none" strike="noStrike">
+                          <a:effectLst/>
+                        </a:rPr>
+                        <a:t>y</a:t>
+                      </a:r>
+                      <a:endParaRPr lang="en-US" sz="700" b="0" i="0" u="none" strike="noStrike">
+                        <a:solidFill>
+                          <a:srgbClr val="000000"/>
+                        </a:solidFill>
+                        <a:effectLst/>
+                        <a:latin typeface="Calibri" panose="020F0502020204030204" pitchFamily="34" charset="0"/>
+                      </a:endParaRPr>
+                    </a:p>
+                  </a:txBody>
+                  <a:tcPr marL="0" marR="0" marT="0" marB="0" anchor="b"/>
+                </a:tc>
+                <a:tc>
+                  <a:txBody>
+                    <a:bodyPr/>
+                    <a:lstStyle/>
+                    <a:p>
+                      <a:pPr algn="l" fontAlgn="b"/>
+                      <a:r>
+                        <a:rPr lang="en-US" sz="700" u="none" strike="noStrike">
+                          <a:effectLst/>
+                        </a:rPr>
+                        <a:t>y</a:t>
+                      </a:r>
+                      <a:endParaRPr lang="en-US" sz="700" b="0" i="0" u="none" strike="noStrike">
+                        <a:solidFill>
+                          <a:srgbClr val="000000"/>
+                        </a:solidFill>
+                        <a:effectLst/>
+                        <a:latin typeface="Calibri" panose="020F0502020204030204" pitchFamily="34" charset="0"/>
+                      </a:endParaRPr>
+                    </a:p>
+                  </a:txBody>
+                  <a:tcPr marL="0" marR="0" marT="0" marB="0" anchor="b"/>
+                </a:tc>
+                <a:tc>
+                  <a:txBody>
+                    <a:bodyPr/>
+                    <a:lstStyle/>
+                    <a:p>
+                      <a:pPr algn="l" fontAlgn="b"/>
+                      <a:r>
+                        <a:rPr lang="en-US" sz="700" u="none" strike="noStrike">
+                          <a:effectLst/>
+                        </a:rPr>
+                        <a:t>a</a:t>
+                      </a:r>
+                      <a:endParaRPr lang="en-US" sz="700" b="0" i="0" u="none" strike="noStrike">
+                        <a:solidFill>
+                          <a:srgbClr val="000000"/>
+                        </a:solidFill>
+                        <a:effectLst/>
+                        <a:latin typeface="Calibri" panose="020F0502020204030204" pitchFamily="34" charset="0"/>
+                      </a:endParaRPr>
+                    </a:p>
+                  </a:txBody>
+                  <a:tcPr marL="0" marR="0" marT="0" marB="0" anchor="b"/>
+                </a:tc>
+                <a:tc>
+                  <a:txBody>
+                    <a:bodyPr/>
+                    <a:lstStyle/>
+                    <a:p>
+                      <a:pPr algn="r" fontAlgn="b"/>
+                      <a:r>
+                        <a:rPr lang="en-US" sz="700" u="none" strike="noStrike">
+                          <a:effectLst/>
+                        </a:rPr>
+                        <a:t>0.45</a:t>
+                      </a:r>
+                      <a:endParaRPr lang="en-US" sz="700" b="0" i="0" u="none" strike="noStrike">
+                        <a:solidFill>
+                          <a:srgbClr val="000000"/>
+                        </a:solidFill>
+                        <a:effectLst/>
+                        <a:latin typeface="Calibri" panose="020F0502020204030204" pitchFamily="34" charset="0"/>
+                      </a:endParaRPr>
+                    </a:p>
+                  </a:txBody>
+                  <a:tcPr marL="0" marR="0" marT="0" marB="0" anchor="b"/>
+                </a:tc>
+                <a:tc>
+                  <a:txBody>
+                    <a:bodyPr/>
+                    <a:lstStyle/>
+                    <a:p>
+                      <a:pPr algn="r" fontAlgn="b"/>
+                      <a:r>
+                        <a:rPr lang="en-US" sz="700" u="none" strike="noStrike">
+                          <a:effectLst/>
+                        </a:rPr>
+                        <a:t>0.07</a:t>
+                      </a:r>
+                      <a:endParaRPr lang="en-US" sz="700" b="0" i="0" u="none" strike="noStrike">
+                        <a:solidFill>
+                          <a:srgbClr val="000000"/>
+                        </a:solidFill>
+                        <a:effectLst/>
+                        <a:latin typeface="Calibri" panose="020F0502020204030204" pitchFamily="34" charset="0"/>
+                      </a:endParaRPr>
+                    </a:p>
+                  </a:txBody>
+                  <a:tcPr marL="0" marR="0" marT="0" marB="0" anchor="b"/>
+                </a:tc>
+                <a:tc>
+                  <a:txBody>
+                    <a:bodyPr/>
+                    <a:lstStyle/>
+                    <a:p>
+                      <a:pPr algn="r" fontAlgn="b"/>
+                      <a:r>
+                        <a:rPr lang="en-US" sz="700" u="none" strike="noStrike">
+                          <a:effectLst/>
+                        </a:rPr>
+                        <a:t>1</a:t>
+                      </a:r>
+                      <a:endParaRPr lang="en-US" sz="700" b="0" i="0" u="none" strike="noStrike">
+                        <a:solidFill>
+                          <a:srgbClr val="000000"/>
+                        </a:solidFill>
+                        <a:effectLst/>
+                        <a:latin typeface="Calibri" panose="020F0502020204030204" pitchFamily="34" charset="0"/>
+                      </a:endParaRPr>
+                    </a:p>
+                  </a:txBody>
+                  <a:tcPr marL="0" marR="0" marT="0" marB="0" anchor="b"/>
+                </a:tc>
+                <a:tc>
+                  <a:txBody>
+                    <a:bodyPr/>
+                    <a:lstStyle/>
+                    <a:p>
+                      <a:pPr algn="r" fontAlgn="b"/>
+                      <a:r>
+                        <a:rPr lang="en-US" sz="700" u="none" strike="noStrike">
+                          <a:effectLst/>
+                        </a:rPr>
+                        <a:t>100</a:t>
+                      </a:r>
+                      <a:endParaRPr lang="en-US" sz="700" b="0" i="0" u="none" strike="noStrike">
+                        <a:solidFill>
+                          <a:srgbClr val="000000"/>
+                        </a:solidFill>
+                        <a:effectLst/>
+                        <a:latin typeface="Calibri" panose="020F0502020204030204" pitchFamily="34" charset="0"/>
+                      </a:endParaRPr>
+                    </a:p>
+                  </a:txBody>
+                  <a:tcPr marL="0" marR="0" marT="0" marB="0" anchor="b"/>
+                </a:tc>
+                <a:tc>
+                  <a:txBody>
+                    <a:bodyPr/>
+                    <a:lstStyle/>
+                    <a:p>
+                      <a:pPr algn="r" fontAlgn="b"/>
+                      <a:r>
+                        <a:rPr lang="en-US" sz="700" u="none" strike="noStrike">
+                          <a:effectLst/>
+                        </a:rPr>
+                        <a:t>1000</a:t>
+                      </a:r>
+                      <a:endParaRPr lang="en-US" sz="700" b="0" i="0" u="none" strike="noStrike">
+                        <a:solidFill>
+                          <a:srgbClr val="000000"/>
+                        </a:solidFill>
+                        <a:effectLst/>
+                        <a:latin typeface="Calibri" panose="020F0502020204030204" pitchFamily="34" charset="0"/>
+                      </a:endParaRPr>
+                    </a:p>
+                  </a:txBody>
+                  <a:tcPr marL="0" marR="0" marT="0" marB="0" anchor="b"/>
+                </a:tc>
+                <a:tc>
+                  <a:txBody>
+                    <a:bodyPr/>
+                    <a:lstStyle/>
+                    <a:p>
+                      <a:pPr algn="r" fontAlgn="b"/>
+                      <a:r>
+                        <a:rPr lang="en-US" sz="700" u="none" strike="noStrike">
+                          <a:effectLst/>
+                        </a:rPr>
+                        <a:t>1000</a:t>
+                      </a:r>
+                      <a:endParaRPr lang="en-US" sz="700" b="0" i="0" u="none" strike="noStrike">
+                        <a:solidFill>
+                          <a:srgbClr val="000000"/>
+                        </a:solidFill>
+                        <a:effectLst/>
+                        <a:latin typeface="Calibri" panose="020F0502020204030204" pitchFamily="34" charset="0"/>
+                      </a:endParaRPr>
+                    </a:p>
+                  </a:txBody>
+                  <a:tcPr marL="0" marR="0" marT="0" marB="0" anchor="b"/>
+                </a:tc>
+                <a:tc>
+                  <a:txBody>
+                    <a:bodyPr/>
+                    <a:lstStyle/>
+                    <a:p>
+                      <a:pPr algn="r" fontAlgn="b"/>
+                      <a:r>
+                        <a:rPr lang="en-US" sz="700" u="none" strike="noStrike">
+                          <a:effectLst/>
+                        </a:rPr>
+                        <a:t>10</a:t>
+                      </a:r>
+                      <a:endParaRPr lang="en-US" sz="700" b="0" i="0" u="none" strike="noStrike">
+                        <a:solidFill>
+                          <a:srgbClr val="000000"/>
+                        </a:solidFill>
+                        <a:effectLst/>
+                        <a:latin typeface="Calibri" panose="020F0502020204030204" pitchFamily="34" charset="0"/>
+                      </a:endParaRPr>
+                    </a:p>
+                  </a:txBody>
+                  <a:tcPr marL="0" marR="0" marT="0" marB="0" anchor="b"/>
+                </a:tc>
+                <a:tc>
+                  <a:txBody>
+                    <a:bodyPr/>
+                    <a:lstStyle/>
+                    <a:p>
+                      <a:pPr algn="r" fontAlgn="b"/>
+                      <a:r>
+                        <a:rPr lang="en-US" sz="700" u="none" strike="noStrike">
+                          <a:effectLst/>
+                        </a:rPr>
+                        <a:t>40</a:t>
+                      </a:r>
+                      <a:endParaRPr lang="en-US" sz="700" b="0" i="0" u="none" strike="noStrike">
+                        <a:solidFill>
+                          <a:srgbClr val="000000"/>
+                        </a:solidFill>
+                        <a:effectLst/>
+                        <a:latin typeface="Calibri" panose="020F0502020204030204" pitchFamily="34" charset="0"/>
+                      </a:endParaRPr>
+                    </a:p>
+                  </a:txBody>
+                  <a:tcPr marL="0" marR="0" marT="0" marB="0" anchor="b"/>
+                </a:tc>
+                <a:tc>
+                  <a:txBody>
+                    <a:bodyPr/>
+                    <a:lstStyle/>
+                    <a:p>
+                      <a:pPr algn="r" fontAlgn="b"/>
+                      <a:r>
+                        <a:rPr lang="en-US" sz="700" u="none" strike="noStrike">
+                          <a:effectLst/>
+                        </a:rPr>
+                        <a:t>9</a:t>
+                      </a:r>
+                      <a:endParaRPr lang="en-US" sz="700" b="0" i="0" u="none" strike="noStrike">
+                        <a:solidFill>
+                          <a:srgbClr val="000000"/>
+                        </a:solidFill>
+                        <a:effectLst/>
+                        <a:latin typeface="Calibri" panose="020F0502020204030204" pitchFamily="34" charset="0"/>
+                      </a:endParaRPr>
+                    </a:p>
+                  </a:txBody>
+                  <a:tcPr marL="0" marR="0" marT="0" marB="0" anchor="b"/>
+                </a:tc>
+                <a:tc>
+                  <a:txBody>
+                    <a:bodyPr/>
+                    <a:lstStyle/>
+                    <a:p>
+                      <a:pPr algn="r" fontAlgn="b"/>
+                      <a:r>
+                        <a:rPr lang="en-US" sz="700" u="none" strike="noStrike">
+                          <a:effectLst/>
+                        </a:rPr>
+                        <a:t>2</a:t>
+                      </a:r>
+                      <a:endParaRPr lang="en-US" sz="700" b="0" i="0" u="none" strike="noStrike">
+                        <a:solidFill>
+                          <a:srgbClr val="000000"/>
+                        </a:solidFill>
+                        <a:effectLst/>
+                        <a:latin typeface="Calibri" panose="020F0502020204030204" pitchFamily="34" charset="0"/>
+                      </a:endParaRPr>
+                    </a:p>
+                  </a:txBody>
+                  <a:tcPr marL="0" marR="0" marT="0" marB="0" anchor="b"/>
+                </a:tc>
+                <a:tc>
+                  <a:txBody>
+                    <a:bodyPr/>
+                    <a:lstStyle/>
+                    <a:p>
+                      <a:pPr algn="r" fontAlgn="b"/>
+                      <a:r>
+                        <a:rPr lang="en-US" sz="700" u="none" strike="noStrike">
+                          <a:effectLst/>
+                        </a:rPr>
+                        <a:t>1</a:t>
+                      </a:r>
+                      <a:endParaRPr lang="en-US" sz="700" b="0" i="0" u="none" strike="noStrike">
+                        <a:solidFill>
+                          <a:srgbClr val="000000"/>
+                        </a:solidFill>
+                        <a:effectLst/>
+                        <a:latin typeface="Calibri" panose="020F0502020204030204" pitchFamily="34" charset="0"/>
+                      </a:endParaRPr>
+                    </a:p>
+                  </a:txBody>
+                  <a:tcPr marL="0" marR="0" marT="0" marB="0" anchor="b"/>
+                </a:tc>
+                <a:tc>
+                  <a:txBody>
+                    <a:bodyPr/>
+                    <a:lstStyle/>
+                    <a:p>
+                      <a:pPr algn="r" fontAlgn="b"/>
+                      <a:r>
+                        <a:rPr lang="en-US" sz="700" u="none" strike="noStrike">
+                          <a:effectLst/>
+                        </a:rPr>
+                        <a:t>350</a:t>
+                      </a:r>
+                      <a:endParaRPr lang="en-US" sz="700" b="0" i="0" u="none" strike="noStrike">
+                        <a:solidFill>
+                          <a:srgbClr val="000000"/>
+                        </a:solidFill>
+                        <a:effectLst/>
+                        <a:latin typeface="Calibri" panose="020F0502020204030204" pitchFamily="34" charset="0"/>
+                      </a:endParaRPr>
+                    </a:p>
+                  </a:txBody>
+                  <a:tcPr marL="0" marR="0" marT="0" marB="0" anchor="b"/>
+                </a:tc>
+                <a:tc>
+                  <a:txBody>
+                    <a:bodyPr/>
+                    <a:lstStyle/>
+                    <a:p>
+                      <a:pPr algn="r" fontAlgn="b"/>
+                      <a:r>
+                        <a:rPr lang="en-US" sz="700" u="none" strike="noStrike">
+                          <a:effectLst/>
+                        </a:rPr>
+                        <a:t>1</a:t>
+                      </a:r>
+                      <a:endParaRPr lang="en-US" sz="700" b="0" i="0" u="none" strike="noStrike">
+                        <a:solidFill>
+                          <a:srgbClr val="000000"/>
+                        </a:solidFill>
+                        <a:effectLst/>
+                        <a:latin typeface="Calibri" panose="020F0502020204030204" pitchFamily="34" charset="0"/>
+                      </a:endParaRPr>
+                    </a:p>
+                  </a:txBody>
+                  <a:tcPr marL="0" marR="0" marT="0" marB="0" anchor="b"/>
+                </a:tc>
+                <a:tc>
+                  <a:txBody>
+                    <a:bodyPr/>
+                    <a:lstStyle/>
+                    <a:p>
+                      <a:pPr algn="l" fontAlgn="b"/>
+                      <a:endParaRPr lang="en-US" sz="700" b="0" i="0" u="none" strike="noStrike">
+                        <a:solidFill>
+                          <a:srgbClr val="000000"/>
+                        </a:solidFill>
+                        <a:effectLst/>
+                        <a:latin typeface="Calibri" panose="020F0502020204030204" pitchFamily="34" charset="0"/>
+                      </a:endParaRPr>
+                    </a:p>
+                  </a:txBody>
+                  <a:tcPr marL="0" marR="0" marT="0" marB="0" anchor="b"/>
+                </a:tc>
+                <a:tc>
+                  <a:txBody>
+                    <a:bodyPr/>
+                    <a:lstStyle/>
+                    <a:p>
+                      <a:pPr algn="r" fontAlgn="b"/>
+                      <a:r>
+                        <a:rPr lang="en-US" sz="700" u="none" strike="noStrike">
+                          <a:effectLst/>
+                        </a:rPr>
+                        <a:t>100</a:t>
+                      </a:r>
+                      <a:endParaRPr lang="en-US" sz="700" b="0" i="0" u="none" strike="noStrike">
+                        <a:solidFill>
+                          <a:srgbClr val="000000"/>
+                        </a:solidFill>
+                        <a:effectLst/>
+                        <a:latin typeface="Calibri" panose="020F0502020204030204" pitchFamily="34" charset="0"/>
+                      </a:endParaRPr>
+                    </a:p>
+                  </a:txBody>
+                  <a:tcPr marL="0" marR="0" marT="0" marB="0" anchor="b"/>
+                </a:tc>
+                <a:tc>
+                  <a:txBody>
+                    <a:bodyPr/>
+                    <a:lstStyle/>
+                    <a:p>
+                      <a:pPr algn="r" fontAlgn="b"/>
+                      <a:r>
+                        <a:rPr lang="en-US" sz="700" u="none" strike="noStrike">
+                          <a:effectLst/>
+                        </a:rPr>
+                        <a:t>0</a:t>
+                      </a:r>
+                      <a:endParaRPr lang="en-US" sz="700" b="0" i="0" u="none" strike="noStrike">
+                        <a:solidFill>
+                          <a:srgbClr val="000000"/>
+                        </a:solidFill>
+                        <a:effectLst/>
+                        <a:latin typeface="Calibri" panose="020F0502020204030204" pitchFamily="34" charset="0"/>
+                      </a:endParaRPr>
+                    </a:p>
+                  </a:txBody>
+                  <a:tcPr marL="0" marR="0" marT="0" marB="0" anchor="b"/>
+                </a:tc>
+                <a:tc>
+                  <a:txBody>
+                    <a:bodyPr/>
+                    <a:lstStyle/>
+                    <a:p>
+                      <a:pPr algn="l" fontAlgn="b"/>
+                      <a:r>
+                        <a:rPr lang="en-US" sz="700" u="none" strike="noStrike" dirty="0">
+                          <a:effectLst/>
+                        </a:rPr>
+                        <a:t>CHANGED THE ERROR IN STARTING HETEROZYGOSITIES</a:t>
+                      </a:r>
+                      <a:endParaRPr lang="en-US" sz="700" b="0" i="0" u="none" strike="noStrike" dirty="0">
+                        <a:solidFill>
+                          <a:srgbClr val="000000"/>
+                        </a:solidFill>
+                        <a:effectLst/>
+                        <a:latin typeface="Calibri" panose="020F0502020204030204" pitchFamily="34" charset="0"/>
+                      </a:endParaRPr>
+                    </a:p>
+                  </a:txBody>
+                  <a:tcPr marL="0" marR="0" marT="0" marB="0" anchor="b"/>
+                </a:tc>
+                <a:extLst>
+                  <a:ext uri="{0D108BD9-81ED-4DB2-BD59-A6C34878D82A}">
+                    <a16:rowId xmlns:a16="http://schemas.microsoft.com/office/drawing/2014/main" val="2057758583"/>
+                  </a:ext>
+                </a:extLst>
+              </a:tr>
+            </a:tbl>
+          </a:graphicData>
+        </a:graphic>
+      </p:graphicFrame>
+      <p:pic>
+        <p:nvPicPr>
+          <p:cNvPr id="20" name="Picture 19">
+            <a:extLst>
+              <a:ext uri="{FF2B5EF4-FFF2-40B4-BE49-F238E27FC236}">
+                <a16:creationId xmlns:a16="http://schemas.microsoft.com/office/drawing/2014/main" id="{73B21C9F-E053-EC1A-F802-22CDFF043321}"/>
+              </a:ext>
+            </a:extLst>
+          </p:cNvPr>
+          <p:cNvPicPr>
+            <a:picLocks noChangeAspect="1"/>
+          </p:cNvPicPr>
+          <p:nvPr/>
+        </p:nvPicPr>
+        <p:blipFill>
+          <a:blip r:embed="rId2"/>
+          <a:stretch>
+            <a:fillRect/>
+          </a:stretch>
+        </p:blipFill>
+        <p:spPr>
+          <a:xfrm>
+            <a:off x="233362" y="971549"/>
+            <a:ext cx="2623455" cy="2352675"/>
+          </a:xfrm>
+          <a:prstGeom prst="rect">
+            <a:avLst/>
+          </a:prstGeom>
+        </p:spPr>
+      </p:pic>
+      <p:pic>
+        <p:nvPicPr>
+          <p:cNvPr id="22" name="Picture 21">
+            <a:extLst>
+              <a:ext uri="{FF2B5EF4-FFF2-40B4-BE49-F238E27FC236}">
+                <a16:creationId xmlns:a16="http://schemas.microsoft.com/office/drawing/2014/main" id="{40939CDC-0CE2-AD65-0D84-03B0B1EA70C6}"/>
+              </a:ext>
+            </a:extLst>
+          </p:cNvPr>
+          <p:cNvPicPr>
+            <a:picLocks noChangeAspect="1"/>
+          </p:cNvPicPr>
+          <p:nvPr/>
+        </p:nvPicPr>
+        <p:blipFill>
+          <a:blip r:embed="rId3"/>
+          <a:stretch>
+            <a:fillRect/>
+          </a:stretch>
+        </p:blipFill>
+        <p:spPr>
+          <a:xfrm>
+            <a:off x="2856817" y="1015920"/>
+            <a:ext cx="2690812" cy="2413080"/>
+          </a:xfrm>
+          <a:prstGeom prst="rect">
+            <a:avLst/>
+          </a:prstGeom>
+        </p:spPr>
+      </p:pic>
+      <p:pic>
+        <p:nvPicPr>
+          <p:cNvPr id="24" name="Picture 23">
+            <a:extLst>
+              <a:ext uri="{FF2B5EF4-FFF2-40B4-BE49-F238E27FC236}">
+                <a16:creationId xmlns:a16="http://schemas.microsoft.com/office/drawing/2014/main" id="{C33CBC69-9BB3-7427-2865-7459D80D9514}"/>
+              </a:ext>
+            </a:extLst>
+          </p:cNvPr>
+          <p:cNvPicPr>
+            <a:picLocks noChangeAspect="1"/>
+          </p:cNvPicPr>
+          <p:nvPr/>
+        </p:nvPicPr>
+        <p:blipFill>
+          <a:blip r:embed="rId4"/>
+          <a:stretch>
+            <a:fillRect/>
+          </a:stretch>
+        </p:blipFill>
+        <p:spPr>
+          <a:xfrm>
+            <a:off x="5584031" y="1077664"/>
+            <a:ext cx="1385888" cy="1242844"/>
+          </a:xfrm>
+          <a:prstGeom prst="rect">
+            <a:avLst/>
+          </a:prstGeom>
+        </p:spPr>
+      </p:pic>
+      <p:pic>
+        <p:nvPicPr>
+          <p:cNvPr id="26" name="Picture 25">
+            <a:extLst>
+              <a:ext uri="{FF2B5EF4-FFF2-40B4-BE49-F238E27FC236}">
+                <a16:creationId xmlns:a16="http://schemas.microsoft.com/office/drawing/2014/main" id="{F206218B-5597-7907-1E54-584627AE45FB}"/>
+              </a:ext>
+            </a:extLst>
+          </p:cNvPr>
+          <p:cNvPicPr>
+            <a:picLocks noChangeAspect="1"/>
+          </p:cNvPicPr>
+          <p:nvPr/>
+        </p:nvPicPr>
+        <p:blipFill>
+          <a:blip r:embed="rId5"/>
+          <a:stretch>
+            <a:fillRect/>
+          </a:stretch>
+        </p:blipFill>
+        <p:spPr>
+          <a:xfrm>
+            <a:off x="6276975" y="2147886"/>
+            <a:ext cx="1690688" cy="1516184"/>
+          </a:xfrm>
+          <a:prstGeom prst="rect">
+            <a:avLst/>
+          </a:prstGeom>
+        </p:spPr>
+      </p:pic>
+      <p:pic>
+        <p:nvPicPr>
+          <p:cNvPr id="28" name="Picture 27">
+            <a:extLst>
+              <a:ext uri="{FF2B5EF4-FFF2-40B4-BE49-F238E27FC236}">
+                <a16:creationId xmlns:a16="http://schemas.microsoft.com/office/drawing/2014/main" id="{A929F194-4905-7FA9-B57E-B9A344987906}"/>
+              </a:ext>
+            </a:extLst>
+          </p:cNvPr>
+          <p:cNvPicPr>
+            <a:picLocks noChangeAspect="1"/>
+          </p:cNvPicPr>
+          <p:nvPr/>
+        </p:nvPicPr>
+        <p:blipFill>
+          <a:blip r:embed="rId6"/>
+          <a:stretch>
+            <a:fillRect/>
+          </a:stretch>
+        </p:blipFill>
+        <p:spPr>
+          <a:xfrm>
+            <a:off x="238124" y="3549570"/>
+            <a:ext cx="2690813" cy="2413081"/>
+          </a:xfrm>
+          <a:prstGeom prst="rect">
+            <a:avLst/>
+          </a:prstGeom>
+        </p:spPr>
+      </p:pic>
+      <p:pic>
+        <p:nvPicPr>
+          <p:cNvPr id="30" name="Picture 29">
+            <a:extLst>
+              <a:ext uri="{FF2B5EF4-FFF2-40B4-BE49-F238E27FC236}">
+                <a16:creationId xmlns:a16="http://schemas.microsoft.com/office/drawing/2014/main" id="{2ABCF378-3983-2651-2C76-CEE89EE9EAE6}"/>
+              </a:ext>
+            </a:extLst>
+          </p:cNvPr>
+          <p:cNvPicPr>
+            <a:picLocks noChangeAspect="1"/>
+          </p:cNvPicPr>
+          <p:nvPr/>
+        </p:nvPicPr>
+        <p:blipFill>
+          <a:blip r:embed="rId7"/>
+          <a:stretch>
+            <a:fillRect/>
+          </a:stretch>
+        </p:blipFill>
+        <p:spPr>
+          <a:xfrm>
+            <a:off x="2950367" y="3549570"/>
+            <a:ext cx="2633664" cy="2361831"/>
+          </a:xfrm>
+          <a:prstGeom prst="rect">
+            <a:avLst/>
+          </a:prstGeom>
+        </p:spPr>
+      </p:pic>
+      <p:pic>
+        <p:nvPicPr>
+          <p:cNvPr id="32" name="Picture 31">
+            <a:extLst>
+              <a:ext uri="{FF2B5EF4-FFF2-40B4-BE49-F238E27FC236}">
+                <a16:creationId xmlns:a16="http://schemas.microsoft.com/office/drawing/2014/main" id="{4B9180F0-8340-AA17-3F2A-232468AAF524}"/>
+              </a:ext>
+            </a:extLst>
+          </p:cNvPr>
+          <p:cNvPicPr>
+            <a:picLocks noChangeAspect="1"/>
+          </p:cNvPicPr>
+          <p:nvPr/>
+        </p:nvPicPr>
+        <p:blipFill>
+          <a:blip r:embed="rId8"/>
+          <a:stretch>
+            <a:fillRect/>
+          </a:stretch>
+        </p:blipFill>
+        <p:spPr>
+          <a:xfrm>
+            <a:off x="5653087" y="3664070"/>
+            <a:ext cx="2633664" cy="2361831"/>
+          </a:xfrm>
+          <a:prstGeom prst="rect">
+            <a:avLst/>
+          </a:prstGeom>
+        </p:spPr>
+      </p:pic>
+      <p:pic>
+        <p:nvPicPr>
+          <p:cNvPr id="34" name="Picture 33">
+            <a:extLst>
+              <a:ext uri="{FF2B5EF4-FFF2-40B4-BE49-F238E27FC236}">
+                <a16:creationId xmlns:a16="http://schemas.microsoft.com/office/drawing/2014/main" id="{D58C0B5B-F8DD-EBFA-2D32-4F651DBAA63B}"/>
+              </a:ext>
+            </a:extLst>
+          </p:cNvPr>
+          <p:cNvPicPr>
+            <a:picLocks noChangeAspect="1"/>
+          </p:cNvPicPr>
+          <p:nvPr/>
+        </p:nvPicPr>
+        <p:blipFill>
+          <a:blip r:embed="rId9"/>
+          <a:stretch>
+            <a:fillRect/>
+          </a:stretch>
+        </p:blipFill>
+        <p:spPr>
+          <a:xfrm>
+            <a:off x="8424863" y="1087189"/>
+            <a:ext cx="2611340" cy="2341811"/>
+          </a:xfrm>
+          <a:prstGeom prst="rect">
+            <a:avLst/>
+          </a:prstGeom>
+        </p:spPr>
+      </p:pic>
+      <p:pic>
+        <p:nvPicPr>
+          <p:cNvPr id="36" name="Picture 35">
+            <a:extLst>
+              <a:ext uri="{FF2B5EF4-FFF2-40B4-BE49-F238E27FC236}">
+                <a16:creationId xmlns:a16="http://schemas.microsoft.com/office/drawing/2014/main" id="{5E4FF87A-144A-FB1A-F882-79CB58712B0B}"/>
+              </a:ext>
+            </a:extLst>
+          </p:cNvPr>
+          <p:cNvPicPr>
+            <a:picLocks noChangeAspect="1"/>
+          </p:cNvPicPr>
+          <p:nvPr/>
+        </p:nvPicPr>
+        <p:blipFill>
+          <a:blip r:embed="rId10"/>
+          <a:stretch>
+            <a:fillRect/>
+          </a:stretch>
+        </p:blipFill>
+        <p:spPr>
+          <a:xfrm>
+            <a:off x="8496298" y="3620839"/>
+            <a:ext cx="2633664" cy="2361831"/>
+          </a:xfrm>
+          <a:prstGeom prst="rect">
+            <a:avLst/>
+          </a:prstGeom>
+        </p:spPr>
+      </p:pic>
+      <p:sp>
+        <p:nvSpPr>
+          <p:cNvPr id="37" name="TextBox 36">
+            <a:extLst>
+              <a:ext uri="{FF2B5EF4-FFF2-40B4-BE49-F238E27FC236}">
+                <a16:creationId xmlns:a16="http://schemas.microsoft.com/office/drawing/2014/main" id="{09206D43-7CDD-A010-6C92-29F19EB9A97F}"/>
+              </a:ext>
+            </a:extLst>
+          </p:cNvPr>
+          <p:cNvSpPr txBox="1"/>
+          <p:nvPr/>
+        </p:nvSpPr>
+        <p:spPr>
+          <a:xfrm>
+            <a:off x="74281" y="6378055"/>
+            <a:ext cx="6067110" cy="369332"/>
+          </a:xfrm>
+          <a:prstGeom prst="rect">
+            <a:avLst/>
+          </a:prstGeom>
+          <a:noFill/>
+        </p:spPr>
+        <p:txBody>
+          <a:bodyPr wrap="none" rtlCol="0">
+            <a:spAutoFit/>
+          </a:bodyPr>
+          <a:lstStyle/>
+          <a:p>
+            <a:r>
+              <a:rPr lang="en-US" dirty="0"/>
+              <a:t>This is the “ideal” in which population connectivity never stops</a:t>
+            </a:r>
+          </a:p>
+        </p:txBody>
+      </p:sp>
+    </p:spTree>
+    <p:extLst>
+      <p:ext uri="{BB962C8B-B14F-4D97-AF65-F5344CB8AC3E}">
+        <p14:creationId xmlns:p14="http://schemas.microsoft.com/office/powerpoint/2010/main" val="3144129354"/>
+      </p:ext>
+    </p:extLst>
+  </p:cSld>
+  <p:clrMapOvr>
+    <a:masterClrMapping/>
+  </p:clrMapOvr>
+</p:sld>
+</file>
+
+<file path=ppt/slides/slide15.xml><?xml version="1.0" encoding="utf-8"?>
+<p:sld xmlns:a="http://schemas.openxmlformats.org/drawingml/2006/main" xmlns:r="http://schemas.openxmlformats.org/officeDocument/2006/relationships" xmlns:p="http://schemas.openxmlformats.org/presentationml/2006/main">
+  <p:cSld>
+    <p:spTree>
+      <p:nvGrpSpPr>
+        <p:cNvPr id="1" name=""/>
+        <p:cNvGrpSpPr/>
+        <p:nvPr/>
+      </p:nvGrpSpPr>
+      <p:grpSpPr>
+        <a:xfrm>
+          <a:off x="0" y="0"/>
+          <a:ext cx="0" cy="0"/>
+          <a:chOff x="0" y="0"/>
+          <a:chExt cx="0" cy="0"/>
+        </a:xfrm>
+      </p:grpSpPr>
+      <p:graphicFrame>
+        <p:nvGraphicFramePr>
+          <p:cNvPr id="4" name="Table 3">
+            <a:extLst>
+              <a:ext uri="{FF2B5EF4-FFF2-40B4-BE49-F238E27FC236}">
+                <a16:creationId xmlns:a16="http://schemas.microsoft.com/office/drawing/2014/main" id="{375CCFE1-8848-5A8B-DA9E-53A5FE5C59E2}"/>
+              </a:ext>
+            </a:extLst>
+          </p:cNvPr>
+          <p:cNvGraphicFramePr>
+            <a:graphicFrameLocks noGrp="1"/>
+          </p:cNvGraphicFramePr>
+          <p:nvPr>
+            <p:extLst>
+              <p:ext uri="{D42A27DB-BD31-4B8C-83A1-F6EECF244321}">
+                <p14:modId xmlns:p14="http://schemas.microsoft.com/office/powerpoint/2010/main" val="3567075401"/>
+              </p:ext>
+            </p:extLst>
+          </p:nvPr>
+        </p:nvGraphicFramePr>
+        <p:xfrm>
+          <a:off x="752475" y="638175"/>
+          <a:ext cx="10515600" cy="533400"/>
+        </p:xfrm>
+        <a:graphic>
+          <a:graphicData uri="http://schemas.openxmlformats.org/drawingml/2006/table">
+            <a:tbl>
+              <a:tblPr>
+                <a:tableStyleId>{5C22544A-7EE6-4342-B048-85BDC9FD1C3A}</a:tableStyleId>
+              </a:tblPr>
+              <a:tblGrid>
+                <a:gridCol w="384190">
+                  <a:extLst>
+                    <a:ext uri="{9D8B030D-6E8A-4147-A177-3AD203B41FA5}">
+                      <a16:colId xmlns:a16="http://schemas.microsoft.com/office/drawing/2014/main" val="1338429004"/>
+                    </a:ext>
+                  </a:extLst>
+                </a:gridCol>
+                <a:gridCol w="560277">
+                  <a:extLst>
+                    <a:ext uri="{9D8B030D-6E8A-4147-A177-3AD203B41FA5}">
+                      <a16:colId xmlns:a16="http://schemas.microsoft.com/office/drawing/2014/main" val="3588672497"/>
+                    </a:ext>
+                  </a:extLst>
+                </a:gridCol>
+                <a:gridCol w="848419">
+                  <a:extLst>
+                    <a:ext uri="{9D8B030D-6E8A-4147-A177-3AD203B41FA5}">
+                      <a16:colId xmlns:a16="http://schemas.microsoft.com/office/drawing/2014/main" val="3397902591"/>
+                    </a:ext>
+                  </a:extLst>
+                </a:gridCol>
+                <a:gridCol w="424210">
+                  <a:extLst>
+                    <a:ext uri="{9D8B030D-6E8A-4147-A177-3AD203B41FA5}">
+                      <a16:colId xmlns:a16="http://schemas.microsoft.com/office/drawing/2014/main" val="1407029177"/>
+                    </a:ext>
+                  </a:extLst>
+                </a:gridCol>
+                <a:gridCol w="384190">
+                  <a:extLst>
+                    <a:ext uri="{9D8B030D-6E8A-4147-A177-3AD203B41FA5}">
+                      <a16:colId xmlns:a16="http://schemas.microsoft.com/office/drawing/2014/main" val="984325030"/>
+                    </a:ext>
+                  </a:extLst>
+                </a:gridCol>
+                <a:gridCol w="384190">
+                  <a:extLst>
+                    <a:ext uri="{9D8B030D-6E8A-4147-A177-3AD203B41FA5}">
+                      <a16:colId xmlns:a16="http://schemas.microsoft.com/office/drawing/2014/main" val="3127379580"/>
+                    </a:ext>
+                  </a:extLst>
+                </a:gridCol>
+                <a:gridCol w="384190">
+                  <a:extLst>
+                    <a:ext uri="{9D8B030D-6E8A-4147-A177-3AD203B41FA5}">
+                      <a16:colId xmlns:a16="http://schemas.microsoft.com/office/drawing/2014/main" val="2383348481"/>
+                    </a:ext>
+                  </a:extLst>
+                </a:gridCol>
+                <a:gridCol w="384190">
+                  <a:extLst>
+                    <a:ext uri="{9D8B030D-6E8A-4147-A177-3AD203B41FA5}">
+                      <a16:colId xmlns:a16="http://schemas.microsoft.com/office/drawing/2014/main" val="634467130"/>
+                    </a:ext>
+                  </a:extLst>
+                </a:gridCol>
+                <a:gridCol w="384190">
+                  <a:extLst>
+                    <a:ext uri="{9D8B030D-6E8A-4147-A177-3AD203B41FA5}">
+                      <a16:colId xmlns:a16="http://schemas.microsoft.com/office/drawing/2014/main" val="1269446774"/>
+                    </a:ext>
+                  </a:extLst>
+                </a:gridCol>
+                <a:gridCol w="384190">
+                  <a:extLst>
+                    <a:ext uri="{9D8B030D-6E8A-4147-A177-3AD203B41FA5}">
+                      <a16:colId xmlns:a16="http://schemas.microsoft.com/office/drawing/2014/main" val="3774628320"/>
+                    </a:ext>
+                  </a:extLst>
+                </a:gridCol>
+                <a:gridCol w="384190">
+                  <a:extLst>
+                    <a:ext uri="{9D8B030D-6E8A-4147-A177-3AD203B41FA5}">
+                      <a16:colId xmlns:a16="http://schemas.microsoft.com/office/drawing/2014/main" val="3156544648"/>
+                    </a:ext>
+                  </a:extLst>
+                </a:gridCol>
+                <a:gridCol w="384190">
+                  <a:extLst>
+                    <a:ext uri="{9D8B030D-6E8A-4147-A177-3AD203B41FA5}">
+                      <a16:colId xmlns:a16="http://schemas.microsoft.com/office/drawing/2014/main" val="1154441819"/>
+                    </a:ext>
+                  </a:extLst>
+                </a:gridCol>
+                <a:gridCol w="384190">
+                  <a:extLst>
+                    <a:ext uri="{9D8B030D-6E8A-4147-A177-3AD203B41FA5}">
+                      <a16:colId xmlns:a16="http://schemas.microsoft.com/office/drawing/2014/main" val="4033340688"/>
+                    </a:ext>
+                  </a:extLst>
+                </a:gridCol>
+                <a:gridCol w="384190">
+                  <a:extLst>
+                    <a:ext uri="{9D8B030D-6E8A-4147-A177-3AD203B41FA5}">
+                      <a16:colId xmlns:a16="http://schemas.microsoft.com/office/drawing/2014/main" val="31179122"/>
+                    </a:ext>
+                  </a:extLst>
+                </a:gridCol>
+                <a:gridCol w="384190">
+                  <a:extLst>
+                    <a:ext uri="{9D8B030D-6E8A-4147-A177-3AD203B41FA5}">
+                      <a16:colId xmlns:a16="http://schemas.microsoft.com/office/drawing/2014/main" val="1566112721"/>
+                    </a:ext>
+                  </a:extLst>
+                </a:gridCol>
+                <a:gridCol w="384190">
+                  <a:extLst>
+                    <a:ext uri="{9D8B030D-6E8A-4147-A177-3AD203B41FA5}">
+                      <a16:colId xmlns:a16="http://schemas.microsoft.com/office/drawing/2014/main" val="487356067"/>
+                    </a:ext>
+                  </a:extLst>
+                </a:gridCol>
+                <a:gridCol w="384190">
+                  <a:extLst>
+                    <a:ext uri="{9D8B030D-6E8A-4147-A177-3AD203B41FA5}">
+                      <a16:colId xmlns:a16="http://schemas.microsoft.com/office/drawing/2014/main" val="755209193"/>
+                    </a:ext>
+                  </a:extLst>
+                </a:gridCol>
+                <a:gridCol w="384190">
+                  <a:extLst>
+                    <a:ext uri="{9D8B030D-6E8A-4147-A177-3AD203B41FA5}">
+                      <a16:colId xmlns:a16="http://schemas.microsoft.com/office/drawing/2014/main" val="3677678693"/>
+                    </a:ext>
+                  </a:extLst>
+                </a:gridCol>
+                <a:gridCol w="384190">
+                  <a:extLst>
+                    <a:ext uri="{9D8B030D-6E8A-4147-A177-3AD203B41FA5}">
+                      <a16:colId xmlns:a16="http://schemas.microsoft.com/office/drawing/2014/main" val="434755397"/>
+                    </a:ext>
+                  </a:extLst>
+                </a:gridCol>
+                <a:gridCol w="384190">
+                  <a:extLst>
+                    <a:ext uri="{9D8B030D-6E8A-4147-A177-3AD203B41FA5}">
+                      <a16:colId xmlns:a16="http://schemas.microsoft.com/office/drawing/2014/main" val="1576105863"/>
+                    </a:ext>
+                  </a:extLst>
+                </a:gridCol>
+                <a:gridCol w="384190">
+                  <a:extLst>
+                    <a:ext uri="{9D8B030D-6E8A-4147-A177-3AD203B41FA5}">
+                      <a16:colId xmlns:a16="http://schemas.microsoft.com/office/drawing/2014/main" val="974824704"/>
+                    </a:ext>
+                  </a:extLst>
+                </a:gridCol>
+                <a:gridCol w="384190">
+                  <a:extLst>
+                    <a:ext uri="{9D8B030D-6E8A-4147-A177-3AD203B41FA5}">
+                      <a16:colId xmlns:a16="http://schemas.microsoft.com/office/drawing/2014/main" val="695828854"/>
+                    </a:ext>
+                  </a:extLst>
+                </a:gridCol>
+                <a:gridCol w="384190">
+                  <a:extLst>
+                    <a:ext uri="{9D8B030D-6E8A-4147-A177-3AD203B41FA5}">
+                      <a16:colId xmlns:a16="http://schemas.microsoft.com/office/drawing/2014/main" val="4222695929"/>
+                    </a:ext>
+                  </a:extLst>
+                </a:gridCol>
+                <a:gridCol w="384190">
+                  <a:extLst>
+                    <a:ext uri="{9D8B030D-6E8A-4147-A177-3AD203B41FA5}">
+                      <a16:colId xmlns:a16="http://schemas.microsoft.com/office/drawing/2014/main" val="171394987"/>
+                    </a:ext>
+                  </a:extLst>
+                </a:gridCol>
+                <a:gridCol w="614704">
+                  <a:extLst>
+                    <a:ext uri="{9D8B030D-6E8A-4147-A177-3AD203B41FA5}">
+                      <a16:colId xmlns:a16="http://schemas.microsoft.com/office/drawing/2014/main" val="162356537"/>
+                    </a:ext>
+                  </a:extLst>
+                </a:gridCol>
+              </a:tblGrid>
+              <a:tr h="520652">
+                <a:tc>
+                  <a:txBody>
+                    <a:bodyPr/>
+                    <a:lstStyle/>
+                    <a:p>
+                      <a:pPr algn="l" fontAlgn="b"/>
+                      <a:endParaRPr lang="en-US" sz="700" b="0" i="0" u="none" strike="noStrike">
+                        <a:solidFill>
+                          <a:srgbClr val="000000"/>
+                        </a:solidFill>
+                        <a:effectLst/>
+                        <a:latin typeface="Calibri" panose="020F0502020204030204" pitchFamily="34" charset="0"/>
+                      </a:endParaRPr>
+                    </a:p>
+                  </a:txBody>
+                  <a:tcPr marL="0" marR="0" marT="0" marB="0" anchor="b"/>
+                </a:tc>
+                <a:tc>
+                  <a:txBody>
+                    <a:bodyPr/>
+                    <a:lstStyle/>
+                    <a:p>
+                      <a:pPr algn="l" fontAlgn="b"/>
+                      <a:r>
+                        <a:rPr lang="en-US" sz="700" u="none" strike="noStrike">
+                          <a:effectLst/>
+                        </a:rPr>
+                        <a:t>518093:518097</a:t>
+                      </a:r>
+                      <a:endParaRPr lang="en-US" sz="700" b="0" i="0" u="none" strike="noStrike">
+                        <a:solidFill>
+                          <a:srgbClr val="000000"/>
+                        </a:solidFill>
+                        <a:effectLst/>
+                        <a:latin typeface="Calibri" panose="020F0502020204030204" pitchFamily="34" charset="0"/>
+                      </a:endParaRPr>
+                    </a:p>
+                  </a:txBody>
+                  <a:tcPr marL="0" marR="0" marT="0" marB="0" anchor="b"/>
+                </a:tc>
+                <a:tc>
+                  <a:txBody>
+                    <a:bodyPr/>
+                    <a:lstStyle/>
+                    <a:p>
+                      <a:pPr algn="l" fontAlgn="b"/>
+                      <a:r>
+                        <a:rPr lang="en-US" sz="700" u="none" strike="noStrike">
+                          <a:effectLst/>
+                        </a:rPr>
+                        <a:t>run_cc</a:t>
+                      </a:r>
+                      <a:endParaRPr lang="en-US" sz="700" b="0" i="0" u="none" strike="noStrike">
+                        <a:solidFill>
+                          <a:srgbClr val="000000"/>
+                        </a:solidFill>
+                        <a:effectLst/>
+                        <a:latin typeface="Calibri" panose="020F0502020204030204" pitchFamily="34" charset="0"/>
+                      </a:endParaRPr>
+                    </a:p>
+                  </a:txBody>
+                  <a:tcPr marL="0" marR="0" marT="0" marB="0" anchor="b"/>
+                </a:tc>
+                <a:tc>
+                  <a:txBody>
+                    <a:bodyPr/>
+                    <a:lstStyle/>
+                    <a:p>
+                      <a:pPr algn="l" fontAlgn="b"/>
+                      <a:r>
+                        <a:rPr lang="en-US" sz="700" u="none" strike="noStrike">
+                          <a:effectLst/>
+                        </a:rPr>
+                        <a:t>y</a:t>
+                      </a:r>
+                      <a:endParaRPr lang="en-US" sz="700" b="0" i="0" u="none" strike="noStrike">
+                        <a:solidFill>
+                          <a:srgbClr val="000000"/>
+                        </a:solidFill>
+                        <a:effectLst/>
+                        <a:latin typeface="Calibri" panose="020F0502020204030204" pitchFamily="34" charset="0"/>
+                      </a:endParaRPr>
+                    </a:p>
+                  </a:txBody>
+                  <a:tcPr marL="0" marR="0" marT="0" marB="0" anchor="b"/>
+                </a:tc>
+                <a:tc>
+                  <a:txBody>
+                    <a:bodyPr/>
+                    <a:lstStyle/>
+                    <a:p>
+                      <a:pPr algn="l" fontAlgn="b"/>
+                      <a:r>
+                        <a:rPr lang="en-US" sz="700" u="none" strike="noStrike">
+                          <a:effectLst/>
+                        </a:rPr>
+                        <a:t>y</a:t>
+                      </a:r>
+                      <a:endParaRPr lang="en-US" sz="700" b="0" i="0" u="none" strike="noStrike">
+                        <a:solidFill>
+                          <a:srgbClr val="000000"/>
+                        </a:solidFill>
+                        <a:effectLst/>
+                        <a:latin typeface="Calibri" panose="020F0502020204030204" pitchFamily="34" charset="0"/>
+                      </a:endParaRPr>
+                    </a:p>
+                  </a:txBody>
+                  <a:tcPr marL="0" marR="0" marT="0" marB="0" anchor="b"/>
+                </a:tc>
+                <a:tc>
+                  <a:txBody>
+                    <a:bodyPr/>
+                    <a:lstStyle/>
+                    <a:p>
+                      <a:pPr algn="l" fontAlgn="b"/>
+                      <a:r>
+                        <a:rPr lang="en-US" sz="700" u="none" strike="noStrike">
+                          <a:effectLst/>
+                        </a:rPr>
+                        <a:t>y</a:t>
+                      </a:r>
+                      <a:endParaRPr lang="en-US" sz="700" b="0" i="0" u="none" strike="noStrike">
+                        <a:solidFill>
+                          <a:srgbClr val="000000"/>
+                        </a:solidFill>
+                        <a:effectLst/>
+                        <a:latin typeface="Calibri" panose="020F0502020204030204" pitchFamily="34" charset="0"/>
+                      </a:endParaRPr>
+                    </a:p>
+                  </a:txBody>
+                  <a:tcPr marL="0" marR="0" marT="0" marB="0" anchor="b"/>
+                </a:tc>
+                <a:tc>
+                  <a:txBody>
+                    <a:bodyPr/>
+                    <a:lstStyle/>
+                    <a:p>
+                      <a:pPr algn="l" fontAlgn="b"/>
+                      <a:r>
+                        <a:rPr lang="en-US" sz="700" u="none" strike="noStrike">
+                          <a:effectLst/>
+                        </a:rPr>
+                        <a:t>y</a:t>
+                      </a:r>
+                      <a:endParaRPr lang="en-US" sz="700" b="0" i="0" u="none" strike="noStrike">
+                        <a:solidFill>
+                          <a:srgbClr val="000000"/>
+                        </a:solidFill>
+                        <a:effectLst/>
+                        <a:latin typeface="Calibri" panose="020F0502020204030204" pitchFamily="34" charset="0"/>
+                      </a:endParaRPr>
+                    </a:p>
+                  </a:txBody>
+                  <a:tcPr marL="0" marR="0" marT="0" marB="0" anchor="b"/>
+                </a:tc>
+                <a:tc>
+                  <a:txBody>
+                    <a:bodyPr/>
+                    <a:lstStyle/>
+                    <a:p>
+                      <a:pPr algn="l" fontAlgn="b"/>
+                      <a:r>
+                        <a:rPr lang="en-US" sz="700" u="none" strike="noStrike">
+                          <a:effectLst/>
+                        </a:rPr>
+                        <a:t>a</a:t>
+                      </a:r>
+                      <a:endParaRPr lang="en-US" sz="700" b="0" i="0" u="none" strike="noStrike">
+                        <a:solidFill>
+                          <a:srgbClr val="000000"/>
+                        </a:solidFill>
+                        <a:effectLst/>
+                        <a:latin typeface="Calibri" panose="020F0502020204030204" pitchFamily="34" charset="0"/>
+                      </a:endParaRPr>
+                    </a:p>
+                  </a:txBody>
+                  <a:tcPr marL="0" marR="0" marT="0" marB="0" anchor="b"/>
+                </a:tc>
+                <a:tc>
+                  <a:txBody>
+                    <a:bodyPr/>
+                    <a:lstStyle/>
+                    <a:p>
+                      <a:pPr algn="r" fontAlgn="b"/>
+                      <a:r>
+                        <a:rPr lang="en-US" sz="700" u="none" strike="noStrike">
+                          <a:effectLst/>
+                        </a:rPr>
+                        <a:t>0.07</a:t>
+                      </a:r>
+                      <a:endParaRPr lang="en-US" sz="700" b="0" i="0" u="none" strike="noStrike">
+                        <a:solidFill>
+                          <a:srgbClr val="000000"/>
+                        </a:solidFill>
+                        <a:effectLst/>
+                        <a:latin typeface="Calibri" panose="020F0502020204030204" pitchFamily="34" charset="0"/>
+                      </a:endParaRPr>
+                    </a:p>
+                  </a:txBody>
+                  <a:tcPr marL="0" marR="0" marT="0" marB="0" anchor="b"/>
+                </a:tc>
+                <a:tc>
+                  <a:txBody>
+                    <a:bodyPr/>
+                    <a:lstStyle/>
+                    <a:p>
+                      <a:pPr algn="r" fontAlgn="b"/>
+                      <a:r>
+                        <a:rPr lang="en-US" sz="700" u="none" strike="noStrike">
+                          <a:effectLst/>
+                        </a:rPr>
+                        <a:t>0.07</a:t>
+                      </a:r>
+                      <a:endParaRPr lang="en-US" sz="700" b="0" i="0" u="none" strike="noStrike">
+                        <a:solidFill>
+                          <a:srgbClr val="000000"/>
+                        </a:solidFill>
+                        <a:effectLst/>
+                        <a:latin typeface="Calibri" panose="020F0502020204030204" pitchFamily="34" charset="0"/>
+                      </a:endParaRPr>
+                    </a:p>
+                  </a:txBody>
+                  <a:tcPr marL="0" marR="0" marT="0" marB="0" anchor="b"/>
+                </a:tc>
+                <a:tc>
+                  <a:txBody>
+                    <a:bodyPr/>
+                    <a:lstStyle/>
+                    <a:p>
+                      <a:pPr algn="r" fontAlgn="b"/>
+                      <a:r>
+                        <a:rPr lang="en-US" sz="700" u="none" strike="noStrike">
+                          <a:effectLst/>
+                        </a:rPr>
+                        <a:t>1</a:t>
+                      </a:r>
+                      <a:endParaRPr lang="en-US" sz="700" b="0" i="0" u="none" strike="noStrike">
+                        <a:solidFill>
+                          <a:srgbClr val="000000"/>
+                        </a:solidFill>
+                        <a:effectLst/>
+                        <a:latin typeface="Calibri" panose="020F0502020204030204" pitchFamily="34" charset="0"/>
+                      </a:endParaRPr>
+                    </a:p>
+                  </a:txBody>
+                  <a:tcPr marL="0" marR="0" marT="0" marB="0" anchor="b"/>
+                </a:tc>
+                <a:tc>
+                  <a:txBody>
+                    <a:bodyPr/>
+                    <a:lstStyle/>
+                    <a:p>
+                      <a:pPr algn="r" fontAlgn="b"/>
+                      <a:r>
+                        <a:rPr lang="en-US" sz="700" u="none" strike="noStrike">
+                          <a:effectLst/>
+                        </a:rPr>
+                        <a:t>100</a:t>
+                      </a:r>
+                      <a:endParaRPr lang="en-US" sz="700" b="0" i="0" u="none" strike="noStrike">
+                        <a:solidFill>
+                          <a:srgbClr val="000000"/>
+                        </a:solidFill>
+                        <a:effectLst/>
+                        <a:latin typeface="Calibri" panose="020F0502020204030204" pitchFamily="34" charset="0"/>
+                      </a:endParaRPr>
+                    </a:p>
+                  </a:txBody>
+                  <a:tcPr marL="0" marR="0" marT="0" marB="0" anchor="b"/>
+                </a:tc>
+                <a:tc>
+                  <a:txBody>
+                    <a:bodyPr/>
+                    <a:lstStyle/>
+                    <a:p>
+                      <a:pPr algn="r" fontAlgn="b"/>
+                      <a:r>
+                        <a:rPr lang="en-US" sz="700" u="none" strike="noStrike">
+                          <a:effectLst/>
+                        </a:rPr>
+                        <a:t>1000</a:t>
+                      </a:r>
+                      <a:endParaRPr lang="en-US" sz="700" b="0" i="0" u="none" strike="noStrike">
+                        <a:solidFill>
+                          <a:srgbClr val="000000"/>
+                        </a:solidFill>
+                        <a:effectLst/>
+                        <a:latin typeface="Calibri" panose="020F0502020204030204" pitchFamily="34" charset="0"/>
+                      </a:endParaRPr>
+                    </a:p>
+                  </a:txBody>
+                  <a:tcPr marL="0" marR="0" marT="0" marB="0" anchor="b"/>
+                </a:tc>
+                <a:tc>
+                  <a:txBody>
+                    <a:bodyPr/>
+                    <a:lstStyle/>
+                    <a:p>
+                      <a:pPr algn="r" fontAlgn="b"/>
+                      <a:r>
+                        <a:rPr lang="en-US" sz="700" u="none" strike="noStrike">
+                          <a:effectLst/>
+                        </a:rPr>
+                        <a:t>1000</a:t>
+                      </a:r>
+                      <a:endParaRPr lang="en-US" sz="700" b="0" i="0" u="none" strike="noStrike">
+                        <a:solidFill>
+                          <a:srgbClr val="000000"/>
+                        </a:solidFill>
+                        <a:effectLst/>
+                        <a:latin typeface="Calibri" panose="020F0502020204030204" pitchFamily="34" charset="0"/>
+                      </a:endParaRPr>
+                    </a:p>
+                  </a:txBody>
+                  <a:tcPr marL="0" marR="0" marT="0" marB="0" anchor="b"/>
+                </a:tc>
+                <a:tc>
+                  <a:txBody>
+                    <a:bodyPr/>
+                    <a:lstStyle/>
+                    <a:p>
+                      <a:pPr algn="r" fontAlgn="b"/>
+                      <a:r>
+                        <a:rPr lang="en-US" sz="700" u="none" strike="noStrike">
+                          <a:effectLst/>
+                        </a:rPr>
+                        <a:t>10</a:t>
+                      </a:r>
+                      <a:endParaRPr lang="en-US" sz="700" b="0" i="0" u="none" strike="noStrike">
+                        <a:solidFill>
+                          <a:srgbClr val="000000"/>
+                        </a:solidFill>
+                        <a:effectLst/>
+                        <a:latin typeface="Calibri" panose="020F0502020204030204" pitchFamily="34" charset="0"/>
+                      </a:endParaRPr>
+                    </a:p>
+                  </a:txBody>
+                  <a:tcPr marL="0" marR="0" marT="0" marB="0" anchor="b"/>
+                </a:tc>
+                <a:tc>
+                  <a:txBody>
+                    <a:bodyPr/>
+                    <a:lstStyle/>
+                    <a:p>
+                      <a:pPr algn="r" fontAlgn="b"/>
+                      <a:r>
+                        <a:rPr lang="en-US" sz="700" u="none" strike="noStrike">
+                          <a:effectLst/>
+                        </a:rPr>
+                        <a:t>40</a:t>
+                      </a:r>
+                      <a:endParaRPr lang="en-US" sz="700" b="0" i="0" u="none" strike="noStrike">
+                        <a:solidFill>
+                          <a:srgbClr val="000000"/>
+                        </a:solidFill>
+                        <a:effectLst/>
+                        <a:latin typeface="Calibri" panose="020F0502020204030204" pitchFamily="34" charset="0"/>
+                      </a:endParaRPr>
+                    </a:p>
+                  </a:txBody>
+                  <a:tcPr marL="0" marR="0" marT="0" marB="0" anchor="b"/>
+                </a:tc>
+                <a:tc>
+                  <a:txBody>
+                    <a:bodyPr/>
+                    <a:lstStyle/>
+                    <a:p>
+                      <a:pPr algn="r" fontAlgn="b"/>
+                      <a:r>
+                        <a:rPr lang="en-US" sz="700" u="none" strike="noStrike">
+                          <a:effectLst/>
+                        </a:rPr>
+                        <a:t>9</a:t>
+                      </a:r>
+                      <a:endParaRPr lang="en-US" sz="700" b="0" i="0" u="none" strike="noStrike">
+                        <a:solidFill>
+                          <a:srgbClr val="000000"/>
+                        </a:solidFill>
+                        <a:effectLst/>
+                        <a:latin typeface="Calibri" panose="020F0502020204030204" pitchFamily="34" charset="0"/>
+                      </a:endParaRPr>
+                    </a:p>
+                  </a:txBody>
+                  <a:tcPr marL="0" marR="0" marT="0" marB="0" anchor="b"/>
+                </a:tc>
+                <a:tc>
+                  <a:txBody>
+                    <a:bodyPr/>
+                    <a:lstStyle/>
+                    <a:p>
+                      <a:pPr algn="r" fontAlgn="b"/>
+                      <a:r>
+                        <a:rPr lang="en-US" sz="700" u="none" strike="noStrike">
+                          <a:effectLst/>
+                        </a:rPr>
+                        <a:t>2</a:t>
+                      </a:r>
+                      <a:endParaRPr lang="en-US" sz="700" b="0" i="0" u="none" strike="noStrike">
+                        <a:solidFill>
+                          <a:srgbClr val="000000"/>
+                        </a:solidFill>
+                        <a:effectLst/>
+                        <a:latin typeface="Calibri" panose="020F0502020204030204" pitchFamily="34" charset="0"/>
+                      </a:endParaRPr>
+                    </a:p>
+                  </a:txBody>
+                  <a:tcPr marL="0" marR="0" marT="0" marB="0" anchor="b"/>
+                </a:tc>
+                <a:tc>
+                  <a:txBody>
+                    <a:bodyPr/>
+                    <a:lstStyle/>
+                    <a:p>
+                      <a:pPr algn="r" fontAlgn="b"/>
+                      <a:r>
+                        <a:rPr lang="en-US" sz="700" u="none" strike="noStrike">
+                          <a:effectLst/>
+                        </a:rPr>
+                        <a:t>1</a:t>
+                      </a:r>
+                      <a:endParaRPr lang="en-US" sz="700" b="0" i="0" u="none" strike="noStrike">
+                        <a:solidFill>
+                          <a:srgbClr val="000000"/>
+                        </a:solidFill>
+                        <a:effectLst/>
+                        <a:latin typeface="Calibri" panose="020F0502020204030204" pitchFamily="34" charset="0"/>
+                      </a:endParaRPr>
+                    </a:p>
+                  </a:txBody>
+                  <a:tcPr marL="0" marR="0" marT="0" marB="0" anchor="b"/>
+                </a:tc>
+                <a:tc>
+                  <a:txBody>
+                    <a:bodyPr/>
+                    <a:lstStyle/>
+                    <a:p>
+                      <a:pPr algn="r" fontAlgn="b"/>
+                      <a:r>
+                        <a:rPr lang="en-US" sz="700" u="none" strike="noStrike">
+                          <a:effectLst/>
+                        </a:rPr>
+                        <a:t>350</a:t>
+                      </a:r>
+                      <a:endParaRPr lang="en-US" sz="700" b="0" i="0" u="none" strike="noStrike">
+                        <a:solidFill>
+                          <a:srgbClr val="000000"/>
+                        </a:solidFill>
+                        <a:effectLst/>
+                        <a:latin typeface="Calibri" panose="020F0502020204030204" pitchFamily="34" charset="0"/>
+                      </a:endParaRPr>
+                    </a:p>
+                  </a:txBody>
+                  <a:tcPr marL="0" marR="0" marT="0" marB="0" anchor="b"/>
+                </a:tc>
+                <a:tc>
+                  <a:txBody>
+                    <a:bodyPr/>
+                    <a:lstStyle/>
+                    <a:p>
+                      <a:pPr algn="r" fontAlgn="b"/>
+                      <a:r>
+                        <a:rPr lang="en-US" sz="700" u="none" strike="noStrike">
+                          <a:effectLst/>
+                        </a:rPr>
+                        <a:t>1</a:t>
+                      </a:r>
+                      <a:endParaRPr lang="en-US" sz="700" b="0" i="0" u="none" strike="noStrike">
+                        <a:solidFill>
+                          <a:srgbClr val="000000"/>
+                        </a:solidFill>
+                        <a:effectLst/>
+                        <a:latin typeface="Calibri" panose="020F0502020204030204" pitchFamily="34" charset="0"/>
+                      </a:endParaRPr>
+                    </a:p>
+                  </a:txBody>
+                  <a:tcPr marL="0" marR="0" marT="0" marB="0" anchor="b"/>
+                </a:tc>
+                <a:tc>
+                  <a:txBody>
+                    <a:bodyPr/>
+                    <a:lstStyle/>
+                    <a:p>
+                      <a:pPr algn="l" fontAlgn="b"/>
+                      <a:endParaRPr lang="en-US" sz="700" b="0" i="0" u="none" strike="noStrike">
+                        <a:solidFill>
+                          <a:srgbClr val="000000"/>
+                        </a:solidFill>
+                        <a:effectLst/>
+                        <a:latin typeface="Calibri" panose="020F0502020204030204" pitchFamily="34" charset="0"/>
+                      </a:endParaRPr>
+                    </a:p>
+                  </a:txBody>
+                  <a:tcPr marL="0" marR="0" marT="0" marB="0" anchor="b"/>
+                </a:tc>
+                <a:tc>
+                  <a:txBody>
+                    <a:bodyPr/>
+                    <a:lstStyle/>
+                    <a:p>
+                      <a:pPr algn="r" fontAlgn="b"/>
+                      <a:r>
+                        <a:rPr lang="en-US" sz="700" u="none" strike="noStrike">
+                          <a:effectLst/>
+                        </a:rPr>
+                        <a:t>100</a:t>
+                      </a:r>
+                      <a:endParaRPr lang="en-US" sz="700" b="0" i="0" u="none" strike="noStrike">
+                        <a:solidFill>
+                          <a:srgbClr val="000000"/>
+                        </a:solidFill>
+                        <a:effectLst/>
+                        <a:latin typeface="Calibri" panose="020F0502020204030204" pitchFamily="34" charset="0"/>
+                      </a:endParaRPr>
+                    </a:p>
+                  </a:txBody>
+                  <a:tcPr marL="0" marR="0" marT="0" marB="0" anchor="b"/>
+                </a:tc>
+                <a:tc>
+                  <a:txBody>
+                    <a:bodyPr/>
+                    <a:lstStyle/>
+                    <a:p>
+                      <a:pPr algn="r" fontAlgn="b"/>
+                      <a:r>
+                        <a:rPr lang="en-US" sz="700" u="none" strike="noStrike">
+                          <a:effectLst/>
+                        </a:rPr>
+                        <a:t>0</a:t>
+                      </a:r>
+                      <a:endParaRPr lang="en-US" sz="700" b="0" i="0" u="none" strike="noStrike">
+                        <a:solidFill>
+                          <a:srgbClr val="000000"/>
+                        </a:solidFill>
+                        <a:effectLst/>
+                        <a:latin typeface="Calibri" panose="020F0502020204030204" pitchFamily="34" charset="0"/>
+                      </a:endParaRPr>
+                    </a:p>
+                  </a:txBody>
+                  <a:tcPr marL="0" marR="0" marT="0" marB="0" anchor="b"/>
+                </a:tc>
+                <a:tc>
+                  <a:txBody>
+                    <a:bodyPr/>
+                    <a:lstStyle/>
+                    <a:p>
+                      <a:pPr algn="l" fontAlgn="b"/>
+                      <a:r>
+                        <a:rPr lang="en-US" sz="700" u="none" strike="noStrike" dirty="0">
+                          <a:effectLst/>
+                        </a:rPr>
+                        <a:t>CHANGED THE ERROR IN STARTING HETEROZYGOSITIES</a:t>
+                      </a:r>
+                      <a:endParaRPr lang="en-US" sz="700" b="0" i="0" u="none" strike="noStrike" dirty="0">
+                        <a:solidFill>
+                          <a:srgbClr val="000000"/>
+                        </a:solidFill>
+                        <a:effectLst/>
+                        <a:latin typeface="Calibri" panose="020F0502020204030204" pitchFamily="34" charset="0"/>
+                      </a:endParaRPr>
+                    </a:p>
+                  </a:txBody>
+                  <a:tcPr marL="0" marR="0" marT="0" marB="0" anchor="b"/>
+                </a:tc>
+                <a:extLst>
+                  <a:ext uri="{0D108BD9-81ED-4DB2-BD59-A6C34878D82A}">
+                    <a16:rowId xmlns:a16="http://schemas.microsoft.com/office/drawing/2014/main" val="40756598"/>
+                  </a:ext>
+                </a:extLst>
+              </a:tr>
+            </a:tbl>
+          </a:graphicData>
+        </a:graphic>
+      </p:graphicFrame>
+      <p:pic>
+        <p:nvPicPr>
+          <p:cNvPr id="3" name="Picture 2">
+            <a:extLst>
+              <a:ext uri="{FF2B5EF4-FFF2-40B4-BE49-F238E27FC236}">
+                <a16:creationId xmlns:a16="http://schemas.microsoft.com/office/drawing/2014/main" id="{CF13F375-B1FE-B8AE-9F65-1661FF2C9FCB}"/>
+              </a:ext>
+            </a:extLst>
+          </p:cNvPr>
+          <p:cNvPicPr>
+            <a:picLocks noChangeAspect="1"/>
+          </p:cNvPicPr>
+          <p:nvPr/>
+        </p:nvPicPr>
+        <p:blipFill>
+          <a:blip r:embed="rId2"/>
+          <a:stretch>
+            <a:fillRect/>
+          </a:stretch>
+        </p:blipFill>
+        <p:spPr>
+          <a:xfrm>
+            <a:off x="490538" y="1304925"/>
+            <a:ext cx="2810666" cy="2520564"/>
+          </a:xfrm>
+          <a:prstGeom prst="rect">
+            <a:avLst/>
+          </a:prstGeom>
+        </p:spPr>
+      </p:pic>
+      <p:pic>
+        <p:nvPicPr>
+          <p:cNvPr id="6" name="Picture 5">
+            <a:extLst>
+              <a:ext uri="{FF2B5EF4-FFF2-40B4-BE49-F238E27FC236}">
+                <a16:creationId xmlns:a16="http://schemas.microsoft.com/office/drawing/2014/main" id="{BA86F546-477E-EC37-E136-08881A504BE5}"/>
+              </a:ext>
+            </a:extLst>
+          </p:cNvPr>
+          <p:cNvPicPr>
+            <a:picLocks noChangeAspect="1"/>
+          </p:cNvPicPr>
+          <p:nvPr/>
+        </p:nvPicPr>
+        <p:blipFill>
+          <a:blip r:embed="rId3"/>
+          <a:stretch>
+            <a:fillRect/>
+          </a:stretch>
+        </p:blipFill>
+        <p:spPr>
+          <a:xfrm>
+            <a:off x="3271837" y="1369699"/>
+            <a:ext cx="2738438" cy="2455790"/>
+          </a:xfrm>
+          <a:prstGeom prst="rect">
+            <a:avLst/>
+          </a:prstGeom>
+        </p:spPr>
+      </p:pic>
+      <p:pic>
+        <p:nvPicPr>
+          <p:cNvPr id="8" name="Picture 7">
+            <a:extLst>
+              <a:ext uri="{FF2B5EF4-FFF2-40B4-BE49-F238E27FC236}">
+                <a16:creationId xmlns:a16="http://schemas.microsoft.com/office/drawing/2014/main" id="{E0D72FD9-809F-0AFE-7FE6-6BE63E2EADA1}"/>
+              </a:ext>
+            </a:extLst>
+          </p:cNvPr>
+          <p:cNvPicPr>
+            <a:picLocks noChangeAspect="1"/>
+          </p:cNvPicPr>
+          <p:nvPr/>
+        </p:nvPicPr>
+        <p:blipFill>
+          <a:blip r:embed="rId4"/>
+          <a:stretch>
+            <a:fillRect/>
+          </a:stretch>
+        </p:blipFill>
+        <p:spPr>
+          <a:xfrm>
+            <a:off x="6096000" y="1476117"/>
+            <a:ext cx="1214438" cy="1089090"/>
+          </a:xfrm>
+          <a:prstGeom prst="rect">
+            <a:avLst/>
+          </a:prstGeom>
+        </p:spPr>
+      </p:pic>
+      <p:pic>
+        <p:nvPicPr>
+          <p:cNvPr id="10" name="Picture 9">
+            <a:extLst>
+              <a:ext uri="{FF2B5EF4-FFF2-40B4-BE49-F238E27FC236}">
+                <a16:creationId xmlns:a16="http://schemas.microsoft.com/office/drawing/2014/main" id="{3EFCCC58-845B-A73E-B7B3-66CB977DAA45}"/>
+              </a:ext>
+            </a:extLst>
+          </p:cNvPr>
+          <p:cNvPicPr>
+            <a:picLocks noChangeAspect="1"/>
+          </p:cNvPicPr>
+          <p:nvPr/>
+        </p:nvPicPr>
+        <p:blipFill>
+          <a:blip r:embed="rId5"/>
+          <a:stretch>
+            <a:fillRect/>
+          </a:stretch>
+        </p:blipFill>
+        <p:spPr>
+          <a:xfrm>
+            <a:off x="6405563" y="2574732"/>
+            <a:ext cx="1500188" cy="1345346"/>
+          </a:xfrm>
+          <a:prstGeom prst="rect">
+            <a:avLst/>
+          </a:prstGeom>
+        </p:spPr>
+      </p:pic>
+      <p:pic>
+        <p:nvPicPr>
+          <p:cNvPr id="12" name="Picture 11">
+            <a:extLst>
+              <a:ext uri="{FF2B5EF4-FFF2-40B4-BE49-F238E27FC236}">
+                <a16:creationId xmlns:a16="http://schemas.microsoft.com/office/drawing/2014/main" id="{688B050F-A39C-DFAE-61DD-28CE5B709AB8}"/>
+              </a:ext>
+            </a:extLst>
+          </p:cNvPr>
+          <p:cNvPicPr>
+            <a:picLocks noChangeAspect="1"/>
+          </p:cNvPicPr>
+          <p:nvPr/>
+        </p:nvPicPr>
+        <p:blipFill>
+          <a:blip r:embed="rId6"/>
+          <a:stretch>
+            <a:fillRect/>
+          </a:stretch>
+        </p:blipFill>
+        <p:spPr>
+          <a:xfrm>
+            <a:off x="439739" y="3825489"/>
+            <a:ext cx="2810667" cy="2520564"/>
+          </a:xfrm>
+          <a:prstGeom prst="rect">
+            <a:avLst/>
+          </a:prstGeom>
+        </p:spPr>
+      </p:pic>
+      <p:pic>
+        <p:nvPicPr>
+          <p:cNvPr id="14" name="Picture 13">
+            <a:extLst>
+              <a:ext uri="{FF2B5EF4-FFF2-40B4-BE49-F238E27FC236}">
+                <a16:creationId xmlns:a16="http://schemas.microsoft.com/office/drawing/2014/main" id="{36B17B5E-3A18-DD90-49A8-8897A90F2700}"/>
+              </a:ext>
+            </a:extLst>
+          </p:cNvPr>
+          <p:cNvPicPr>
+            <a:picLocks noChangeAspect="1"/>
+          </p:cNvPicPr>
+          <p:nvPr/>
+        </p:nvPicPr>
+        <p:blipFill>
+          <a:blip r:embed="rId7"/>
+          <a:stretch>
+            <a:fillRect/>
+          </a:stretch>
+        </p:blipFill>
+        <p:spPr>
+          <a:xfrm>
+            <a:off x="3281362" y="3825489"/>
+            <a:ext cx="2801141" cy="2512022"/>
+          </a:xfrm>
+          <a:prstGeom prst="rect">
+            <a:avLst/>
+          </a:prstGeom>
+        </p:spPr>
+      </p:pic>
+      <p:pic>
+        <p:nvPicPr>
+          <p:cNvPr id="16" name="Picture 15">
+            <a:extLst>
+              <a:ext uri="{FF2B5EF4-FFF2-40B4-BE49-F238E27FC236}">
+                <a16:creationId xmlns:a16="http://schemas.microsoft.com/office/drawing/2014/main" id="{7620C895-9835-1867-7E89-9FB71BBD3467}"/>
+              </a:ext>
+            </a:extLst>
+          </p:cNvPr>
+          <p:cNvPicPr>
+            <a:picLocks noChangeAspect="1"/>
+          </p:cNvPicPr>
+          <p:nvPr/>
+        </p:nvPicPr>
+        <p:blipFill>
+          <a:blip r:embed="rId8"/>
+          <a:stretch>
+            <a:fillRect/>
+          </a:stretch>
+        </p:blipFill>
+        <p:spPr>
+          <a:xfrm>
+            <a:off x="6082503" y="3920078"/>
+            <a:ext cx="2828137" cy="2536231"/>
+          </a:xfrm>
+          <a:prstGeom prst="rect">
+            <a:avLst/>
+          </a:prstGeom>
+        </p:spPr>
+      </p:pic>
+      <p:pic>
+        <p:nvPicPr>
+          <p:cNvPr id="18" name="Picture 17">
+            <a:extLst>
+              <a:ext uri="{FF2B5EF4-FFF2-40B4-BE49-F238E27FC236}">
+                <a16:creationId xmlns:a16="http://schemas.microsoft.com/office/drawing/2014/main" id="{B0812597-E5AB-62AE-6538-ED2CB47B2F83}"/>
+              </a:ext>
+            </a:extLst>
+          </p:cNvPr>
+          <p:cNvPicPr>
+            <a:picLocks noChangeAspect="1"/>
+          </p:cNvPicPr>
+          <p:nvPr/>
+        </p:nvPicPr>
+        <p:blipFill>
+          <a:blip r:embed="rId9"/>
+          <a:stretch>
+            <a:fillRect/>
+          </a:stretch>
+        </p:blipFill>
+        <p:spPr>
+          <a:xfrm>
+            <a:off x="9013823" y="1383866"/>
+            <a:ext cx="2738438" cy="2455790"/>
+          </a:xfrm>
+          <a:prstGeom prst="rect">
+            <a:avLst/>
+          </a:prstGeom>
+        </p:spPr>
+      </p:pic>
+      <p:pic>
+        <p:nvPicPr>
+          <p:cNvPr id="20" name="Picture 19">
+            <a:extLst>
+              <a:ext uri="{FF2B5EF4-FFF2-40B4-BE49-F238E27FC236}">
+                <a16:creationId xmlns:a16="http://schemas.microsoft.com/office/drawing/2014/main" id="{FA8533F8-DD87-FDE7-45B5-50A4C24BB705}"/>
+              </a:ext>
+            </a:extLst>
+          </p:cNvPr>
+          <p:cNvPicPr>
+            <a:picLocks noChangeAspect="1"/>
+          </p:cNvPicPr>
+          <p:nvPr/>
+        </p:nvPicPr>
+        <p:blipFill>
+          <a:blip r:embed="rId10"/>
+          <a:stretch>
+            <a:fillRect/>
+          </a:stretch>
+        </p:blipFill>
+        <p:spPr>
+          <a:xfrm>
+            <a:off x="9086051" y="3853605"/>
+            <a:ext cx="2738438" cy="2455790"/>
+          </a:xfrm>
+          <a:prstGeom prst="rect">
+            <a:avLst/>
+          </a:prstGeom>
+        </p:spPr>
+      </p:pic>
+      <p:sp>
+        <p:nvSpPr>
+          <p:cNvPr id="21" name="TextBox 20">
+            <a:extLst>
+              <a:ext uri="{FF2B5EF4-FFF2-40B4-BE49-F238E27FC236}">
+                <a16:creationId xmlns:a16="http://schemas.microsoft.com/office/drawing/2014/main" id="{360C5EB1-F5F4-3A4D-A603-6FD1DCC13DB1}"/>
+              </a:ext>
+            </a:extLst>
+          </p:cNvPr>
+          <p:cNvSpPr txBox="1"/>
+          <p:nvPr/>
+        </p:nvSpPr>
+        <p:spPr>
+          <a:xfrm>
+            <a:off x="74281" y="6378055"/>
+            <a:ext cx="6067110" cy="369332"/>
+          </a:xfrm>
+          <a:prstGeom prst="rect">
+            <a:avLst/>
+          </a:prstGeom>
+          <a:noFill/>
+        </p:spPr>
+        <p:txBody>
+          <a:bodyPr wrap="none" rtlCol="0">
+            <a:spAutoFit/>
+          </a:bodyPr>
+          <a:lstStyle/>
+          <a:p>
+            <a:r>
+              <a:rPr lang="en-US" dirty="0"/>
+              <a:t>This is the “ideal” in which population connectivity never stops</a:t>
+            </a:r>
+          </a:p>
+        </p:txBody>
+      </p:sp>
+    </p:spTree>
+    <p:extLst>
+      <p:ext uri="{BB962C8B-B14F-4D97-AF65-F5344CB8AC3E}">
+        <p14:creationId xmlns:p14="http://schemas.microsoft.com/office/powerpoint/2010/main" val="385524771"/>
+      </p:ext>
+    </p:extLst>
+  </p:cSld>
+  <p:clrMapOvr>
+    <a:masterClrMapping/>
+  </p:clrMapOvr>
+</p:sld>
+</file>
+
+<file path=ppt/slides/slide16.xml><?xml version="1.0" encoding="utf-8"?>
+<p:sld xmlns:a="http://schemas.openxmlformats.org/drawingml/2006/main" xmlns:r="http://schemas.openxmlformats.org/officeDocument/2006/relationships" xmlns:p="http://schemas.openxmlformats.org/presentationml/2006/main">
+  <p:cSld>
+    <p:spTree>
+      <p:nvGrpSpPr>
+        <p:cNvPr id="1" name=""/>
+        <p:cNvGrpSpPr/>
+        <p:nvPr/>
+      </p:nvGrpSpPr>
+      <p:grpSpPr>
+        <a:xfrm>
+          <a:off x="0" y="0"/>
+          <a:ext cx="0" cy="0"/>
+          <a:chOff x="0" y="0"/>
+          <a:chExt cx="0" cy="0"/>
+        </a:xfrm>
+      </p:grpSpPr>
+      <p:pic>
+        <p:nvPicPr>
+          <p:cNvPr id="7" name="Picture 6">
+            <a:extLst>
+              <a:ext uri="{FF2B5EF4-FFF2-40B4-BE49-F238E27FC236}">
+                <a16:creationId xmlns:a16="http://schemas.microsoft.com/office/drawing/2014/main" id="{9527C57F-E3C8-9CDB-F795-B43AA5776D84}"/>
+              </a:ext>
+            </a:extLst>
+          </p:cNvPr>
+          <p:cNvPicPr>
+            <a:picLocks noChangeAspect="1"/>
+          </p:cNvPicPr>
+          <p:nvPr/>
+        </p:nvPicPr>
+        <p:blipFill>
+          <a:blip r:embed="rId2"/>
+          <a:stretch>
+            <a:fillRect/>
+          </a:stretch>
+        </p:blipFill>
+        <p:spPr>
+          <a:xfrm>
+            <a:off x="195263" y="628650"/>
+            <a:ext cx="2814638" cy="2524125"/>
+          </a:xfrm>
+          <a:prstGeom prst="rect">
+            <a:avLst/>
+          </a:prstGeom>
+        </p:spPr>
+      </p:pic>
+      <p:pic>
+        <p:nvPicPr>
+          <p:cNvPr id="9" name="Picture 8">
+            <a:extLst>
+              <a:ext uri="{FF2B5EF4-FFF2-40B4-BE49-F238E27FC236}">
+                <a16:creationId xmlns:a16="http://schemas.microsoft.com/office/drawing/2014/main" id="{2B28DA94-D051-E053-09F1-521773BE1C6B}"/>
+              </a:ext>
+            </a:extLst>
+          </p:cNvPr>
+          <p:cNvPicPr>
+            <a:picLocks noChangeAspect="1"/>
+          </p:cNvPicPr>
+          <p:nvPr/>
+        </p:nvPicPr>
+        <p:blipFill>
+          <a:blip r:embed="rId3"/>
+          <a:stretch>
+            <a:fillRect/>
+          </a:stretch>
+        </p:blipFill>
+        <p:spPr>
+          <a:xfrm>
+            <a:off x="3119438" y="628650"/>
+            <a:ext cx="3081337" cy="2763297"/>
+          </a:xfrm>
+          <a:prstGeom prst="rect">
+            <a:avLst/>
+          </a:prstGeom>
+        </p:spPr>
+      </p:pic>
+      <p:pic>
+        <p:nvPicPr>
+          <p:cNvPr id="11" name="Picture 10">
+            <a:extLst>
+              <a:ext uri="{FF2B5EF4-FFF2-40B4-BE49-F238E27FC236}">
+                <a16:creationId xmlns:a16="http://schemas.microsoft.com/office/drawing/2014/main" id="{3927D675-BF31-49E7-D77C-E55B1E6D932B}"/>
+              </a:ext>
+            </a:extLst>
+          </p:cNvPr>
+          <p:cNvPicPr>
+            <a:picLocks noChangeAspect="1"/>
+          </p:cNvPicPr>
+          <p:nvPr/>
+        </p:nvPicPr>
+        <p:blipFill>
+          <a:blip r:embed="rId4"/>
+          <a:stretch>
+            <a:fillRect/>
+          </a:stretch>
+        </p:blipFill>
+        <p:spPr>
+          <a:xfrm>
+            <a:off x="6310312" y="628650"/>
+            <a:ext cx="3081337" cy="2763297"/>
+          </a:xfrm>
+          <a:prstGeom prst="rect">
+            <a:avLst/>
+          </a:prstGeom>
+        </p:spPr>
+      </p:pic>
+      <p:pic>
+        <p:nvPicPr>
+          <p:cNvPr id="13" name="Picture 12">
+            <a:extLst>
+              <a:ext uri="{FF2B5EF4-FFF2-40B4-BE49-F238E27FC236}">
+                <a16:creationId xmlns:a16="http://schemas.microsoft.com/office/drawing/2014/main" id="{8B6045CB-86C1-938F-4311-E85D237AAD4F}"/>
+              </a:ext>
+            </a:extLst>
+          </p:cNvPr>
+          <p:cNvPicPr>
+            <a:picLocks noChangeAspect="1"/>
+          </p:cNvPicPr>
+          <p:nvPr/>
+        </p:nvPicPr>
+        <p:blipFill>
+          <a:blip r:embed="rId5"/>
+          <a:stretch>
+            <a:fillRect/>
+          </a:stretch>
+        </p:blipFill>
+        <p:spPr>
+          <a:xfrm>
+            <a:off x="61913" y="3163348"/>
+            <a:ext cx="3081338" cy="2763298"/>
+          </a:xfrm>
+          <a:prstGeom prst="rect">
+            <a:avLst/>
+          </a:prstGeom>
+        </p:spPr>
+      </p:pic>
+      <p:pic>
+        <p:nvPicPr>
+          <p:cNvPr id="15" name="Picture 14">
+            <a:extLst>
+              <a:ext uri="{FF2B5EF4-FFF2-40B4-BE49-F238E27FC236}">
+                <a16:creationId xmlns:a16="http://schemas.microsoft.com/office/drawing/2014/main" id="{30146068-6834-7250-376A-045F5ABC3B29}"/>
+              </a:ext>
+            </a:extLst>
+          </p:cNvPr>
+          <p:cNvPicPr>
+            <a:picLocks noChangeAspect="1"/>
+          </p:cNvPicPr>
+          <p:nvPr/>
+        </p:nvPicPr>
+        <p:blipFill>
+          <a:blip r:embed="rId6"/>
+          <a:stretch>
+            <a:fillRect/>
+          </a:stretch>
+        </p:blipFill>
+        <p:spPr>
+          <a:xfrm>
+            <a:off x="3143251" y="3152775"/>
+            <a:ext cx="3262313" cy="2925594"/>
+          </a:xfrm>
+          <a:prstGeom prst="rect">
+            <a:avLst/>
+          </a:prstGeom>
+        </p:spPr>
+      </p:pic>
+      <p:pic>
+        <p:nvPicPr>
+          <p:cNvPr id="17" name="Picture 16">
+            <a:extLst>
+              <a:ext uri="{FF2B5EF4-FFF2-40B4-BE49-F238E27FC236}">
+                <a16:creationId xmlns:a16="http://schemas.microsoft.com/office/drawing/2014/main" id="{FD37856C-AFA1-2604-DF98-978D31183E48}"/>
+              </a:ext>
+            </a:extLst>
+          </p:cNvPr>
+          <p:cNvPicPr>
+            <a:picLocks noChangeAspect="1"/>
+          </p:cNvPicPr>
+          <p:nvPr/>
+        </p:nvPicPr>
+        <p:blipFill>
+          <a:blip r:embed="rId7"/>
+          <a:stretch>
+            <a:fillRect/>
+          </a:stretch>
+        </p:blipFill>
+        <p:spPr>
+          <a:xfrm>
+            <a:off x="6405564" y="3082200"/>
+            <a:ext cx="3176587" cy="2848716"/>
+          </a:xfrm>
+          <a:prstGeom prst="rect">
+            <a:avLst/>
+          </a:prstGeom>
+        </p:spPr>
+      </p:pic>
+      <p:sp>
+        <p:nvSpPr>
+          <p:cNvPr id="18" name="TextBox 17">
+            <a:extLst>
+              <a:ext uri="{FF2B5EF4-FFF2-40B4-BE49-F238E27FC236}">
+                <a16:creationId xmlns:a16="http://schemas.microsoft.com/office/drawing/2014/main" id="{ED289288-DB44-ED28-2407-CD02CF1E5527}"/>
+              </a:ext>
+            </a:extLst>
+          </p:cNvPr>
+          <p:cNvSpPr txBox="1"/>
+          <p:nvPr/>
+        </p:nvSpPr>
+        <p:spPr>
+          <a:xfrm>
+            <a:off x="74281" y="6378055"/>
+            <a:ext cx="11786816" cy="369332"/>
+          </a:xfrm>
+          <a:prstGeom prst="rect">
+            <a:avLst/>
+          </a:prstGeom>
+          <a:noFill/>
+        </p:spPr>
+        <p:txBody>
+          <a:bodyPr wrap="none" rtlCol="0">
+            <a:spAutoFit/>
+          </a:bodyPr>
+          <a:lstStyle/>
+          <a:p>
+            <a:r>
+              <a:rPr lang="en-US" dirty="0"/>
+              <a:t>This is the “ideal” in which population connectivity never stops. Different colors show the different starting allele frequencies</a:t>
+            </a:r>
+          </a:p>
+        </p:txBody>
+      </p:sp>
+      <p:pic>
+        <p:nvPicPr>
+          <p:cNvPr id="20" name="Picture 19">
+            <a:extLst>
+              <a:ext uri="{FF2B5EF4-FFF2-40B4-BE49-F238E27FC236}">
+                <a16:creationId xmlns:a16="http://schemas.microsoft.com/office/drawing/2014/main" id="{1D7BF62A-D6DE-1623-9321-E01BB9AB6DD4}"/>
+              </a:ext>
+            </a:extLst>
+          </p:cNvPr>
+          <p:cNvPicPr>
+            <a:picLocks noChangeAspect="1"/>
+          </p:cNvPicPr>
+          <p:nvPr/>
+        </p:nvPicPr>
+        <p:blipFill>
+          <a:blip r:embed="rId8"/>
+          <a:stretch>
+            <a:fillRect/>
+          </a:stretch>
+        </p:blipFill>
+        <p:spPr>
+          <a:xfrm>
+            <a:off x="386583" y="110566"/>
+            <a:ext cx="3055885" cy="769687"/>
+          </a:xfrm>
+          <a:prstGeom prst="rect">
+            <a:avLst/>
+          </a:prstGeom>
+        </p:spPr>
+      </p:pic>
+      <p:pic>
+        <p:nvPicPr>
+          <p:cNvPr id="22" name="Picture 21">
+            <a:extLst>
+              <a:ext uri="{FF2B5EF4-FFF2-40B4-BE49-F238E27FC236}">
+                <a16:creationId xmlns:a16="http://schemas.microsoft.com/office/drawing/2014/main" id="{54F3CA0F-9297-223B-DC62-784E15D4A23E}"/>
+              </a:ext>
+            </a:extLst>
+          </p:cNvPr>
+          <p:cNvPicPr>
+            <a:picLocks noChangeAspect="1"/>
+          </p:cNvPicPr>
+          <p:nvPr/>
+        </p:nvPicPr>
+        <p:blipFill>
+          <a:blip r:embed="rId9"/>
+          <a:stretch>
+            <a:fillRect/>
+          </a:stretch>
+        </p:blipFill>
+        <p:spPr>
+          <a:xfrm>
+            <a:off x="9507010" y="3082200"/>
+            <a:ext cx="2489727" cy="2232750"/>
+          </a:xfrm>
+          <a:prstGeom prst="rect">
+            <a:avLst/>
+          </a:prstGeom>
+        </p:spPr>
+      </p:pic>
+      <p:sp>
+        <p:nvSpPr>
+          <p:cNvPr id="23" name="TextBox 22">
+            <a:extLst>
+              <a:ext uri="{FF2B5EF4-FFF2-40B4-BE49-F238E27FC236}">
+                <a16:creationId xmlns:a16="http://schemas.microsoft.com/office/drawing/2014/main" id="{F3C22D18-E3BC-563B-9869-0F7CBAFE3B8B}"/>
+              </a:ext>
+            </a:extLst>
+          </p:cNvPr>
+          <p:cNvSpPr txBox="1"/>
+          <p:nvPr/>
+        </p:nvSpPr>
+        <p:spPr>
+          <a:xfrm>
+            <a:off x="9805458" y="3429000"/>
+            <a:ext cx="1967972" cy="523220"/>
+          </a:xfrm>
+          <a:prstGeom prst="rect">
+            <a:avLst/>
+          </a:prstGeom>
+          <a:noFill/>
+        </p:spPr>
+        <p:txBody>
+          <a:bodyPr wrap="square" rtlCol="0">
+            <a:spAutoFit/>
+          </a:bodyPr>
+          <a:lstStyle/>
+          <a:p>
+            <a:r>
+              <a:rPr lang="en-US" sz="1400" dirty="0"/>
+              <a:t>Note that Ne/Nc has same trend as LRS</a:t>
+            </a:r>
+          </a:p>
+        </p:txBody>
+      </p:sp>
+      <p:pic>
+        <p:nvPicPr>
+          <p:cNvPr id="25" name="Picture 24">
+            <a:extLst>
+              <a:ext uri="{FF2B5EF4-FFF2-40B4-BE49-F238E27FC236}">
+                <a16:creationId xmlns:a16="http://schemas.microsoft.com/office/drawing/2014/main" id="{67C65C60-20B7-F85A-E1FB-7FFDA6522C5D}"/>
+              </a:ext>
+            </a:extLst>
+          </p:cNvPr>
+          <p:cNvPicPr>
+            <a:picLocks noChangeAspect="1"/>
+          </p:cNvPicPr>
+          <p:nvPr/>
+        </p:nvPicPr>
+        <p:blipFill>
+          <a:blip r:embed="rId10"/>
+          <a:stretch>
+            <a:fillRect/>
+          </a:stretch>
+        </p:blipFill>
+        <p:spPr>
+          <a:xfrm>
+            <a:off x="9625014" y="956784"/>
+            <a:ext cx="2505073" cy="2246512"/>
+          </a:xfrm>
+          <a:prstGeom prst="rect">
+            <a:avLst/>
+          </a:prstGeom>
+        </p:spPr>
+      </p:pic>
+    </p:spTree>
+    <p:extLst>
+      <p:ext uri="{BB962C8B-B14F-4D97-AF65-F5344CB8AC3E}">
+        <p14:creationId xmlns:p14="http://schemas.microsoft.com/office/powerpoint/2010/main" val="2386833489"/>
+      </p:ext>
+    </p:extLst>
+  </p:cSld>
+  <p:clrMapOvr>
+    <a:masterClrMapping/>
+  </p:clrMapOvr>
+</p:sld>
+</file>
+
 <file path=ppt/slides/slide2.xml><?xml version="1.0" encoding="utf-8"?>
 <p:sld xmlns:a="http://schemas.openxmlformats.org/drawingml/2006/main" xmlns:r="http://schemas.openxmlformats.org/officeDocument/2006/relationships" xmlns:p="http://schemas.openxmlformats.org/presentationml/2006/main">
   <p:cSld>

--- a/Output_local/holding/figs/Figs_2.9.23.pptx
+++ b/Output_local/holding/figs/Figs_2.9.23.pptx
@@ -225,7 +225,7 @@
           <a:p>
             <a:fld id="{7CAA324E-A35A-4DB3-97D7-1D4F2911AA6E}" type="datetimeFigureOut">
               <a:rPr lang="en-US" smtClean="0"/>
-              <a:t>2/20/2023</a:t>
+              <a:t>3/2/2023</a:t>
             </a:fld>
             <a:endParaRPr lang="en-US"/>
           </a:p>
@@ -822,7 +822,7 @@
           <a:p>
             <a:fld id="{962CC0B1-69B9-47DF-92B7-C17862251811}" type="datetimeFigureOut">
               <a:rPr lang="en-US" smtClean="0"/>
-              <a:t>2/20/2023</a:t>
+              <a:t>3/2/2023</a:t>
             </a:fld>
             <a:endParaRPr lang="en-US"/>
           </a:p>
@@ -1020,7 +1020,7 @@
           <a:p>
             <a:fld id="{962CC0B1-69B9-47DF-92B7-C17862251811}" type="datetimeFigureOut">
               <a:rPr lang="en-US" smtClean="0"/>
-              <a:t>2/20/2023</a:t>
+              <a:t>3/2/2023</a:t>
             </a:fld>
             <a:endParaRPr lang="en-US"/>
           </a:p>
@@ -1228,7 +1228,7 @@
           <a:p>
             <a:fld id="{962CC0B1-69B9-47DF-92B7-C17862251811}" type="datetimeFigureOut">
               <a:rPr lang="en-US" smtClean="0"/>
-              <a:t>2/20/2023</a:t>
+              <a:t>3/2/2023</a:t>
             </a:fld>
             <a:endParaRPr lang="en-US"/>
           </a:p>
@@ -1426,7 +1426,7 @@
           <a:p>
             <a:fld id="{962CC0B1-69B9-47DF-92B7-C17862251811}" type="datetimeFigureOut">
               <a:rPr lang="en-US" smtClean="0"/>
-              <a:t>2/20/2023</a:t>
+              <a:t>3/2/2023</a:t>
             </a:fld>
             <a:endParaRPr lang="en-US"/>
           </a:p>
@@ -1701,7 +1701,7 @@
           <a:p>
             <a:fld id="{962CC0B1-69B9-47DF-92B7-C17862251811}" type="datetimeFigureOut">
               <a:rPr lang="en-US" smtClean="0"/>
-              <a:t>2/20/2023</a:t>
+              <a:t>3/2/2023</a:t>
             </a:fld>
             <a:endParaRPr lang="en-US"/>
           </a:p>
@@ -1966,7 +1966,7 @@
           <a:p>
             <a:fld id="{962CC0B1-69B9-47DF-92B7-C17862251811}" type="datetimeFigureOut">
               <a:rPr lang="en-US" smtClean="0"/>
-              <a:t>2/20/2023</a:t>
+              <a:t>3/2/2023</a:t>
             </a:fld>
             <a:endParaRPr lang="en-US"/>
           </a:p>
@@ -2378,7 +2378,7 @@
           <a:p>
             <a:fld id="{962CC0B1-69B9-47DF-92B7-C17862251811}" type="datetimeFigureOut">
               <a:rPr lang="en-US" smtClean="0"/>
-              <a:t>2/20/2023</a:t>
+              <a:t>3/2/2023</a:t>
             </a:fld>
             <a:endParaRPr lang="en-US"/>
           </a:p>
@@ -2519,7 +2519,7 @@
           <a:p>
             <a:fld id="{962CC0B1-69B9-47DF-92B7-C17862251811}" type="datetimeFigureOut">
               <a:rPr lang="en-US" smtClean="0"/>
-              <a:t>2/20/2023</a:t>
+              <a:t>3/2/2023</a:t>
             </a:fld>
             <a:endParaRPr lang="en-US"/>
           </a:p>
@@ -2632,7 +2632,7 @@
           <a:p>
             <a:fld id="{962CC0B1-69B9-47DF-92B7-C17862251811}" type="datetimeFigureOut">
               <a:rPr lang="en-US" smtClean="0"/>
-              <a:t>2/20/2023</a:t>
+              <a:t>3/2/2023</a:t>
             </a:fld>
             <a:endParaRPr lang="en-US"/>
           </a:p>
@@ -2943,7 +2943,7 @@
           <a:p>
             <a:fld id="{962CC0B1-69B9-47DF-92B7-C17862251811}" type="datetimeFigureOut">
               <a:rPr lang="en-US" smtClean="0"/>
-              <a:t>2/20/2023</a:t>
+              <a:t>3/2/2023</a:t>
             </a:fld>
             <a:endParaRPr lang="en-US"/>
           </a:p>
@@ -3231,7 +3231,7 @@
           <a:p>
             <a:fld id="{962CC0B1-69B9-47DF-92B7-C17862251811}" type="datetimeFigureOut">
               <a:rPr lang="en-US" smtClean="0"/>
-              <a:t>2/20/2023</a:t>
+              <a:t>3/2/2023</a:t>
             </a:fld>
             <a:endParaRPr lang="en-US"/>
           </a:p>
@@ -3472,7 +3472,7 @@
           <a:p>
             <a:fld id="{962CC0B1-69B9-47DF-92B7-C17862251811}" type="datetimeFigureOut">
               <a:rPr lang="en-US" smtClean="0"/>
-              <a:t>2/20/2023</a:t>
+              <a:t>3/2/2023</a:t>
             </a:fld>
             <a:endParaRPr lang="en-US"/>
           </a:p>
@@ -22425,6 +22425,1664 @@
           <a:chExt cx="0" cy="0"/>
         </a:xfrm>
       </p:grpSpPr>
+      <p:sp>
+        <p:nvSpPr>
+          <p:cNvPr id="2" name="Rectangle 1">
+            <a:extLst>
+              <a:ext uri="{FF2B5EF4-FFF2-40B4-BE49-F238E27FC236}">
+                <a16:creationId xmlns:a16="http://schemas.microsoft.com/office/drawing/2014/main" id="{4A31741C-181A-7838-5152-122BDA2A8659}"/>
+              </a:ext>
+            </a:extLst>
+          </p:cNvPr>
+          <p:cNvSpPr/>
+          <p:nvPr/>
+        </p:nvSpPr>
+        <p:spPr>
+          <a:xfrm>
+            <a:off x="-2069802" y="0"/>
+            <a:ext cx="14841906" cy="369332"/>
+          </a:xfrm>
+          <a:prstGeom prst="rect">
+            <a:avLst/>
+          </a:prstGeom>
+          <a:noFill/>
+        </p:spPr>
+        <p:txBody>
+          <a:bodyPr wrap="square" lIns="91440" tIns="45720" rIns="91440" bIns="45720">
+            <a:spAutoFit/>
+          </a:bodyPr>
+          <a:lstStyle/>
+          <a:p>
+            <a:pPr algn="ctr"/>
+            <a:r>
+              <a:rPr lang="en-US" b="0" cap="none" spc="0" dirty="0">
+                <a:ln w="0"/>
+                <a:solidFill>
+                  <a:schemeClr val="tx1"/>
+                </a:solidFill>
+                <a:effectLst>
+                  <a:outerShdw blurRad="38100" dist="19050" dir="2700000" algn="tl" rotWithShape="0">
+                    <a:schemeClr val="dk1">
+                      <a:alpha val="40000"/>
+                    </a:schemeClr>
+                  </a:outerShdw>
+                </a:effectLst>
+              </a:rPr>
+              <a:t>After adding </a:t>
+            </a:r>
+            <a:r>
+              <a:rPr lang="en-US" b="0" cap="none" spc="0" dirty="0" err="1">
+                <a:ln w="0"/>
+                <a:solidFill>
+                  <a:schemeClr val="tx1"/>
+                </a:solidFill>
+                <a:effectLst>
+                  <a:outerShdw blurRad="38100" dist="19050" dir="2700000" algn="tl" rotWithShape="0">
+                    <a:schemeClr val="dk1">
+                      <a:alpha val="40000"/>
+                    </a:schemeClr>
+                  </a:outerShdw>
+                </a:effectLst>
+              </a:rPr>
+              <a:t>allee</a:t>
+            </a:r>
+            <a:r>
+              <a:rPr lang="en-US" b="0" cap="none" spc="0" dirty="0">
+                <a:ln w="0"/>
+                <a:solidFill>
+                  <a:schemeClr val="tx1"/>
+                </a:solidFill>
+                <a:effectLst>
+                  <a:outerShdw blurRad="38100" dist="19050" dir="2700000" algn="tl" rotWithShape="0">
+                    <a:schemeClr val="dk1">
+                      <a:alpha val="40000"/>
+                    </a:schemeClr>
+                  </a:outerShdw>
+                </a:effectLst>
+              </a:rPr>
+              <a:t> effects – compare to </a:t>
+            </a:r>
+            <a:r>
+              <a:rPr lang="en-US" b="0" cap="none" spc="0" dirty="0" err="1">
+                <a:ln w="0"/>
+                <a:solidFill>
+                  <a:schemeClr val="tx1"/>
+                </a:solidFill>
+                <a:effectLst>
+                  <a:outerShdw blurRad="38100" dist="19050" dir="2700000" algn="tl" rotWithShape="0">
+                    <a:schemeClr val="dk1">
+                      <a:alpha val="40000"/>
+                    </a:schemeClr>
+                  </a:outerShdw>
+                </a:effectLst>
+              </a:rPr>
+              <a:t>run_bb</a:t>
+            </a:r>
+            <a:r>
+              <a:rPr lang="en-US" b="0" cap="none" spc="0" dirty="0">
+                <a:ln w="0"/>
+                <a:solidFill>
+                  <a:schemeClr val="tx1"/>
+                </a:solidFill>
+                <a:effectLst>
+                  <a:outerShdw blurRad="38100" dist="19050" dir="2700000" algn="tl" rotWithShape="0">
+                    <a:schemeClr val="dk1">
+                      <a:alpha val="40000"/>
+                    </a:schemeClr>
+                  </a:outerShdw>
+                </a:effectLst>
+              </a:rPr>
+              <a:t> to check if </a:t>
+            </a:r>
+            <a:r>
+              <a:rPr lang="en-US" b="0" cap="none" spc="0" dirty="0" err="1">
+                <a:ln w="0"/>
+                <a:solidFill>
+                  <a:schemeClr val="tx1"/>
+                </a:solidFill>
+                <a:effectLst>
+                  <a:outerShdw blurRad="38100" dist="19050" dir="2700000" algn="tl" rotWithShape="0">
+                    <a:schemeClr val="dk1">
+                      <a:alpha val="40000"/>
+                    </a:schemeClr>
+                  </a:outerShdw>
+                </a:effectLst>
+              </a:rPr>
+              <a:t>allee</a:t>
+            </a:r>
+            <a:r>
+              <a:rPr lang="en-US" b="0" cap="none" spc="0" dirty="0">
+                <a:ln w="0"/>
+                <a:solidFill>
+                  <a:schemeClr val="tx1"/>
+                </a:solidFill>
+                <a:effectLst>
+                  <a:outerShdw blurRad="38100" dist="19050" dir="2700000" algn="tl" rotWithShape="0">
+                    <a:schemeClr val="dk1">
+                      <a:alpha val="40000"/>
+                    </a:schemeClr>
+                  </a:outerShdw>
+                </a:effectLst>
+              </a:rPr>
+              <a:t> effect working ok</a:t>
+            </a:r>
+          </a:p>
+        </p:txBody>
+      </p:sp>
+      <p:pic>
+        <p:nvPicPr>
+          <p:cNvPr id="24" name="Picture 23">
+            <a:extLst>
+              <a:ext uri="{FF2B5EF4-FFF2-40B4-BE49-F238E27FC236}">
+                <a16:creationId xmlns:a16="http://schemas.microsoft.com/office/drawing/2014/main" id="{E28FDB98-022A-1284-9AFC-62E9DF39485E}"/>
+              </a:ext>
+            </a:extLst>
+          </p:cNvPr>
+          <p:cNvPicPr>
+            <a:picLocks noChangeAspect="1"/>
+          </p:cNvPicPr>
+          <p:nvPr/>
+        </p:nvPicPr>
+        <p:blipFill>
+          <a:blip r:embed="rId2"/>
+          <a:stretch>
+            <a:fillRect/>
+          </a:stretch>
+        </p:blipFill>
+        <p:spPr>
+          <a:xfrm>
+            <a:off x="415259" y="369331"/>
+            <a:ext cx="2603244" cy="2771535"/>
+          </a:xfrm>
+          <a:prstGeom prst="rect">
+            <a:avLst/>
+          </a:prstGeom>
+        </p:spPr>
+      </p:pic>
+      <p:pic>
+        <p:nvPicPr>
+          <p:cNvPr id="26" name="Picture 25">
+            <a:extLst>
+              <a:ext uri="{FF2B5EF4-FFF2-40B4-BE49-F238E27FC236}">
+                <a16:creationId xmlns:a16="http://schemas.microsoft.com/office/drawing/2014/main" id="{27A09410-8DB1-05B4-94C4-DC3DB150A4BF}"/>
+              </a:ext>
+            </a:extLst>
+          </p:cNvPr>
+          <p:cNvPicPr>
+            <a:picLocks noChangeAspect="1"/>
+          </p:cNvPicPr>
+          <p:nvPr/>
+        </p:nvPicPr>
+        <p:blipFill>
+          <a:blip r:embed="rId3"/>
+          <a:stretch>
+            <a:fillRect/>
+          </a:stretch>
+        </p:blipFill>
+        <p:spPr>
+          <a:xfrm>
+            <a:off x="3018503" y="421671"/>
+            <a:ext cx="2554083" cy="2719195"/>
+          </a:xfrm>
+          <a:prstGeom prst="rect">
+            <a:avLst/>
+          </a:prstGeom>
+        </p:spPr>
+      </p:pic>
+      <p:pic>
+        <p:nvPicPr>
+          <p:cNvPr id="28" name="Picture 27">
+            <a:extLst>
+              <a:ext uri="{FF2B5EF4-FFF2-40B4-BE49-F238E27FC236}">
+                <a16:creationId xmlns:a16="http://schemas.microsoft.com/office/drawing/2014/main" id="{A5616FD3-5005-97BA-E180-C59927073172}"/>
+              </a:ext>
+            </a:extLst>
+          </p:cNvPr>
+          <p:cNvPicPr>
+            <a:picLocks noChangeAspect="1"/>
+          </p:cNvPicPr>
+          <p:nvPr/>
+        </p:nvPicPr>
+        <p:blipFill>
+          <a:blip r:embed="rId4"/>
+          <a:stretch>
+            <a:fillRect/>
+          </a:stretch>
+        </p:blipFill>
+        <p:spPr>
+          <a:xfrm>
+            <a:off x="5572586" y="369332"/>
+            <a:ext cx="2725840" cy="2902056"/>
+          </a:xfrm>
+          <a:prstGeom prst="rect">
+            <a:avLst/>
+          </a:prstGeom>
+        </p:spPr>
+      </p:pic>
+      <p:pic>
+        <p:nvPicPr>
+          <p:cNvPr id="30" name="Picture 29">
+            <a:extLst>
+              <a:ext uri="{FF2B5EF4-FFF2-40B4-BE49-F238E27FC236}">
+                <a16:creationId xmlns:a16="http://schemas.microsoft.com/office/drawing/2014/main" id="{8049DD8D-2E22-B2CA-260D-B65BA0A2D415}"/>
+              </a:ext>
+            </a:extLst>
+          </p:cNvPr>
+          <p:cNvPicPr>
+            <a:picLocks noChangeAspect="1"/>
+          </p:cNvPicPr>
+          <p:nvPr/>
+        </p:nvPicPr>
+        <p:blipFill>
+          <a:blip r:embed="rId5"/>
+          <a:stretch>
+            <a:fillRect/>
+          </a:stretch>
+        </p:blipFill>
+        <p:spPr>
+          <a:xfrm>
+            <a:off x="8298426" y="500179"/>
+            <a:ext cx="2554083" cy="2719195"/>
+          </a:xfrm>
+          <a:prstGeom prst="rect">
+            <a:avLst/>
+          </a:prstGeom>
+        </p:spPr>
+      </p:pic>
+      <p:pic>
+        <p:nvPicPr>
+          <p:cNvPr id="32" name="Picture 31">
+            <a:extLst>
+              <a:ext uri="{FF2B5EF4-FFF2-40B4-BE49-F238E27FC236}">
+                <a16:creationId xmlns:a16="http://schemas.microsoft.com/office/drawing/2014/main" id="{41736260-3DE4-A1F9-DC7A-FE415D8D5AA8}"/>
+              </a:ext>
+            </a:extLst>
+          </p:cNvPr>
+          <p:cNvPicPr>
+            <a:picLocks noChangeAspect="1"/>
+          </p:cNvPicPr>
+          <p:nvPr/>
+        </p:nvPicPr>
+        <p:blipFill>
+          <a:blip r:embed="rId6"/>
+          <a:stretch>
+            <a:fillRect/>
+          </a:stretch>
+        </p:blipFill>
+        <p:spPr>
+          <a:xfrm>
+            <a:off x="292663" y="3428999"/>
+            <a:ext cx="2824721" cy="3007329"/>
+          </a:xfrm>
+          <a:prstGeom prst="rect">
+            <a:avLst/>
+          </a:prstGeom>
+        </p:spPr>
+      </p:pic>
+      <p:pic>
+        <p:nvPicPr>
+          <p:cNvPr id="34" name="Picture 33">
+            <a:extLst>
+              <a:ext uri="{FF2B5EF4-FFF2-40B4-BE49-F238E27FC236}">
+                <a16:creationId xmlns:a16="http://schemas.microsoft.com/office/drawing/2014/main" id="{2C0C797D-CC46-6C34-828D-5FE21BDF707A}"/>
+              </a:ext>
+            </a:extLst>
+          </p:cNvPr>
+          <p:cNvPicPr>
+            <a:picLocks noChangeAspect="1"/>
+          </p:cNvPicPr>
+          <p:nvPr/>
+        </p:nvPicPr>
+        <p:blipFill rotWithShape="1">
+          <a:blip r:embed="rId7"/>
+          <a:srcRect b="71855"/>
+          <a:stretch/>
+        </p:blipFill>
+        <p:spPr>
+          <a:xfrm>
+            <a:off x="1007783" y="3192759"/>
+            <a:ext cx="2766300" cy="371053"/>
+          </a:xfrm>
+          <a:prstGeom prst="rect">
+            <a:avLst/>
+          </a:prstGeom>
+        </p:spPr>
+      </p:pic>
+      <p:pic>
+        <p:nvPicPr>
+          <p:cNvPr id="39" name="Picture 38">
+            <a:extLst>
+              <a:ext uri="{FF2B5EF4-FFF2-40B4-BE49-F238E27FC236}">
+                <a16:creationId xmlns:a16="http://schemas.microsoft.com/office/drawing/2014/main" id="{5C44683B-64EF-89F9-9EF7-720ECED10E78}"/>
+              </a:ext>
+            </a:extLst>
+          </p:cNvPr>
+          <p:cNvPicPr>
+            <a:picLocks noChangeAspect="1"/>
+          </p:cNvPicPr>
+          <p:nvPr/>
+        </p:nvPicPr>
+        <p:blipFill>
+          <a:blip r:embed="rId8"/>
+          <a:stretch>
+            <a:fillRect/>
+          </a:stretch>
+        </p:blipFill>
+        <p:spPr>
+          <a:xfrm>
+            <a:off x="4770005" y="3131794"/>
+            <a:ext cx="2651990" cy="594412"/>
+          </a:xfrm>
+          <a:prstGeom prst="rect">
+            <a:avLst/>
+          </a:prstGeom>
+        </p:spPr>
+      </p:pic>
+      <p:pic>
+        <p:nvPicPr>
+          <p:cNvPr id="41" name="Picture 40">
+            <a:extLst>
+              <a:ext uri="{FF2B5EF4-FFF2-40B4-BE49-F238E27FC236}">
+                <a16:creationId xmlns:a16="http://schemas.microsoft.com/office/drawing/2014/main" id="{99842648-782A-62D1-A6FC-9AEC1B26A8CA}"/>
+              </a:ext>
+            </a:extLst>
+          </p:cNvPr>
+          <p:cNvPicPr>
+            <a:picLocks noChangeAspect="1"/>
+          </p:cNvPicPr>
+          <p:nvPr/>
+        </p:nvPicPr>
+        <p:blipFill>
+          <a:blip r:embed="rId9"/>
+          <a:stretch>
+            <a:fillRect/>
+          </a:stretch>
+        </p:blipFill>
+        <p:spPr>
+          <a:xfrm>
+            <a:off x="3271278" y="3726206"/>
+            <a:ext cx="2824722" cy="3007330"/>
+          </a:xfrm>
+          <a:prstGeom prst="rect">
+            <a:avLst/>
+          </a:prstGeom>
+        </p:spPr>
+      </p:pic>
+      <p:pic>
+        <p:nvPicPr>
+          <p:cNvPr id="43" name="Picture 42">
+            <a:extLst>
+              <a:ext uri="{FF2B5EF4-FFF2-40B4-BE49-F238E27FC236}">
+                <a16:creationId xmlns:a16="http://schemas.microsoft.com/office/drawing/2014/main" id="{89D63E48-17DC-DB55-8B8C-5248587D6CBF}"/>
+              </a:ext>
+            </a:extLst>
+          </p:cNvPr>
+          <p:cNvPicPr>
+            <a:picLocks noChangeAspect="1"/>
+          </p:cNvPicPr>
+          <p:nvPr/>
+        </p:nvPicPr>
+        <p:blipFill>
+          <a:blip r:embed="rId10"/>
+          <a:stretch>
+            <a:fillRect/>
+          </a:stretch>
+        </p:blipFill>
+        <p:spPr>
+          <a:xfrm>
+            <a:off x="6096000" y="3726206"/>
+            <a:ext cx="2824722" cy="3007330"/>
+          </a:xfrm>
+          <a:prstGeom prst="rect">
+            <a:avLst/>
+          </a:prstGeom>
+        </p:spPr>
+      </p:pic>
+      <p:graphicFrame>
+        <p:nvGraphicFramePr>
+          <p:cNvPr id="44" name="Table 43">
+            <a:extLst>
+              <a:ext uri="{FF2B5EF4-FFF2-40B4-BE49-F238E27FC236}">
+                <a16:creationId xmlns:a16="http://schemas.microsoft.com/office/drawing/2014/main" id="{4E6786FD-C75D-DF20-C0AE-C2701267ABA8}"/>
+              </a:ext>
+            </a:extLst>
+          </p:cNvPr>
+          <p:cNvGraphicFramePr>
+            <a:graphicFrameLocks noGrp="1"/>
+          </p:cNvGraphicFramePr>
+          <p:nvPr>
+            <p:extLst>
+              <p:ext uri="{D42A27DB-BD31-4B8C-83A1-F6EECF244321}">
+                <p14:modId xmlns:p14="http://schemas.microsoft.com/office/powerpoint/2010/main" val="168841355"/>
+              </p:ext>
+            </p:extLst>
+          </p:nvPr>
+        </p:nvGraphicFramePr>
+        <p:xfrm>
+          <a:off x="651387" y="316938"/>
+          <a:ext cx="10515594" cy="259510"/>
+        </p:xfrm>
+        <a:graphic>
+          <a:graphicData uri="http://schemas.openxmlformats.org/drawingml/2006/table">
+            <a:tbl>
+              <a:tblPr>
+                <a:tableStyleId>{5C22544A-7EE6-4342-B048-85BDC9FD1C3A}</a:tableStyleId>
+              </a:tblPr>
+              <a:tblGrid>
+                <a:gridCol w="955144">
+                  <a:extLst>
+                    <a:ext uri="{9D8B030D-6E8A-4147-A177-3AD203B41FA5}">
+                      <a16:colId xmlns:a16="http://schemas.microsoft.com/office/drawing/2014/main" val="1895694163"/>
+                    </a:ext>
+                  </a:extLst>
+                </a:gridCol>
+                <a:gridCol w="477572">
+                  <a:extLst>
+                    <a:ext uri="{9D8B030D-6E8A-4147-A177-3AD203B41FA5}">
+                      <a16:colId xmlns:a16="http://schemas.microsoft.com/office/drawing/2014/main" val="1965440939"/>
+                    </a:ext>
+                  </a:extLst>
+                </a:gridCol>
+                <a:gridCol w="432518">
+                  <a:extLst>
+                    <a:ext uri="{9D8B030D-6E8A-4147-A177-3AD203B41FA5}">
+                      <a16:colId xmlns:a16="http://schemas.microsoft.com/office/drawing/2014/main" val="3549284317"/>
+                    </a:ext>
+                  </a:extLst>
+                </a:gridCol>
+                <a:gridCol w="432518">
+                  <a:extLst>
+                    <a:ext uri="{9D8B030D-6E8A-4147-A177-3AD203B41FA5}">
+                      <a16:colId xmlns:a16="http://schemas.microsoft.com/office/drawing/2014/main" val="3174377616"/>
+                    </a:ext>
+                  </a:extLst>
+                </a:gridCol>
+                <a:gridCol w="432518">
+                  <a:extLst>
+                    <a:ext uri="{9D8B030D-6E8A-4147-A177-3AD203B41FA5}">
+                      <a16:colId xmlns:a16="http://schemas.microsoft.com/office/drawing/2014/main" val="2568316944"/>
+                    </a:ext>
+                  </a:extLst>
+                </a:gridCol>
+                <a:gridCol w="432518">
+                  <a:extLst>
+                    <a:ext uri="{9D8B030D-6E8A-4147-A177-3AD203B41FA5}">
+                      <a16:colId xmlns:a16="http://schemas.microsoft.com/office/drawing/2014/main" val="3912907343"/>
+                    </a:ext>
+                  </a:extLst>
+                </a:gridCol>
+                <a:gridCol w="432518">
+                  <a:extLst>
+                    <a:ext uri="{9D8B030D-6E8A-4147-A177-3AD203B41FA5}">
+                      <a16:colId xmlns:a16="http://schemas.microsoft.com/office/drawing/2014/main" val="482041094"/>
+                    </a:ext>
+                  </a:extLst>
+                </a:gridCol>
+                <a:gridCol w="432518">
+                  <a:extLst>
+                    <a:ext uri="{9D8B030D-6E8A-4147-A177-3AD203B41FA5}">
+                      <a16:colId xmlns:a16="http://schemas.microsoft.com/office/drawing/2014/main" val="869603691"/>
+                    </a:ext>
+                  </a:extLst>
+                </a:gridCol>
+                <a:gridCol w="432518">
+                  <a:extLst>
+                    <a:ext uri="{9D8B030D-6E8A-4147-A177-3AD203B41FA5}">
+                      <a16:colId xmlns:a16="http://schemas.microsoft.com/office/drawing/2014/main" val="284376549"/>
+                    </a:ext>
+                  </a:extLst>
+                </a:gridCol>
+                <a:gridCol w="432518">
+                  <a:extLst>
+                    <a:ext uri="{9D8B030D-6E8A-4147-A177-3AD203B41FA5}">
+                      <a16:colId xmlns:a16="http://schemas.microsoft.com/office/drawing/2014/main" val="602294814"/>
+                    </a:ext>
+                  </a:extLst>
+                </a:gridCol>
+                <a:gridCol w="432518">
+                  <a:extLst>
+                    <a:ext uri="{9D8B030D-6E8A-4147-A177-3AD203B41FA5}">
+                      <a16:colId xmlns:a16="http://schemas.microsoft.com/office/drawing/2014/main" val="2269576848"/>
+                    </a:ext>
+                  </a:extLst>
+                </a:gridCol>
+                <a:gridCol w="432518">
+                  <a:extLst>
+                    <a:ext uri="{9D8B030D-6E8A-4147-A177-3AD203B41FA5}">
+                      <a16:colId xmlns:a16="http://schemas.microsoft.com/office/drawing/2014/main" val="922056252"/>
+                    </a:ext>
+                  </a:extLst>
+                </a:gridCol>
+                <a:gridCol w="432518">
+                  <a:extLst>
+                    <a:ext uri="{9D8B030D-6E8A-4147-A177-3AD203B41FA5}">
+                      <a16:colId xmlns:a16="http://schemas.microsoft.com/office/drawing/2014/main" val="1325362486"/>
+                    </a:ext>
+                  </a:extLst>
+                </a:gridCol>
+                <a:gridCol w="432518">
+                  <a:extLst>
+                    <a:ext uri="{9D8B030D-6E8A-4147-A177-3AD203B41FA5}">
+                      <a16:colId xmlns:a16="http://schemas.microsoft.com/office/drawing/2014/main" val="1191496010"/>
+                    </a:ext>
+                  </a:extLst>
+                </a:gridCol>
+                <a:gridCol w="432518">
+                  <a:extLst>
+                    <a:ext uri="{9D8B030D-6E8A-4147-A177-3AD203B41FA5}">
+                      <a16:colId xmlns:a16="http://schemas.microsoft.com/office/drawing/2014/main" val="3058933592"/>
+                    </a:ext>
+                  </a:extLst>
+                </a:gridCol>
+                <a:gridCol w="432518">
+                  <a:extLst>
+                    <a:ext uri="{9D8B030D-6E8A-4147-A177-3AD203B41FA5}">
+                      <a16:colId xmlns:a16="http://schemas.microsoft.com/office/drawing/2014/main" val="3631126271"/>
+                    </a:ext>
+                  </a:extLst>
+                </a:gridCol>
+                <a:gridCol w="432518">
+                  <a:extLst>
+                    <a:ext uri="{9D8B030D-6E8A-4147-A177-3AD203B41FA5}">
+                      <a16:colId xmlns:a16="http://schemas.microsoft.com/office/drawing/2014/main" val="2386227234"/>
+                    </a:ext>
+                  </a:extLst>
+                </a:gridCol>
+                <a:gridCol w="432518">
+                  <a:extLst>
+                    <a:ext uri="{9D8B030D-6E8A-4147-A177-3AD203B41FA5}">
+                      <a16:colId xmlns:a16="http://schemas.microsoft.com/office/drawing/2014/main" val="1853346971"/>
+                    </a:ext>
+                  </a:extLst>
+                </a:gridCol>
+                <a:gridCol w="432518">
+                  <a:extLst>
+                    <a:ext uri="{9D8B030D-6E8A-4147-A177-3AD203B41FA5}">
+                      <a16:colId xmlns:a16="http://schemas.microsoft.com/office/drawing/2014/main" val="458630914"/>
+                    </a:ext>
+                  </a:extLst>
+                </a:gridCol>
+                <a:gridCol w="432518">
+                  <a:extLst>
+                    <a:ext uri="{9D8B030D-6E8A-4147-A177-3AD203B41FA5}">
+                      <a16:colId xmlns:a16="http://schemas.microsoft.com/office/drawing/2014/main" val="3521338233"/>
+                    </a:ext>
+                  </a:extLst>
+                </a:gridCol>
+                <a:gridCol w="432518">
+                  <a:extLst>
+                    <a:ext uri="{9D8B030D-6E8A-4147-A177-3AD203B41FA5}">
+                      <a16:colId xmlns:a16="http://schemas.microsoft.com/office/drawing/2014/main" val="3237484714"/>
+                    </a:ext>
+                  </a:extLst>
+                </a:gridCol>
+                <a:gridCol w="432518">
+                  <a:extLst>
+                    <a:ext uri="{9D8B030D-6E8A-4147-A177-3AD203B41FA5}">
+                      <a16:colId xmlns:a16="http://schemas.microsoft.com/office/drawing/2014/main" val="862468447"/>
+                    </a:ext>
+                  </a:extLst>
+                </a:gridCol>
+                <a:gridCol w="432518">
+                  <a:extLst>
+                    <a:ext uri="{9D8B030D-6E8A-4147-A177-3AD203B41FA5}">
+                      <a16:colId xmlns:a16="http://schemas.microsoft.com/office/drawing/2014/main" val="3110099241"/>
+                    </a:ext>
+                  </a:extLst>
+                </a:gridCol>
+              </a:tblGrid>
+              <a:tr h="129755">
+                <a:tc>
+                  <a:txBody>
+                    <a:bodyPr/>
+                    <a:lstStyle/>
+                    <a:p>
+                      <a:pPr algn="l" fontAlgn="b"/>
+                      <a:r>
+                        <a:rPr lang="en-US" sz="800" u="none" strike="noStrike">
+                          <a:effectLst/>
+                        </a:rPr>
+                        <a:t>run_A</a:t>
+                      </a:r>
+                      <a:endParaRPr lang="en-US" sz="800" b="0" i="0" u="none" strike="noStrike">
+                        <a:solidFill>
+                          <a:srgbClr val="000000"/>
+                        </a:solidFill>
+                        <a:effectLst/>
+                        <a:latin typeface="Calibri" panose="020F0502020204030204" pitchFamily="34" charset="0"/>
+                      </a:endParaRPr>
+                    </a:p>
+                  </a:txBody>
+                  <a:tcPr marL="0" marR="0" marT="0" marB="0" anchor="b"/>
+                </a:tc>
+                <a:tc>
+                  <a:txBody>
+                    <a:bodyPr/>
+                    <a:lstStyle/>
+                    <a:p>
+                      <a:pPr algn="l" fontAlgn="b"/>
+                      <a:r>
+                        <a:rPr lang="en-US" sz="800" u="none" strike="noStrike">
+                          <a:effectLst/>
+                        </a:rPr>
+                        <a:t>y</a:t>
+                      </a:r>
+                      <a:endParaRPr lang="en-US" sz="800" b="0" i="0" u="none" strike="noStrike">
+                        <a:solidFill>
+                          <a:srgbClr val="000000"/>
+                        </a:solidFill>
+                        <a:effectLst/>
+                        <a:latin typeface="Calibri" panose="020F0502020204030204" pitchFamily="34" charset="0"/>
+                      </a:endParaRPr>
+                    </a:p>
+                  </a:txBody>
+                  <a:tcPr marL="0" marR="0" marT="0" marB="0" anchor="b"/>
+                </a:tc>
+                <a:tc>
+                  <a:txBody>
+                    <a:bodyPr/>
+                    <a:lstStyle/>
+                    <a:p>
+                      <a:pPr algn="l" fontAlgn="b"/>
+                      <a:r>
+                        <a:rPr lang="en-US" sz="800" u="none" strike="noStrike">
+                          <a:effectLst/>
+                        </a:rPr>
+                        <a:t>y</a:t>
+                      </a:r>
+                      <a:endParaRPr lang="en-US" sz="800" b="0" i="0" u="none" strike="noStrike">
+                        <a:solidFill>
+                          <a:srgbClr val="000000"/>
+                        </a:solidFill>
+                        <a:effectLst/>
+                        <a:latin typeface="Calibri" panose="020F0502020204030204" pitchFamily="34" charset="0"/>
+                      </a:endParaRPr>
+                    </a:p>
+                  </a:txBody>
+                  <a:tcPr marL="0" marR="0" marT="0" marB="0" anchor="b"/>
+                </a:tc>
+                <a:tc>
+                  <a:txBody>
+                    <a:bodyPr/>
+                    <a:lstStyle/>
+                    <a:p>
+                      <a:pPr algn="l" fontAlgn="b"/>
+                      <a:r>
+                        <a:rPr lang="en-US" sz="800" u="none" strike="noStrike">
+                          <a:effectLst/>
+                        </a:rPr>
+                        <a:t>y</a:t>
+                      </a:r>
+                      <a:endParaRPr lang="en-US" sz="800" b="0" i="0" u="none" strike="noStrike">
+                        <a:solidFill>
+                          <a:srgbClr val="000000"/>
+                        </a:solidFill>
+                        <a:effectLst/>
+                        <a:latin typeface="Calibri" panose="020F0502020204030204" pitchFamily="34" charset="0"/>
+                      </a:endParaRPr>
+                    </a:p>
+                  </a:txBody>
+                  <a:tcPr marL="0" marR="0" marT="0" marB="0" anchor="b"/>
+                </a:tc>
+                <a:tc>
+                  <a:txBody>
+                    <a:bodyPr/>
+                    <a:lstStyle/>
+                    <a:p>
+                      <a:pPr algn="l" fontAlgn="b"/>
+                      <a:r>
+                        <a:rPr lang="en-US" sz="800" u="none" strike="noStrike">
+                          <a:effectLst/>
+                        </a:rPr>
+                        <a:t>y</a:t>
+                      </a:r>
+                      <a:endParaRPr lang="en-US" sz="800" b="0" i="0" u="none" strike="noStrike">
+                        <a:solidFill>
+                          <a:srgbClr val="000000"/>
+                        </a:solidFill>
+                        <a:effectLst/>
+                        <a:latin typeface="Calibri" panose="020F0502020204030204" pitchFamily="34" charset="0"/>
+                      </a:endParaRPr>
+                    </a:p>
+                  </a:txBody>
+                  <a:tcPr marL="0" marR="0" marT="0" marB="0" anchor="b"/>
+                </a:tc>
+                <a:tc>
+                  <a:txBody>
+                    <a:bodyPr/>
+                    <a:lstStyle/>
+                    <a:p>
+                      <a:pPr algn="l" fontAlgn="b"/>
+                      <a:r>
+                        <a:rPr lang="en-US" sz="800" u="none" strike="noStrike">
+                          <a:effectLst/>
+                        </a:rPr>
+                        <a:t>a</a:t>
+                      </a:r>
+                      <a:endParaRPr lang="en-US" sz="800" b="0" i="0" u="none" strike="noStrike">
+                        <a:solidFill>
+                          <a:srgbClr val="000000"/>
+                        </a:solidFill>
+                        <a:effectLst/>
+                        <a:latin typeface="Calibri" panose="020F0502020204030204" pitchFamily="34" charset="0"/>
+                      </a:endParaRPr>
+                    </a:p>
+                  </a:txBody>
+                  <a:tcPr marL="0" marR="0" marT="0" marB="0" anchor="b"/>
+                </a:tc>
+                <a:tc>
+                  <a:txBody>
+                    <a:bodyPr/>
+                    <a:lstStyle/>
+                    <a:p>
+                      <a:pPr algn="r" fontAlgn="b"/>
+                      <a:r>
+                        <a:rPr lang="en-US" sz="800" u="none" strike="noStrike">
+                          <a:effectLst/>
+                        </a:rPr>
+                        <a:t>0.45</a:t>
+                      </a:r>
+                      <a:endParaRPr lang="en-US" sz="800" b="0" i="0" u="none" strike="noStrike">
+                        <a:solidFill>
+                          <a:srgbClr val="000000"/>
+                        </a:solidFill>
+                        <a:effectLst/>
+                        <a:latin typeface="Calibri" panose="020F0502020204030204" pitchFamily="34" charset="0"/>
+                      </a:endParaRPr>
+                    </a:p>
+                  </a:txBody>
+                  <a:tcPr marL="0" marR="0" marT="0" marB="0" anchor="b"/>
+                </a:tc>
+                <a:tc>
+                  <a:txBody>
+                    <a:bodyPr/>
+                    <a:lstStyle/>
+                    <a:p>
+                      <a:pPr algn="r" fontAlgn="b"/>
+                      <a:r>
+                        <a:rPr lang="en-US" sz="800" u="none" strike="noStrike" dirty="0">
+                          <a:effectLst/>
+                        </a:rPr>
+                        <a:t>.07</a:t>
+                      </a:r>
+                      <a:endParaRPr lang="en-US" sz="800" b="0" i="0" u="none" strike="noStrike" dirty="0">
+                        <a:solidFill>
+                          <a:srgbClr val="000000"/>
+                        </a:solidFill>
+                        <a:effectLst/>
+                        <a:latin typeface="Calibri" panose="020F0502020204030204" pitchFamily="34" charset="0"/>
+                      </a:endParaRPr>
+                    </a:p>
+                  </a:txBody>
+                  <a:tcPr marL="0" marR="0" marT="0" marB="0" anchor="b"/>
+                </a:tc>
+                <a:tc>
+                  <a:txBody>
+                    <a:bodyPr/>
+                    <a:lstStyle/>
+                    <a:p>
+                      <a:pPr algn="r" fontAlgn="b"/>
+                      <a:r>
+                        <a:rPr lang="en-US" sz="800" u="none" strike="noStrike">
+                          <a:effectLst/>
+                        </a:rPr>
+                        <a:t>1</a:t>
+                      </a:r>
+                      <a:endParaRPr lang="en-US" sz="800" b="0" i="0" u="none" strike="noStrike">
+                        <a:solidFill>
+                          <a:srgbClr val="000000"/>
+                        </a:solidFill>
+                        <a:effectLst/>
+                        <a:latin typeface="Calibri" panose="020F0502020204030204" pitchFamily="34" charset="0"/>
+                      </a:endParaRPr>
+                    </a:p>
+                  </a:txBody>
+                  <a:tcPr marL="0" marR="0" marT="0" marB="0" anchor="b"/>
+                </a:tc>
+                <a:tc>
+                  <a:txBody>
+                    <a:bodyPr/>
+                    <a:lstStyle/>
+                    <a:p>
+                      <a:pPr algn="r" fontAlgn="b"/>
+                      <a:r>
+                        <a:rPr lang="en-US" sz="800" u="none" strike="noStrike">
+                          <a:effectLst/>
+                        </a:rPr>
+                        <a:t>100</a:t>
+                      </a:r>
+                      <a:endParaRPr lang="en-US" sz="800" b="0" i="0" u="none" strike="noStrike">
+                        <a:solidFill>
+                          <a:srgbClr val="000000"/>
+                        </a:solidFill>
+                        <a:effectLst/>
+                        <a:latin typeface="Calibri" panose="020F0502020204030204" pitchFamily="34" charset="0"/>
+                      </a:endParaRPr>
+                    </a:p>
+                  </a:txBody>
+                  <a:tcPr marL="0" marR="0" marT="0" marB="0" anchor="b"/>
+                </a:tc>
+                <a:tc>
+                  <a:txBody>
+                    <a:bodyPr/>
+                    <a:lstStyle/>
+                    <a:p>
+                      <a:pPr algn="r" fontAlgn="b"/>
+                      <a:r>
+                        <a:rPr lang="en-US" sz="800" u="none" strike="noStrike">
+                          <a:effectLst/>
+                        </a:rPr>
+                        <a:t>1000</a:t>
+                      </a:r>
+                      <a:endParaRPr lang="en-US" sz="800" b="0" i="0" u="none" strike="noStrike">
+                        <a:solidFill>
+                          <a:srgbClr val="000000"/>
+                        </a:solidFill>
+                        <a:effectLst/>
+                        <a:latin typeface="Calibri" panose="020F0502020204030204" pitchFamily="34" charset="0"/>
+                      </a:endParaRPr>
+                    </a:p>
+                  </a:txBody>
+                  <a:tcPr marL="0" marR="0" marT="0" marB="0" anchor="b"/>
+                </a:tc>
+                <a:tc>
+                  <a:txBody>
+                    <a:bodyPr/>
+                    <a:lstStyle/>
+                    <a:p>
+                      <a:pPr algn="r" fontAlgn="b"/>
+                      <a:r>
+                        <a:rPr lang="en-US" sz="800" u="none" strike="noStrike">
+                          <a:effectLst/>
+                        </a:rPr>
+                        <a:t>1000</a:t>
+                      </a:r>
+                      <a:endParaRPr lang="en-US" sz="800" b="0" i="0" u="none" strike="noStrike">
+                        <a:solidFill>
+                          <a:srgbClr val="000000"/>
+                        </a:solidFill>
+                        <a:effectLst/>
+                        <a:latin typeface="Calibri" panose="020F0502020204030204" pitchFamily="34" charset="0"/>
+                      </a:endParaRPr>
+                    </a:p>
+                  </a:txBody>
+                  <a:tcPr marL="0" marR="0" marT="0" marB="0" anchor="b"/>
+                </a:tc>
+                <a:tc>
+                  <a:txBody>
+                    <a:bodyPr/>
+                    <a:lstStyle/>
+                    <a:p>
+                      <a:pPr algn="r" fontAlgn="b"/>
+                      <a:r>
+                        <a:rPr lang="en-US" sz="800" u="none" strike="noStrike">
+                          <a:effectLst/>
+                        </a:rPr>
+                        <a:t>10</a:t>
+                      </a:r>
+                      <a:endParaRPr lang="en-US" sz="800" b="0" i="0" u="none" strike="noStrike">
+                        <a:solidFill>
+                          <a:srgbClr val="000000"/>
+                        </a:solidFill>
+                        <a:effectLst/>
+                        <a:latin typeface="Calibri" panose="020F0502020204030204" pitchFamily="34" charset="0"/>
+                      </a:endParaRPr>
+                    </a:p>
+                  </a:txBody>
+                  <a:tcPr marL="0" marR="0" marT="0" marB="0" anchor="b"/>
+                </a:tc>
+                <a:tc>
+                  <a:txBody>
+                    <a:bodyPr/>
+                    <a:lstStyle/>
+                    <a:p>
+                      <a:pPr algn="r" fontAlgn="b"/>
+                      <a:r>
+                        <a:rPr lang="en-US" sz="800" u="none" strike="noStrike">
+                          <a:effectLst/>
+                        </a:rPr>
+                        <a:t>40</a:t>
+                      </a:r>
+                      <a:endParaRPr lang="en-US" sz="800" b="0" i="0" u="none" strike="noStrike">
+                        <a:solidFill>
+                          <a:srgbClr val="000000"/>
+                        </a:solidFill>
+                        <a:effectLst/>
+                        <a:latin typeface="Calibri" panose="020F0502020204030204" pitchFamily="34" charset="0"/>
+                      </a:endParaRPr>
+                    </a:p>
+                  </a:txBody>
+                  <a:tcPr marL="0" marR="0" marT="0" marB="0" anchor="b"/>
+                </a:tc>
+                <a:tc>
+                  <a:txBody>
+                    <a:bodyPr/>
+                    <a:lstStyle/>
+                    <a:p>
+                      <a:pPr algn="r" fontAlgn="b"/>
+                      <a:r>
+                        <a:rPr lang="en-US" sz="800" u="none" strike="noStrike">
+                          <a:effectLst/>
+                        </a:rPr>
+                        <a:t>9</a:t>
+                      </a:r>
+                      <a:endParaRPr lang="en-US" sz="800" b="0" i="0" u="none" strike="noStrike">
+                        <a:solidFill>
+                          <a:srgbClr val="000000"/>
+                        </a:solidFill>
+                        <a:effectLst/>
+                        <a:latin typeface="Calibri" panose="020F0502020204030204" pitchFamily="34" charset="0"/>
+                      </a:endParaRPr>
+                    </a:p>
+                  </a:txBody>
+                  <a:tcPr marL="0" marR="0" marT="0" marB="0" anchor="b"/>
+                </a:tc>
+                <a:tc>
+                  <a:txBody>
+                    <a:bodyPr/>
+                    <a:lstStyle/>
+                    <a:p>
+                      <a:pPr algn="r" fontAlgn="b"/>
+                      <a:r>
+                        <a:rPr lang="en-US" sz="800" u="none" strike="noStrike">
+                          <a:effectLst/>
+                        </a:rPr>
+                        <a:t>2</a:t>
+                      </a:r>
+                      <a:endParaRPr lang="en-US" sz="800" b="0" i="0" u="none" strike="noStrike">
+                        <a:solidFill>
+                          <a:srgbClr val="000000"/>
+                        </a:solidFill>
+                        <a:effectLst/>
+                        <a:latin typeface="Calibri" panose="020F0502020204030204" pitchFamily="34" charset="0"/>
+                      </a:endParaRPr>
+                    </a:p>
+                  </a:txBody>
+                  <a:tcPr marL="0" marR="0" marT="0" marB="0" anchor="b"/>
+                </a:tc>
+                <a:tc>
+                  <a:txBody>
+                    <a:bodyPr/>
+                    <a:lstStyle/>
+                    <a:p>
+                      <a:pPr algn="r" fontAlgn="b"/>
+                      <a:r>
+                        <a:rPr lang="en-US" sz="800" u="none" strike="noStrike">
+                          <a:effectLst/>
+                        </a:rPr>
+                        <a:t>1</a:t>
+                      </a:r>
+                      <a:endParaRPr lang="en-US" sz="800" b="0" i="0" u="none" strike="noStrike">
+                        <a:solidFill>
+                          <a:srgbClr val="000000"/>
+                        </a:solidFill>
+                        <a:effectLst/>
+                        <a:latin typeface="Calibri" panose="020F0502020204030204" pitchFamily="34" charset="0"/>
+                      </a:endParaRPr>
+                    </a:p>
+                  </a:txBody>
+                  <a:tcPr marL="0" marR="0" marT="0" marB="0" anchor="b"/>
+                </a:tc>
+                <a:tc>
+                  <a:txBody>
+                    <a:bodyPr/>
+                    <a:lstStyle/>
+                    <a:p>
+                      <a:pPr algn="r" fontAlgn="b"/>
+                      <a:r>
+                        <a:rPr lang="en-US" sz="800" u="none" strike="noStrike">
+                          <a:effectLst/>
+                        </a:rPr>
+                        <a:t>350</a:t>
+                      </a:r>
+                      <a:endParaRPr lang="en-US" sz="800" b="0" i="0" u="none" strike="noStrike">
+                        <a:solidFill>
+                          <a:srgbClr val="000000"/>
+                        </a:solidFill>
+                        <a:effectLst/>
+                        <a:latin typeface="Calibri" panose="020F0502020204030204" pitchFamily="34" charset="0"/>
+                      </a:endParaRPr>
+                    </a:p>
+                  </a:txBody>
+                  <a:tcPr marL="0" marR="0" marT="0" marB="0" anchor="b"/>
+                </a:tc>
+                <a:tc>
+                  <a:txBody>
+                    <a:bodyPr/>
+                    <a:lstStyle/>
+                    <a:p>
+                      <a:pPr algn="r" fontAlgn="b"/>
+                      <a:r>
+                        <a:rPr lang="en-US" sz="800" u="none" strike="noStrike">
+                          <a:effectLst/>
+                        </a:rPr>
+                        <a:t>1</a:t>
+                      </a:r>
+                      <a:endParaRPr lang="en-US" sz="800" b="0" i="0" u="none" strike="noStrike">
+                        <a:solidFill>
+                          <a:srgbClr val="000000"/>
+                        </a:solidFill>
+                        <a:effectLst/>
+                        <a:latin typeface="Calibri" panose="020F0502020204030204" pitchFamily="34" charset="0"/>
+                      </a:endParaRPr>
+                    </a:p>
+                  </a:txBody>
+                  <a:tcPr marL="0" marR="0" marT="0" marB="0" anchor="b"/>
+                </a:tc>
+                <a:tc>
+                  <a:txBody>
+                    <a:bodyPr/>
+                    <a:lstStyle/>
+                    <a:p>
+                      <a:pPr algn="l" fontAlgn="b"/>
+                      <a:endParaRPr lang="en-US" sz="800" b="0" i="0" u="none" strike="noStrike">
+                        <a:solidFill>
+                          <a:srgbClr val="000000"/>
+                        </a:solidFill>
+                        <a:effectLst/>
+                        <a:latin typeface="Calibri" panose="020F0502020204030204" pitchFamily="34" charset="0"/>
+                      </a:endParaRPr>
+                    </a:p>
+                  </a:txBody>
+                  <a:tcPr marL="0" marR="0" marT="0" marB="0" anchor="b"/>
+                </a:tc>
+                <a:tc>
+                  <a:txBody>
+                    <a:bodyPr/>
+                    <a:lstStyle/>
+                    <a:p>
+                      <a:pPr algn="r" fontAlgn="b"/>
+                      <a:r>
+                        <a:rPr lang="en-US" sz="800" u="none" strike="noStrike">
+                          <a:effectLst/>
+                        </a:rPr>
+                        <a:t>100</a:t>
+                      </a:r>
+                      <a:endParaRPr lang="en-US" sz="800" b="0" i="0" u="none" strike="noStrike">
+                        <a:solidFill>
+                          <a:srgbClr val="000000"/>
+                        </a:solidFill>
+                        <a:effectLst/>
+                        <a:latin typeface="Calibri" panose="020F0502020204030204" pitchFamily="34" charset="0"/>
+                      </a:endParaRPr>
+                    </a:p>
+                  </a:txBody>
+                  <a:tcPr marL="0" marR="0" marT="0" marB="0" anchor="b"/>
+                </a:tc>
+                <a:tc>
+                  <a:txBody>
+                    <a:bodyPr/>
+                    <a:lstStyle/>
+                    <a:p>
+                      <a:pPr algn="r" fontAlgn="b"/>
+                      <a:r>
+                        <a:rPr lang="en-US" sz="800" u="none" strike="noStrike">
+                          <a:effectLst/>
+                        </a:rPr>
+                        <a:t>0</a:t>
+                      </a:r>
+                      <a:endParaRPr lang="en-US" sz="800" b="0" i="0" u="none" strike="noStrike">
+                        <a:solidFill>
+                          <a:srgbClr val="000000"/>
+                        </a:solidFill>
+                        <a:effectLst/>
+                        <a:latin typeface="Calibri" panose="020F0502020204030204" pitchFamily="34" charset="0"/>
+                      </a:endParaRPr>
+                    </a:p>
+                  </a:txBody>
+                  <a:tcPr marL="0" marR="0" marT="0" marB="0" anchor="b"/>
+                </a:tc>
+                <a:tc>
+                  <a:txBody>
+                    <a:bodyPr/>
+                    <a:lstStyle/>
+                    <a:p>
+                      <a:pPr algn="l" fontAlgn="b"/>
+                      <a:endParaRPr lang="en-US" sz="800" b="0" i="0" u="none" strike="noStrike">
+                        <a:solidFill>
+                          <a:srgbClr val="000000"/>
+                        </a:solidFill>
+                        <a:effectLst/>
+                        <a:latin typeface="Calibri" panose="020F0502020204030204" pitchFamily="34" charset="0"/>
+                      </a:endParaRPr>
+                    </a:p>
+                  </a:txBody>
+                  <a:tcPr marL="0" marR="0" marT="0" marB="0" anchor="b"/>
+                </a:tc>
+                <a:extLst>
+                  <a:ext uri="{0D108BD9-81ED-4DB2-BD59-A6C34878D82A}">
+                    <a16:rowId xmlns:a16="http://schemas.microsoft.com/office/drawing/2014/main" val="2996791962"/>
+                  </a:ext>
+                </a:extLst>
+              </a:tr>
+              <a:tr h="129755">
+                <a:tc>
+                  <a:txBody>
+                    <a:bodyPr/>
+                    <a:lstStyle/>
+                    <a:p>
+                      <a:pPr algn="l" fontAlgn="b"/>
+                      <a:r>
+                        <a:rPr lang="en-US" sz="800" u="none" strike="noStrike">
+                          <a:effectLst/>
+                        </a:rPr>
+                        <a:t>run_B</a:t>
+                      </a:r>
+                      <a:endParaRPr lang="en-US" sz="800" b="0" i="0" u="none" strike="noStrike">
+                        <a:solidFill>
+                          <a:srgbClr val="000000"/>
+                        </a:solidFill>
+                        <a:effectLst/>
+                        <a:latin typeface="Calibri" panose="020F0502020204030204" pitchFamily="34" charset="0"/>
+                      </a:endParaRPr>
+                    </a:p>
+                  </a:txBody>
+                  <a:tcPr marL="0" marR="0" marT="0" marB="0" anchor="b"/>
+                </a:tc>
+                <a:tc>
+                  <a:txBody>
+                    <a:bodyPr/>
+                    <a:lstStyle/>
+                    <a:p>
+                      <a:pPr algn="l" fontAlgn="b"/>
+                      <a:r>
+                        <a:rPr lang="en-US" sz="800" u="none" strike="noStrike">
+                          <a:effectLst/>
+                        </a:rPr>
+                        <a:t>y</a:t>
+                      </a:r>
+                      <a:endParaRPr lang="en-US" sz="800" b="0" i="0" u="none" strike="noStrike">
+                        <a:solidFill>
+                          <a:srgbClr val="000000"/>
+                        </a:solidFill>
+                        <a:effectLst/>
+                        <a:latin typeface="Calibri" panose="020F0502020204030204" pitchFamily="34" charset="0"/>
+                      </a:endParaRPr>
+                    </a:p>
+                  </a:txBody>
+                  <a:tcPr marL="0" marR="0" marT="0" marB="0" anchor="b"/>
+                </a:tc>
+                <a:tc>
+                  <a:txBody>
+                    <a:bodyPr/>
+                    <a:lstStyle/>
+                    <a:p>
+                      <a:pPr algn="l" fontAlgn="b"/>
+                      <a:r>
+                        <a:rPr lang="en-US" sz="800" u="none" strike="noStrike">
+                          <a:effectLst/>
+                        </a:rPr>
+                        <a:t>y</a:t>
+                      </a:r>
+                      <a:endParaRPr lang="en-US" sz="800" b="0" i="0" u="none" strike="noStrike">
+                        <a:solidFill>
+                          <a:srgbClr val="000000"/>
+                        </a:solidFill>
+                        <a:effectLst/>
+                        <a:latin typeface="Calibri" panose="020F0502020204030204" pitchFamily="34" charset="0"/>
+                      </a:endParaRPr>
+                    </a:p>
+                  </a:txBody>
+                  <a:tcPr marL="0" marR="0" marT="0" marB="0" anchor="b"/>
+                </a:tc>
+                <a:tc>
+                  <a:txBody>
+                    <a:bodyPr/>
+                    <a:lstStyle/>
+                    <a:p>
+                      <a:pPr algn="l" fontAlgn="b"/>
+                      <a:r>
+                        <a:rPr lang="en-US" sz="800" u="none" strike="noStrike">
+                          <a:effectLst/>
+                        </a:rPr>
+                        <a:t>y</a:t>
+                      </a:r>
+                      <a:endParaRPr lang="en-US" sz="800" b="0" i="0" u="none" strike="noStrike">
+                        <a:solidFill>
+                          <a:srgbClr val="000000"/>
+                        </a:solidFill>
+                        <a:effectLst/>
+                        <a:latin typeface="Calibri" panose="020F0502020204030204" pitchFamily="34" charset="0"/>
+                      </a:endParaRPr>
+                    </a:p>
+                  </a:txBody>
+                  <a:tcPr marL="0" marR="0" marT="0" marB="0" anchor="b"/>
+                </a:tc>
+                <a:tc>
+                  <a:txBody>
+                    <a:bodyPr/>
+                    <a:lstStyle/>
+                    <a:p>
+                      <a:pPr algn="l" fontAlgn="b"/>
+                      <a:r>
+                        <a:rPr lang="en-US" sz="800" u="none" strike="noStrike">
+                          <a:effectLst/>
+                        </a:rPr>
+                        <a:t>y</a:t>
+                      </a:r>
+                      <a:endParaRPr lang="en-US" sz="800" b="0" i="0" u="none" strike="noStrike">
+                        <a:solidFill>
+                          <a:srgbClr val="000000"/>
+                        </a:solidFill>
+                        <a:effectLst/>
+                        <a:latin typeface="Calibri" panose="020F0502020204030204" pitchFamily="34" charset="0"/>
+                      </a:endParaRPr>
+                    </a:p>
+                  </a:txBody>
+                  <a:tcPr marL="0" marR="0" marT="0" marB="0" anchor="b"/>
+                </a:tc>
+                <a:tc>
+                  <a:txBody>
+                    <a:bodyPr/>
+                    <a:lstStyle/>
+                    <a:p>
+                      <a:pPr algn="r" fontAlgn="b"/>
+                      <a:r>
+                        <a:rPr lang="en-US" sz="800" u="none" strike="noStrike">
+                          <a:effectLst/>
+                        </a:rPr>
+                        <a:t>0</a:t>
+                      </a:r>
+                      <a:endParaRPr lang="en-US" sz="800" b="0" i="0" u="none" strike="noStrike">
+                        <a:solidFill>
+                          <a:srgbClr val="000000"/>
+                        </a:solidFill>
+                        <a:effectLst/>
+                        <a:latin typeface="Calibri" panose="020F0502020204030204" pitchFamily="34" charset="0"/>
+                      </a:endParaRPr>
+                    </a:p>
+                  </a:txBody>
+                  <a:tcPr marL="0" marR="0" marT="0" marB="0" anchor="b"/>
+                </a:tc>
+                <a:tc>
+                  <a:txBody>
+                    <a:bodyPr/>
+                    <a:lstStyle/>
+                    <a:p>
+                      <a:pPr algn="r" fontAlgn="b"/>
+                      <a:r>
+                        <a:rPr lang="en-US" sz="800" u="none" strike="noStrike">
+                          <a:effectLst/>
+                        </a:rPr>
+                        <a:t>0.45</a:t>
+                      </a:r>
+                      <a:endParaRPr lang="en-US" sz="800" b="0" i="0" u="none" strike="noStrike">
+                        <a:solidFill>
+                          <a:srgbClr val="000000"/>
+                        </a:solidFill>
+                        <a:effectLst/>
+                        <a:latin typeface="Calibri" panose="020F0502020204030204" pitchFamily="34" charset="0"/>
+                      </a:endParaRPr>
+                    </a:p>
+                  </a:txBody>
+                  <a:tcPr marL="0" marR="0" marT="0" marB="0" anchor="b"/>
+                </a:tc>
+                <a:tc>
+                  <a:txBody>
+                    <a:bodyPr/>
+                    <a:lstStyle/>
+                    <a:p>
+                      <a:pPr algn="r" fontAlgn="b"/>
+                      <a:r>
+                        <a:rPr lang="en-US" sz="800" u="none" strike="noStrike" dirty="0">
+                          <a:effectLst/>
+                        </a:rPr>
+                        <a:t>0.07</a:t>
+                      </a:r>
+                      <a:endParaRPr lang="en-US" sz="800" b="0" i="0" u="none" strike="noStrike" dirty="0">
+                        <a:solidFill>
+                          <a:srgbClr val="000000"/>
+                        </a:solidFill>
+                        <a:effectLst/>
+                        <a:latin typeface="Calibri" panose="020F0502020204030204" pitchFamily="34" charset="0"/>
+                      </a:endParaRPr>
+                    </a:p>
+                  </a:txBody>
+                  <a:tcPr marL="0" marR="0" marT="0" marB="0" anchor="b"/>
+                </a:tc>
+                <a:tc>
+                  <a:txBody>
+                    <a:bodyPr/>
+                    <a:lstStyle/>
+                    <a:p>
+                      <a:pPr algn="r" fontAlgn="b"/>
+                      <a:r>
+                        <a:rPr lang="en-US" sz="800" u="none" strike="noStrike">
+                          <a:effectLst/>
+                        </a:rPr>
+                        <a:t>1</a:t>
+                      </a:r>
+                      <a:endParaRPr lang="en-US" sz="800" b="0" i="0" u="none" strike="noStrike">
+                        <a:solidFill>
+                          <a:srgbClr val="000000"/>
+                        </a:solidFill>
+                        <a:effectLst/>
+                        <a:latin typeface="Calibri" panose="020F0502020204030204" pitchFamily="34" charset="0"/>
+                      </a:endParaRPr>
+                    </a:p>
+                  </a:txBody>
+                  <a:tcPr marL="0" marR="0" marT="0" marB="0" anchor="b"/>
+                </a:tc>
+                <a:tc>
+                  <a:txBody>
+                    <a:bodyPr/>
+                    <a:lstStyle/>
+                    <a:p>
+                      <a:pPr algn="r" fontAlgn="b"/>
+                      <a:r>
+                        <a:rPr lang="en-US" sz="800" u="none" strike="noStrike">
+                          <a:effectLst/>
+                        </a:rPr>
+                        <a:t>100</a:t>
+                      </a:r>
+                      <a:endParaRPr lang="en-US" sz="800" b="0" i="0" u="none" strike="noStrike">
+                        <a:solidFill>
+                          <a:srgbClr val="000000"/>
+                        </a:solidFill>
+                        <a:effectLst/>
+                        <a:latin typeface="Calibri" panose="020F0502020204030204" pitchFamily="34" charset="0"/>
+                      </a:endParaRPr>
+                    </a:p>
+                  </a:txBody>
+                  <a:tcPr marL="0" marR="0" marT="0" marB="0" anchor="b"/>
+                </a:tc>
+                <a:tc>
+                  <a:txBody>
+                    <a:bodyPr/>
+                    <a:lstStyle/>
+                    <a:p>
+                      <a:pPr algn="r" fontAlgn="b"/>
+                      <a:r>
+                        <a:rPr lang="en-US" sz="800" u="none" strike="noStrike">
+                          <a:effectLst/>
+                        </a:rPr>
+                        <a:t>1000</a:t>
+                      </a:r>
+                      <a:endParaRPr lang="en-US" sz="800" b="0" i="0" u="none" strike="noStrike">
+                        <a:solidFill>
+                          <a:srgbClr val="000000"/>
+                        </a:solidFill>
+                        <a:effectLst/>
+                        <a:latin typeface="Calibri" panose="020F0502020204030204" pitchFamily="34" charset="0"/>
+                      </a:endParaRPr>
+                    </a:p>
+                  </a:txBody>
+                  <a:tcPr marL="0" marR="0" marT="0" marB="0" anchor="b"/>
+                </a:tc>
+                <a:tc>
+                  <a:txBody>
+                    <a:bodyPr/>
+                    <a:lstStyle/>
+                    <a:p>
+                      <a:pPr algn="r" fontAlgn="b"/>
+                      <a:r>
+                        <a:rPr lang="en-US" sz="800" u="none" strike="noStrike">
+                          <a:effectLst/>
+                        </a:rPr>
+                        <a:t>1000</a:t>
+                      </a:r>
+                      <a:endParaRPr lang="en-US" sz="800" b="0" i="0" u="none" strike="noStrike">
+                        <a:solidFill>
+                          <a:srgbClr val="000000"/>
+                        </a:solidFill>
+                        <a:effectLst/>
+                        <a:latin typeface="Calibri" panose="020F0502020204030204" pitchFamily="34" charset="0"/>
+                      </a:endParaRPr>
+                    </a:p>
+                  </a:txBody>
+                  <a:tcPr marL="0" marR="0" marT="0" marB="0" anchor="b"/>
+                </a:tc>
+                <a:tc>
+                  <a:txBody>
+                    <a:bodyPr/>
+                    <a:lstStyle/>
+                    <a:p>
+                      <a:pPr algn="r" fontAlgn="b"/>
+                      <a:r>
+                        <a:rPr lang="en-US" sz="800" u="none" strike="noStrike">
+                          <a:effectLst/>
+                        </a:rPr>
+                        <a:t>10</a:t>
+                      </a:r>
+                      <a:endParaRPr lang="en-US" sz="800" b="0" i="0" u="none" strike="noStrike">
+                        <a:solidFill>
+                          <a:srgbClr val="000000"/>
+                        </a:solidFill>
+                        <a:effectLst/>
+                        <a:latin typeface="Calibri" panose="020F0502020204030204" pitchFamily="34" charset="0"/>
+                      </a:endParaRPr>
+                    </a:p>
+                  </a:txBody>
+                  <a:tcPr marL="0" marR="0" marT="0" marB="0" anchor="b"/>
+                </a:tc>
+                <a:tc>
+                  <a:txBody>
+                    <a:bodyPr/>
+                    <a:lstStyle/>
+                    <a:p>
+                      <a:pPr algn="r" fontAlgn="b"/>
+                      <a:r>
+                        <a:rPr lang="en-US" sz="800" u="none" strike="noStrike">
+                          <a:effectLst/>
+                        </a:rPr>
+                        <a:t>40</a:t>
+                      </a:r>
+                      <a:endParaRPr lang="en-US" sz="800" b="0" i="0" u="none" strike="noStrike">
+                        <a:solidFill>
+                          <a:srgbClr val="000000"/>
+                        </a:solidFill>
+                        <a:effectLst/>
+                        <a:latin typeface="Calibri" panose="020F0502020204030204" pitchFamily="34" charset="0"/>
+                      </a:endParaRPr>
+                    </a:p>
+                  </a:txBody>
+                  <a:tcPr marL="0" marR="0" marT="0" marB="0" anchor="b"/>
+                </a:tc>
+                <a:tc>
+                  <a:txBody>
+                    <a:bodyPr/>
+                    <a:lstStyle/>
+                    <a:p>
+                      <a:pPr algn="r" fontAlgn="b"/>
+                      <a:r>
+                        <a:rPr lang="en-US" sz="800" u="none" strike="noStrike">
+                          <a:effectLst/>
+                        </a:rPr>
+                        <a:t>9</a:t>
+                      </a:r>
+                      <a:endParaRPr lang="en-US" sz="800" b="0" i="0" u="none" strike="noStrike">
+                        <a:solidFill>
+                          <a:srgbClr val="000000"/>
+                        </a:solidFill>
+                        <a:effectLst/>
+                        <a:latin typeface="Calibri" panose="020F0502020204030204" pitchFamily="34" charset="0"/>
+                      </a:endParaRPr>
+                    </a:p>
+                  </a:txBody>
+                  <a:tcPr marL="0" marR="0" marT="0" marB="0" anchor="b"/>
+                </a:tc>
+                <a:tc>
+                  <a:txBody>
+                    <a:bodyPr/>
+                    <a:lstStyle/>
+                    <a:p>
+                      <a:pPr algn="r" fontAlgn="b"/>
+                      <a:r>
+                        <a:rPr lang="en-US" sz="800" u="none" strike="noStrike">
+                          <a:effectLst/>
+                        </a:rPr>
+                        <a:t>2</a:t>
+                      </a:r>
+                      <a:endParaRPr lang="en-US" sz="800" b="0" i="0" u="none" strike="noStrike">
+                        <a:solidFill>
+                          <a:srgbClr val="000000"/>
+                        </a:solidFill>
+                        <a:effectLst/>
+                        <a:latin typeface="Calibri" panose="020F0502020204030204" pitchFamily="34" charset="0"/>
+                      </a:endParaRPr>
+                    </a:p>
+                  </a:txBody>
+                  <a:tcPr marL="0" marR="0" marT="0" marB="0" anchor="b"/>
+                </a:tc>
+                <a:tc>
+                  <a:txBody>
+                    <a:bodyPr/>
+                    <a:lstStyle/>
+                    <a:p>
+                      <a:pPr algn="r" fontAlgn="b"/>
+                      <a:r>
+                        <a:rPr lang="en-US" sz="800" u="none" strike="noStrike">
+                          <a:effectLst/>
+                        </a:rPr>
+                        <a:t>1</a:t>
+                      </a:r>
+                      <a:endParaRPr lang="en-US" sz="800" b="0" i="0" u="none" strike="noStrike">
+                        <a:solidFill>
+                          <a:srgbClr val="000000"/>
+                        </a:solidFill>
+                        <a:effectLst/>
+                        <a:latin typeface="Calibri" panose="020F0502020204030204" pitchFamily="34" charset="0"/>
+                      </a:endParaRPr>
+                    </a:p>
+                  </a:txBody>
+                  <a:tcPr marL="0" marR="0" marT="0" marB="0" anchor="b"/>
+                </a:tc>
+                <a:tc>
+                  <a:txBody>
+                    <a:bodyPr/>
+                    <a:lstStyle/>
+                    <a:p>
+                      <a:pPr algn="r" fontAlgn="b"/>
+                      <a:r>
+                        <a:rPr lang="en-US" sz="800" u="none" strike="noStrike">
+                          <a:effectLst/>
+                        </a:rPr>
+                        <a:t>350</a:t>
+                      </a:r>
+                      <a:endParaRPr lang="en-US" sz="800" b="0" i="0" u="none" strike="noStrike">
+                        <a:solidFill>
+                          <a:srgbClr val="000000"/>
+                        </a:solidFill>
+                        <a:effectLst/>
+                        <a:latin typeface="Calibri" panose="020F0502020204030204" pitchFamily="34" charset="0"/>
+                      </a:endParaRPr>
+                    </a:p>
+                  </a:txBody>
+                  <a:tcPr marL="0" marR="0" marT="0" marB="0" anchor="b"/>
+                </a:tc>
+                <a:tc>
+                  <a:txBody>
+                    <a:bodyPr/>
+                    <a:lstStyle/>
+                    <a:p>
+                      <a:pPr algn="r" fontAlgn="b"/>
+                      <a:r>
+                        <a:rPr lang="en-US" sz="800" u="none" strike="noStrike">
+                          <a:effectLst/>
+                        </a:rPr>
+                        <a:t>1</a:t>
+                      </a:r>
+                      <a:endParaRPr lang="en-US" sz="800" b="0" i="0" u="none" strike="noStrike">
+                        <a:solidFill>
+                          <a:srgbClr val="000000"/>
+                        </a:solidFill>
+                        <a:effectLst/>
+                        <a:latin typeface="Calibri" panose="020F0502020204030204" pitchFamily="34" charset="0"/>
+                      </a:endParaRPr>
+                    </a:p>
+                  </a:txBody>
+                  <a:tcPr marL="0" marR="0" marT="0" marB="0" anchor="b"/>
+                </a:tc>
+                <a:tc>
+                  <a:txBody>
+                    <a:bodyPr/>
+                    <a:lstStyle/>
+                    <a:p>
+                      <a:pPr algn="l" fontAlgn="b"/>
+                      <a:endParaRPr lang="en-US" sz="800" b="0" i="0" u="none" strike="noStrike">
+                        <a:solidFill>
+                          <a:srgbClr val="000000"/>
+                        </a:solidFill>
+                        <a:effectLst/>
+                        <a:latin typeface="Calibri" panose="020F0502020204030204" pitchFamily="34" charset="0"/>
+                      </a:endParaRPr>
+                    </a:p>
+                  </a:txBody>
+                  <a:tcPr marL="0" marR="0" marT="0" marB="0" anchor="b"/>
+                </a:tc>
+                <a:tc>
+                  <a:txBody>
+                    <a:bodyPr/>
+                    <a:lstStyle/>
+                    <a:p>
+                      <a:pPr algn="r" fontAlgn="b"/>
+                      <a:r>
+                        <a:rPr lang="en-US" sz="800" u="none" strike="noStrike">
+                          <a:effectLst/>
+                        </a:rPr>
+                        <a:t>100</a:t>
+                      </a:r>
+                      <a:endParaRPr lang="en-US" sz="800" b="0" i="0" u="none" strike="noStrike">
+                        <a:solidFill>
+                          <a:srgbClr val="000000"/>
+                        </a:solidFill>
+                        <a:effectLst/>
+                        <a:latin typeface="Calibri" panose="020F0502020204030204" pitchFamily="34" charset="0"/>
+                      </a:endParaRPr>
+                    </a:p>
+                  </a:txBody>
+                  <a:tcPr marL="0" marR="0" marT="0" marB="0" anchor="b"/>
+                </a:tc>
+                <a:tc>
+                  <a:txBody>
+                    <a:bodyPr/>
+                    <a:lstStyle/>
+                    <a:p>
+                      <a:pPr algn="r" fontAlgn="b"/>
+                      <a:r>
+                        <a:rPr lang="en-US" sz="800" u="none" strike="noStrike">
+                          <a:effectLst/>
+                        </a:rPr>
+                        <a:t>0</a:t>
+                      </a:r>
+                      <a:endParaRPr lang="en-US" sz="800" b="0" i="0" u="none" strike="noStrike">
+                        <a:solidFill>
+                          <a:srgbClr val="000000"/>
+                        </a:solidFill>
+                        <a:effectLst/>
+                        <a:latin typeface="Calibri" panose="020F0502020204030204" pitchFamily="34" charset="0"/>
+                      </a:endParaRPr>
+                    </a:p>
+                  </a:txBody>
+                  <a:tcPr marL="0" marR="0" marT="0" marB="0" anchor="b"/>
+                </a:tc>
+                <a:tc>
+                  <a:txBody>
+                    <a:bodyPr/>
+                    <a:lstStyle/>
+                    <a:p>
+                      <a:pPr algn="l" fontAlgn="b"/>
+                      <a:endParaRPr lang="en-US" sz="800" b="0" i="0" u="none" strike="noStrike" dirty="0">
+                        <a:solidFill>
+                          <a:srgbClr val="000000"/>
+                        </a:solidFill>
+                        <a:effectLst/>
+                        <a:latin typeface="Calibri" panose="020F0502020204030204" pitchFamily="34" charset="0"/>
+                      </a:endParaRPr>
+                    </a:p>
+                  </a:txBody>
+                  <a:tcPr marL="0" marR="0" marT="0" marB="0" anchor="b"/>
+                </a:tc>
+                <a:extLst>
+                  <a:ext uri="{0D108BD9-81ED-4DB2-BD59-A6C34878D82A}">
+                    <a16:rowId xmlns:a16="http://schemas.microsoft.com/office/drawing/2014/main" val="3201796736"/>
+                  </a:ext>
+                </a:extLst>
+              </a:tr>
+            </a:tbl>
+          </a:graphicData>
+        </a:graphic>
+      </p:graphicFrame>
     </p:spTree>
     <p:extLst>
       <p:ext uri="{BB962C8B-B14F-4D97-AF65-F5344CB8AC3E}">
